--- a/Materiały/Prezentacja.pptx
+++ b/Materiały/Prezentacja.pptx
@@ -5,23 +5,25 @@
     <p:sldMasterId id="2147483648" r:id="rId1"/>
   </p:sldMasterIdLst>
   <p:notesMasterIdLst>
-    <p:notesMasterId r:id="rId13"/>
+    <p:notesMasterId r:id="rId15"/>
   </p:notesMasterIdLst>
   <p:handoutMasterIdLst>
-    <p:handoutMasterId r:id="rId14"/>
+    <p:handoutMasterId r:id="rId16"/>
   </p:handoutMasterIdLst>
   <p:sldIdLst>
     <p:sldId id="261" r:id="rId2"/>
     <p:sldId id="257" r:id="rId3"/>
-    <p:sldId id="262" r:id="rId4"/>
-    <p:sldId id="263" r:id="rId5"/>
-    <p:sldId id="264" r:id="rId6"/>
-    <p:sldId id="265" r:id="rId7"/>
-    <p:sldId id="266" r:id="rId8"/>
-    <p:sldId id="267" r:id="rId9"/>
-    <p:sldId id="268" r:id="rId10"/>
-    <p:sldId id="269" r:id="rId11"/>
-    <p:sldId id="270" r:id="rId12"/>
+    <p:sldId id="271" r:id="rId4"/>
+    <p:sldId id="272" r:id="rId5"/>
+    <p:sldId id="263" r:id="rId6"/>
+    <p:sldId id="262" r:id="rId7"/>
+    <p:sldId id="264" r:id="rId8"/>
+    <p:sldId id="265" r:id="rId9"/>
+    <p:sldId id="266" r:id="rId10"/>
+    <p:sldId id="267" r:id="rId11"/>
+    <p:sldId id="268" r:id="rId12"/>
+    <p:sldId id="269" r:id="rId13"/>
+    <p:sldId id="270" r:id="rId14"/>
   </p:sldIdLst>
   <p:sldSz cx="12192000" cy="6858000"/>
   <p:notesSz cx="6858000" cy="9144000"/>
@@ -3885,7 +3887,7 @@
     </p:spTree>
     <p:extLst>
       <p:ext uri="{BB962C8B-B14F-4D97-AF65-F5344CB8AC3E}">
-        <p14:creationId xmlns:p14="http://schemas.microsoft.com/office/powerpoint/2010/main" val="3042752440"/>
+        <p14:creationId xmlns:p14="http://schemas.microsoft.com/office/powerpoint/2010/main" val="2333077848"/>
       </p:ext>
     </p:extLst>
   </p:cSld>
@@ -3962,6 +3964,176 @@
             <a:fld id="{82869989-EB00-4EE7-BCB5-25BDC5BB29F8}" type="slidenum">
               <a:rPr lang="pl-PL" smtClean="0"/>
               <a:t>11</a:t>
+            </a:fld>
+            <a:endParaRPr lang="pl-PL"/>
+          </a:p>
+        </p:txBody>
+      </p:sp>
+    </p:spTree>
+    <p:extLst>
+      <p:ext uri="{BB962C8B-B14F-4D97-AF65-F5344CB8AC3E}">
+        <p14:creationId xmlns:p14="http://schemas.microsoft.com/office/powerpoint/2010/main" val="970486069"/>
+      </p:ext>
+    </p:extLst>
+  </p:cSld>
+  <p:clrMapOvr>
+    <a:masterClrMapping/>
+  </p:clrMapOvr>
+</p:notes>
+</file>
+
+<file path=ppt/notesSlides/notesSlide12.xml><?xml version="1.0" encoding="utf-8"?>
+<p:notes xmlns:a="http://schemas.openxmlformats.org/drawingml/2006/main" xmlns:r="http://schemas.openxmlformats.org/officeDocument/2006/relationships" xmlns:p="http://schemas.openxmlformats.org/presentationml/2006/main">
+  <p:cSld>
+    <p:spTree>
+      <p:nvGrpSpPr>
+        <p:cNvPr id="1" name=""/>
+        <p:cNvGrpSpPr/>
+        <p:nvPr/>
+      </p:nvGrpSpPr>
+      <p:grpSpPr>
+        <a:xfrm>
+          <a:off x="0" y="0"/>
+          <a:ext cx="0" cy="0"/>
+          <a:chOff x="0" y="0"/>
+          <a:chExt cx="0" cy="0"/>
+        </a:xfrm>
+      </p:grpSpPr>
+      <p:sp>
+        <p:nvSpPr>
+          <p:cNvPr id="2" name="Symbol zastępczy obrazu slajdu 1"/>
+          <p:cNvSpPr>
+            <a:spLocks noGrp="1" noRot="1" noChangeAspect="1"/>
+          </p:cNvSpPr>
+          <p:nvPr>
+            <p:ph type="sldImg"/>
+          </p:nvPr>
+        </p:nvSpPr>
+        <p:spPr/>
+      </p:sp>
+      <p:sp>
+        <p:nvSpPr>
+          <p:cNvPr id="3" name="Symbol zastępczy notatek 2"/>
+          <p:cNvSpPr>
+            <a:spLocks noGrp="1"/>
+          </p:cNvSpPr>
+          <p:nvPr>
+            <p:ph type="body" idx="1"/>
+          </p:nvPr>
+        </p:nvSpPr>
+        <p:spPr/>
+        <p:txBody>
+          <a:bodyPr/>
+          <a:lstStyle/>
+          <a:p>
+            <a:endParaRPr lang="pl-PL"/>
+          </a:p>
+        </p:txBody>
+      </p:sp>
+      <p:sp>
+        <p:nvSpPr>
+          <p:cNvPr id="4" name="Symbol zastępczy numeru slajdu 3"/>
+          <p:cNvSpPr>
+            <a:spLocks noGrp="1"/>
+          </p:cNvSpPr>
+          <p:nvPr>
+            <p:ph type="sldNum" sz="quarter" idx="10"/>
+          </p:nvPr>
+        </p:nvSpPr>
+        <p:spPr/>
+        <p:txBody>
+          <a:bodyPr/>
+          <a:lstStyle/>
+          <a:p>
+            <a:pPr rtl="0"/>
+            <a:fld id="{82869989-EB00-4EE7-BCB5-25BDC5BB29F8}" type="slidenum">
+              <a:rPr lang="pl-PL" smtClean="0"/>
+              <a:t>12</a:t>
+            </a:fld>
+            <a:endParaRPr lang="pl-PL"/>
+          </a:p>
+        </p:txBody>
+      </p:sp>
+    </p:spTree>
+    <p:extLst>
+      <p:ext uri="{BB962C8B-B14F-4D97-AF65-F5344CB8AC3E}">
+        <p14:creationId xmlns:p14="http://schemas.microsoft.com/office/powerpoint/2010/main" val="3042752440"/>
+      </p:ext>
+    </p:extLst>
+  </p:cSld>
+  <p:clrMapOvr>
+    <a:masterClrMapping/>
+  </p:clrMapOvr>
+</p:notes>
+</file>
+
+<file path=ppt/notesSlides/notesSlide13.xml><?xml version="1.0" encoding="utf-8"?>
+<p:notes xmlns:a="http://schemas.openxmlformats.org/drawingml/2006/main" xmlns:r="http://schemas.openxmlformats.org/officeDocument/2006/relationships" xmlns:p="http://schemas.openxmlformats.org/presentationml/2006/main">
+  <p:cSld>
+    <p:spTree>
+      <p:nvGrpSpPr>
+        <p:cNvPr id="1" name=""/>
+        <p:cNvGrpSpPr/>
+        <p:nvPr/>
+      </p:nvGrpSpPr>
+      <p:grpSpPr>
+        <a:xfrm>
+          <a:off x="0" y="0"/>
+          <a:ext cx="0" cy="0"/>
+          <a:chOff x="0" y="0"/>
+          <a:chExt cx="0" cy="0"/>
+        </a:xfrm>
+      </p:grpSpPr>
+      <p:sp>
+        <p:nvSpPr>
+          <p:cNvPr id="2" name="Symbol zastępczy obrazu slajdu 1"/>
+          <p:cNvSpPr>
+            <a:spLocks noGrp="1" noRot="1" noChangeAspect="1"/>
+          </p:cNvSpPr>
+          <p:nvPr>
+            <p:ph type="sldImg"/>
+          </p:nvPr>
+        </p:nvSpPr>
+        <p:spPr/>
+      </p:sp>
+      <p:sp>
+        <p:nvSpPr>
+          <p:cNvPr id="3" name="Symbol zastępczy notatek 2"/>
+          <p:cNvSpPr>
+            <a:spLocks noGrp="1"/>
+          </p:cNvSpPr>
+          <p:nvPr>
+            <p:ph type="body" idx="1"/>
+          </p:nvPr>
+        </p:nvSpPr>
+        <p:spPr/>
+        <p:txBody>
+          <a:bodyPr/>
+          <a:lstStyle/>
+          <a:p>
+            <a:endParaRPr lang="pl-PL"/>
+          </a:p>
+        </p:txBody>
+      </p:sp>
+      <p:sp>
+        <p:nvSpPr>
+          <p:cNvPr id="4" name="Symbol zastępczy numeru slajdu 3"/>
+          <p:cNvSpPr>
+            <a:spLocks noGrp="1"/>
+          </p:cNvSpPr>
+          <p:nvPr>
+            <p:ph type="sldNum" sz="quarter" idx="10"/>
+          </p:nvPr>
+        </p:nvSpPr>
+        <p:spPr/>
+        <p:txBody>
+          <a:bodyPr/>
+          <a:lstStyle/>
+          <a:p>
+            <a:pPr rtl="0"/>
+            <a:fld id="{82869989-EB00-4EE7-BCB5-25BDC5BB29F8}" type="slidenum">
+              <a:rPr lang="pl-PL" smtClean="0"/>
+              <a:t>13</a:t>
             </a:fld>
             <a:endParaRPr lang="pl-PL"/>
           </a:p>
@@ -4085,7 +4257,7 @@
       </p:grpSpPr>
       <p:sp>
         <p:nvSpPr>
-          <p:cNvPr id="2" name="Symbol zastępczy obrazu slajdu 1"/>
+          <p:cNvPr id="2" name="Obraz slajdu — symbol zastępczy 1"/>
           <p:cNvSpPr>
             <a:spLocks noGrp="1" noRot="1" noChangeAspect="1"/>
           </p:cNvSpPr>
@@ -4097,7 +4269,7 @@
       </p:sp>
       <p:sp>
         <p:nvSpPr>
-          <p:cNvPr id="3" name="Symbol zastępczy notatek 2"/>
+          <p:cNvPr id="3" name="Notatki — symbol zastępczy 2"/>
           <p:cNvSpPr>
             <a:spLocks noGrp="1"/>
           </p:cNvSpPr>
@@ -4107,16 +4279,17 @@
         </p:nvSpPr>
         <p:spPr/>
         <p:txBody>
-          <a:bodyPr/>
+          <a:bodyPr rtlCol="0"/>
           <a:lstStyle/>
           <a:p>
+            <a:pPr rtl="0"/>
             <a:endParaRPr lang="pl-PL"/>
           </a:p>
         </p:txBody>
       </p:sp>
       <p:sp>
         <p:nvSpPr>
-          <p:cNvPr id="4" name="Symbol zastępczy numeru slajdu 3"/>
+          <p:cNvPr id="4" name="Numer slajdu — symbol zastępczy 3"/>
           <p:cNvSpPr>
             <a:spLocks noGrp="1"/>
           </p:cNvSpPr>
@@ -4126,7 +4299,7 @@
         </p:nvSpPr>
         <p:spPr/>
         <p:txBody>
-          <a:bodyPr/>
+          <a:bodyPr rtlCol="0"/>
           <a:lstStyle/>
           <a:p>
             <a:pPr rtl="0"/>
@@ -4141,7 +4314,7 @@
     </p:spTree>
     <p:extLst>
       <p:ext uri="{BB962C8B-B14F-4D97-AF65-F5344CB8AC3E}">
-        <p14:creationId xmlns:p14="http://schemas.microsoft.com/office/powerpoint/2010/main" val="3811755871"/>
+        <p14:creationId xmlns:p14="http://schemas.microsoft.com/office/powerpoint/2010/main" val="3312245051"/>
       </p:ext>
     </p:extLst>
   </p:cSld>
@@ -4226,7 +4399,7 @@
     </p:spTree>
     <p:extLst>
       <p:ext uri="{BB962C8B-B14F-4D97-AF65-F5344CB8AC3E}">
-        <p14:creationId xmlns:p14="http://schemas.microsoft.com/office/powerpoint/2010/main" val="1028249840"/>
+        <p14:creationId xmlns:p14="http://schemas.microsoft.com/office/powerpoint/2010/main" val="244371606"/>
       </p:ext>
     </p:extLst>
   </p:cSld>
@@ -4311,7 +4484,7 @@
     </p:spTree>
     <p:extLst>
       <p:ext uri="{BB962C8B-B14F-4D97-AF65-F5344CB8AC3E}">
-        <p14:creationId xmlns:p14="http://schemas.microsoft.com/office/powerpoint/2010/main" val="2314178517"/>
+        <p14:creationId xmlns:p14="http://schemas.microsoft.com/office/powerpoint/2010/main" val="1028249840"/>
       </p:ext>
     </p:extLst>
   </p:cSld>
@@ -4396,7 +4569,7 @@
     </p:spTree>
     <p:extLst>
       <p:ext uri="{BB962C8B-B14F-4D97-AF65-F5344CB8AC3E}">
-        <p14:creationId xmlns:p14="http://schemas.microsoft.com/office/powerpoint/2010/main" val="3022718139"/>
+        <p14:creationId xmlns:p14="http://schemas.microsoft.com/office/powerpoint/2010/main" val="3811755871"/>
       </p:ext>
     </p:extLst>
   </p:cSld>
@@ -4481,7 +4654,7 @@
     </p:spTree>
     <p:extLst>
       <p:ext uri="{BB962C8B-B14F-4D97-AF65-F5344CB8AC3E}">
-        <p14:creationId xmlns:p14="http://schemas.microsoft.com/office/powerpoint/2010/main" val="2704562944"/>
+        <p14:creationId xmlns:p14="http://schemas.microsoft.com/office/powerpoint/2010/main" val="2314178517"/>
       </p:ext>
     </p:extLst>
   </p:cSld>
@@ -4566,7 +4739,7 @@
     </p:spTree>
     <p:extLst>
       <p:ext uri="{BB962C8B-B14F-4D97-AF65-F5344CB8AC3E}">
-        <p14:creationId xmlns:p14="http://schemas.microsoft.com/office/powerpoint/2010/main" val="2333077848"/>
+        <p14:creationId xmlns:p14="http://schemas.microsoft.com/office/powerpoint/2010/main" val="3022718139"/>
       </p:ext>
     </p:extLst>
   </p:cSld>
@@ -4651,7 +4824,7 @@
     </p:spTree>
     <p:extLst>
       <p:ext uri="{BB962C8B-B14F-4D97-AF65-F5344CB8AC3E}">
-        <p14:creationId xmlns:p14="http://schemas.microsoft.com/office/powerpoint/2010/main" val="970486069"/>
+        <p14:creationId xmlns:p14="http://schemas.microsoft.com/office/powerpoint/2010/main" val="2704562944"/>
       </p:ext>
     </p:extLst>
   </p:cSld>
@@ -19237,6 +19410,113 @@
             <a:pPr rtl="0"/>
             <a:r>
               <a:rPr lang="pl-PL"/>
+              <a:t>Dodaj tytuł slajdu — 3</a:t>
+            </a:r>
+          </a:p>
+        </p:txBody>
+      </p:sp>
+    </p:spTree>
+    <p:extLst>
+      <p:ext uri="{BB962C8B-B14F-4D97-AF65-F5344CB8AC3E}">
+        <p14:creationId xmlns:p14="http://schemas.microsoft.com/office/powerpoint/2010/main" val="452733939"/>
+      </p:ext>
+    </p:extLst>
+  </p:cSld>
+  <p:clrMapOvr>
+    <a:masterClrMapping/>
+  </p:clrMapOvr>
+  <mc:AlternateContent xmlns:mc="http://schemas.openxmlformats.org/markup-compatibility/2006" xmlns:p14="http://schemas.microsoft.com/office/powerpoint/2010/main">
+    <mc:Choice Requires="p14">
+      <p:transition spd="med" p14:dur="700">
+        <p:fade/>
+      </p:transition>
+    </mc:Choice>
+    <mc:Fallback xmlns="">
+      <p:transition spd="med">
+        <p:fade/>
+      </p:transition>
+    </mc:Fallback>
+  </mc:AlternateContent>
+</p:sld>
+</file>
+
+<file path=ppt/slides/slide11.xml><?xml version="1.0" encoding="utf-8"?>
+<p:sld xmlns:a="http://schemas.openxmlformats.org/drawingml/2006/main" xmlns:r="http://schemas.openxmlformats.org/officeDocument/2006/relationships" xmlns:p="http://schemas.openxmlformats.org/presentationml/2006/main">
+  <p:cSld>
+    <p:spTree>
+      <p:nvGrpSpPr>
+        <p:cNvPr id="1" name=""/>
+        <p:cNvGrpSpPr/>
+        <p:nvPr/>
+      </p:nvGrpSpPr>
+      <p:grpSpPr>
+        <a:xfrm>
+          <a:off x="0" y="0"/>
+          <a:ext cx="0" cy="0"/>
+          <a:chOff x="0" y="0"/>
+          <a:chExt cx="0" cy="0"/>
+        </a:xfrm>
+      </p:grpSpPr>
+    </p:spTree>
+    <p:extLst>
+      <p:ext uri="{BB962C8B-B14F-4D97-AF65-F5344CB8AC3E}">
+        <p14:creationId xmlns:p14="http://schemas.microsoft.com/office/powerpoint/2010/main" val="1544302913"/>
+      </p:ext>
+    </p:extLst>
+  </p:cSld>
+  <p:clrMapOvr>
+    <a:masterClrMapping/>
+  </p:clrMapOvr>
+  <mc:AlternateContent xmlns:mc="http://schemas.openxmlformats.org/markup-compatibility/2006" xmlns:p14="http://schemas.microsoft.com/office/powerpoint/2010/main">
+    <mc:Choice Requires="p14">
+      <p:transition spd="med" p14:dur="700">
+        <p:fade/>
+      </p:transition>
+    </mc:Choice>
+    <mc:Fallback xmlns="">
+      <p:transition spd="med">
+        <p:fade/>
+      </p:transition>
+    </mc:Fallback>
+  </mc:AlternateContent>
+</p:sld>
+</file>
+
+<file path=ppt/slides/slide12.xml><?xml version="1.0" encoding="utf-8"?>
+<p:sld xmlns:a="http://schemas.openxmlformats.org/drawingml/2006/main" xmlns:r="http://schemas.openxmlformats.org/officeDocument/2006/relationships" xmlns:p="http://schemas.openxmlformats.org/presentationml/2006/main">
+  <p:cSld>
+    <p:spTree>
+      <p:nvGrpSpPr>
+        <p:cNvPr id="1" name=""/>
+        <p:cNvGrpSpPr/>
+        <p:nvPr/>
+      </p:nvGrpSpPr>
+      <p:grpSpPr>
+        <a:xfrm>
+          <a:off x="0" y="0"/>
+          <a:ext cx="0" cy="0"/>
+          <a:chOff x="0" y="0"/>
+          <a:chExt cx="0" cy="0"/>
+        </a:xfrm>
+      </p:grpSpPr>
+      <p:sp>
+        <p:nvSpPr>
+          <p:cNvPr id="2" name="Tytuł 1"/>
+          <p:cNvSpPr>
+            <a:spLocks noGrp="1"/>
+          </p:cNvSpPr>
+          <p:nvPr>
+            <p:ph type="title"/>
+          </p:nvPr>
+        </p:nvSpPr>
+        <p:spPr/>
+        <p:txBody>
+          <a:bodyPr rtlCol="0"/>
+          <a:lstStyle/>
+          <a:p>
+            <a:pPr rtl="0"/>
+            <a:r>
+              <a:rPr lang="pl-PL"/>
               <a:t>Dodaj tytuł slajdu — 4</a:t>
             </a:r>
           </a:p>
@@ -19307,7 +19587,7 @@
 </p:sld>
 </file>
 
-<file path=ppt/slides/slide11.xml><?xml version="1.0" encoding="utf-8"?>
+<file path=ppt/slides/slide13.xml><?xml version="1.0" encoding="utf-8"?>
 <p:sld xmlns:a="http://schemas.openxmlformats.org/drawingml/2006/main" xmlns:r="http://schemas.openxmlformats.org/officeDocument/2006/relationships" xmlns:p="http://schemas.openxmlformats.org/presentationml/2006/main">
   <p:cSld>
     <p:spTree>
@@ -19445,8 +19725,8 @@
           <a:p>
             <a:pPr rtl="0"/>
             <a:r>
-              <a:rPr lang="pl-PL"/>
-              <a:t>Układ Tytuł i zawartość z listą</a:t>
+              <a:rPr lang="pl-PL" dirty="0"/>
+              <a:t>Temat: symulacja wystrzału z trebusza</a:t>
             </a:r>
           </a:p>
         </p:txBody>
@@ -19461,34 +19741,191 @@
             <p:ph idx="1"/>
           </p:nvPr>
         </p:nvSpPr>
-        <p:spPr/>
+        <p:spPr>
+          <a:xfrm>
+            <a:off x="1295400" y="1981201"/>
+            <a:ext cx="5176981" cy="3809999"/>
+          </a:xfrm>
+        </p:spPr>
         <p:txBody>
           <a:bodyPr rtlCol="0"/>
           <a:lstStyle/>
           <a:p>
             <a:pPr rtl="0"/>
             <a:r>
-              <a:rPr lang="pl-PL"/>
-              <a:t>Tutaj dodaj pierwszy punktor</a:t>
+              <a:rPr lang="pl-PL" dirty="0"/>
+              <a:t>Model i zaplecze fizyczne: </a:t>
+            </a:r>
+            <a:r>
+              <a:rPr lang="en-US" b="0" i="0" dirty="0">
+                <a:effectLst/>
+                <a:latin typeface="Arial" panose="020B0604020202020204" pitchFamily="34" charset="0"/>
+              </a:rPr>
+              <a:t>‘Modelling the movements of a counterweight</a:t>
+            </a:r>
+            <a:br>
+              <a:rPr lang="en-US" dirty="0"/>
+            </a:br>
+            <a:r>
+              <a:rPr lang="en-US" b="0" i="0" dirty="0">
+                <a:effectLst/>
+                <a:latin typeface="Arial" panose="020B0604020202020204" pitchFamily="34" charset="0"/>
+              </a:rPr>
+              <a:t>trebuchet while firing’</a:t>
+            </a:r>
+            <a:r>
+              <a:rPr lang="pl-PL" b="0" i="0" dirty="0">
+                <a:effectLst/>
+                <a:latin typeface="Arial" panose="020B0604020202020204" pitchFamily="34" charset="0"/>
+              </a:rPr>
+              <a:t> by ROBIN DE JONG</a:t>
+            </a:r>
+            <a:endParaRPr lang="pl-PL" dirty="0"/>
+          </a:p>
+          <a:p>
+            <a:pPr rtl="0"/>
+            <a:r>
+              <a:rPr lang="pl-PL" dirty="0"/>
+              <a:t>Użyty język: </a:t>
+            </a:r>
+            <a:r>
+              <a:rPr lang="pl-PL" dirty="0" err="1"/>
+              <a:t>python</a:t>
+            </a:r>
+            <a:endParaRPr lang="pl-PL" dirty="0"/>
+          </a:p>
+          <a:p>
+            <a:pPr rtl="0"/>
+            <a:r>
+              <a:rPr lang="pl-PL" dirty="0"/>
+              <a:t>Użyte biblioteki: </a:t>
+            </a:r>
+            <a:r>
+              <a:rPr lang="pl-PL" dirty="0" err="1"/>
+              <a:t>pygame</a:t>
+            </a:r>
+            <a:r>
+              <a:rPr lang="pl-PL" dirty="0"/>
+              <a:t> (interfejs), </a:t>
+            </a:r>
+            <a:r>
+              <a:rPr lang="pl-PL" dirty="0" err="1"/>
+              <a:t>math</a:t>
+            </a:r>
+            <a:r>
+              <a:rPr lang="pl-PL" dirty="0"/>
+              <a:t> i </a:t>
+            </a:r>
+            <a:r>
+              <a:rPr lang="pl-PL" dirty="0" err="1"/>
+              <a:t>numpy</a:t>
+            </a:r>
+            <a:r>
+              <a:rPr lang="pl-PL" dirty="0"/>
+              <a:t> (obliczenia)</a:t>
             </a:r>
           </a:p>
           <a:p>
             <a:pPr rtl="0"/>
             <a:r>
-              <a:rPr lang="pl-PL"/>
-              <a:t>Tutaj dodaj drugi punktor</a:t>
+              <a:rPr lang="pl-PL" dirty="0"/>
+              <a:t>Tutaj dodaj trzeci </a:t>
             </a:r>
+            <a:r>
+              <a:rPr lang="pl-PL" dirty="0" err="1"/>
+              <a:t>punktor</a:t>
+            </a:r>
+            <a:endParaRPr lang="pl-PL" dirty="0"/>
           </a:p>
           <a:p>
             <a:pPr rtl="0"/>
+            <a:endParaRPr lang="pl-PL" dirty="0"/>
+          </a:p>
+        </p:txBody>
+      </p:sp>
+      <p:pic>
+        <p:nvPicPr>
+          <p:cNvPr id="5" name="Picture 4" descr="A group of people standing near a wooden structure">
+            <a:extLst>
+              <a:ext uri="{FF2B5EF4-FFF2-40B4-BE49-F238E27FC236}">
+                <a16:creationId xmlns:a16="http://schemas.microsoft.com/office/drawing/2014/main" id="{128463B0-872A-070B-D88B-E06DAAA4DB0D}"/>
+              </a:ext>
+            </a:extLst>
+          </p:cNvPr>
+          <p:cNvPicPr>
+            <a:picLocks noChangeAspect="1"/>
+          </p:cNvPicPr>
+          <p:nvPr/>
+        </p:nvPicPr>
+        <p:blipFill>
+          <a:blip r:embed="rId3"/>
+          <a:stretch>
+            <a:fillRect/>
+          </a:stretch>
+        </p:blipFill>
+        <p:spPr>
+          <a:xfrm>
+            <a:off x="6542831" y="1899920"/>
+            <a:ext cx="4941308" cy="3891280"/>
+          </a:xfrm>
+          <a:prstGeom prst="rect">
+            <a:avLst/>
+          </a:prstGeom>
+        </p:spPr>
+      </p:pic>
+      <p:sp>
+        <p:nvSpPr>
+          <p:cNvPr id="6" name="TextBox 5">
+            <a:extLst>
+              <a:ext uri="{FF2B5EF4-FFF2-40B4-BE49-F238E27FC236}">
+                <a16:creationId xmlns:a16="http://schemas.microsoft.com/office/drawing/2014/main" id="{7A05F9A6-B6BE-FB01-B81E-67DC22610A70}"/>
+              </a:ext>
+            </a:extLst>
+          </p:cNvPr>
+          <p:cNvSpPr txBox="1"/>
+          <p:nvPr/>
+        </p:nvSpPr>
+        <p:spPr>
+          <a:xfrm>
+            <a:off x="6472381" y="5797826"/>
+            <a:ext cx="5082208" cy="369332"/>
+          </a:xfrm>
+          <a:prstGeom prst="rect">
+            <a:avLst/>
+          </a:prstGeom>
+          <a:noFill/>
+        </p:spPr>
+        <p:txBody>
+          <a:bodyPr wrap="square" rtlCol="0">
+            <a:spAutoFit/>
+          </a:bodyPr>
+          <a:lstStyle/>
+          <a:p>
             <a:r>
-              <a:rPr lang="pl-PL"/>
-              <a:t>Tutaj dodaj trzeci punktor</a:t>
+              <a:rPr lang="pl-PL" dirty="0"/>
+              <a:t>Repliki </a:t>
             </a:r>
-          </a:p>
-          <a:p>
-            <a:pPr rtl="0"/>
-            <a:endParaRPr lang="pl-PL"/>
+            <a:r>
+              <a:rPr lang="pl-PL" dirty="0" err="1"/>
+              <a:t>trebuszy</a:t>
+            </a:r>
+            <a:r>
+              <a:rPr lang="pl-PL" dirty="0"/>
+              <a:t> w </a:t>
+            </a:r>
+            <a:r>
+              <a:rPr lang="pl-PL" dirty="0" err="1"/>
+              <a:t>Château</a:t>
+            </a:r>
+            <a:r>
+              <a:rPr lang="pl-PL" dirty="0"/>
+              <a:t> de </a:t>
+            </a:r>
+            <a:r>
+              <a:rPr lang="pl-PL" dirty="0" err="1"/>
+              <a:t>Castelnaud</a:t>
+            </a:r>
+            <a:endParaRPr lang="pl-PL" dirty="0"/>
           </a:p>
         </p:txBody>
       </p:sp>
@@ -19552,7 +19989,391 @@
             <a:pPr rtl="0"/>
             <a:r>
               <a:rPr lang="pl-PL" dirty="0"/>
-              <a:t>Dane dla różnych kątów wystrzału</a:t>
+              <a:t>Model</a:t>
+            </a:r>
+          </a:p>
+        </p:txBody>
+      </p:sp>
+      <p:sp>
+        <p:nvSpPr>
+          <p:cNvPr id="3" name="Zawartość — symbol zastępczy 2"/>
+          <p:cNvSpPr>
+            <a:spLocks noGrp="1"/>
+          </p:cNvSpPr>
+          <p:nvPr>
+            <p:ph idx="1"/>
+          </p:nvPr>
+        </p:nvSpPr>
+        <p:spPr>
+          <a:xfrm>
+            <a:off x="1068117" y="1987974"/>
+            <a:ext cx="3845560" cy="3809999"/>
+          </a:xfrm>
+        </p:spPr>
+        <p:txBody>
+          <a:bodyPr rtlCol="0"/>
+          <a:lstStyle/>
+          <a:p>
+            <a:pPr rtl="0"/>
+            <a:r>
+              <a:rPr lang="pl-PL" dirty="0"/>
+              <a:t>Stałe: wymiary trebusza, masa pocisku, masa przeciwwagi, kąt wypuszczenia pocisku</a:t>
+            </a:r>
+          </a:p>
+          <a:p>
+            <a:pPr rtl="0"/>
+            <a:r>
+              <a:rPr lang="pl-PL" dirty="0"/>
+              <a:t>Zmienne stanu: 3 kąty oznaczone na modelu</a:t>
+            </a:r>
+          </a:p>
+        </p:txBody>
+      </p:sp>
+      <p:pic>
+        <p:nvPicPr>
+          <p:cNvPr id="5" name="Picture 4">
+            <a:extLst>
+              <a:ext uri="{FF2B5EF4-FFF2-40B4-BE49-F238E27FC236}">
+                <a16:creationId xmlns:a16="http://schemas.microsoft.com/office/drawing/2014/main" id="{7B20A8AF-4D75-DF36-5928-90777162B6F3}"/>
+              </a:ext>
+            </a:extLst>
+          </p:cNvPr>
+          <p:cNvPicPr>
+            <a:picLocks noChangeAspect="1"/>
+          </p:cNvPicPr>
+          <p:nvPr/>
+        </p:nvPicPr>
+        <p:blipFill>
+          <a:blip r:embed="rId3"/>
+          <a:stretch>
+            <a:fillRect/>
+          </a:stretch>
+        </p:blipFill>
+        <p:spPr>
+          <a:xfrm>
+            <a:off x="4825390" y="1987974"/>
+            <a:ext cx="7018628" cy="3673158"/>
+          </a:xfrm>
+          <a:prstGeom prst="rect">
+            <a:avLst/>
+          </a:prstGeom>
+        </p:spPr>
+      </p:pic>
+    </p:spTree>
+    <p:extLst>
+      <p:ext uri="{BB962C8B-B14F-4D97-AF65-F5344CB8AC3E}">
+        <p14:creationId xmlns:p14="http://schemas.microsoft.com/office/powerpoint/2010/main" val="1306126022"/>
+      </p:ext>
+    </p:extLst>
+  </p:cSld>
+  <p:clrMapOvr>
+    <a:masterClrMapping/>
+  </p:clrMapOvr>
+  <mc:AlternateContent xmlns:mc="http://schemas.openxmlformats.org/markup-compatibility/2006">
+    <mc:Choice xmlns:p14="http://schemas.microsoft.com/office/powerpoint/2010/main" Requires="p14">
+      <p:transition spd="med" p14:dur="700">
+        <p:fade/>
+      </p:transition>
+    </mc:Choice>
+    <mc:Fallback>
+      <p:transition spd="med">
+        <p:fade/>
+      </p:transition>
+    </mc:Fallback>
+  </mc:AlternateContent>
+</p:sld>
+</file>
+
+<file path=ppt/slides/slide4.xml><?xml version="1.0" encoding="utf-8"?>
+<p:sld xmlns:a="http://schemas.openxmlformats.org/drawingml/2006/main" xmlns:r="http://schemas.openxmlformats.org/officeDocument/2006/relationships" xmlns:p="http://schemas.openxmlformats.org/presentationml/2006/main">
+  <p:cSld>
+    <p:spTree>
+      <p:nvGrpSpPr>
+        <p:cNvPr id="1" name=""/>
+        <p:cNvGrpSpPr/>
+        <p:nvPr/>
+      </p:nvGrpSpPr>
+      <p:grpSpPr>
+        <a:xfrm>
+          <a:off x="0" y="0"/>
+          <a:ext cx="0" cy="0"/>
+          <a:chOff x="0" y="0"/>
+          <a:chExt cx="0" cy="0"/>
+        </a:xfrm>
+      </p:grpSpPr>
+      <p:sp>
+        <p:nvSpPr>
+          <p:cNvPr id="2" name="Tytuł 1"/>
+          <p:cNvSpPr>
+            <a:spLocks noGrp="1"/>
+          </p:cNvSpPr>
+          <p:nvPr>
+            <p:ph type="title"/>
+          </p:nvPr>
+        </p:nvSpPr>
+        <p:spPr/>
+        <p:txBody>
+          <a:bodyPr rtlCol="0"/>
+          <a:lstStyle/>
+          <a:p>
+            <a:pPr rtl="0"/>
+            <a:r>
+              <a:rPr lang="pl-PL" dirty="0"/>
+              <a:t>Założenia modelu</a:t>
+            </a:r>
+          </a:p>
+        </p:txBody>
+      </p:sp>
+      <p:sp>
+        <p:nvSpPr>
+          <p:cNvPr id="3" name="Zawartość — symbol zastępczy 2"/>
+          <p:cNvSpPr>
+            <a:spLocks noGrp="1"/>
+          </p:cNvSpPr>
+          <p:nvPr>
+            <p:ph sz="half" idx="1"/>
+          </p:nvPr>
+        </p:nvSpPr>
+        <p:spPr/>
+        <p:txBody>
+          <a:bodyPr rtlCol="0"/>
+          <a:lstStyle/>
+          <a:p>
+            <a:pPr rtl="0"/>
+            <a:r>
+              <a:rPr lang="pl-PL"/>
+              <a:t>Tutaj dodaj pierwszy punktor</a:t>
+            </a:r>
+          </a:p>
+          <a:p>
+            <a:pPr rtl="0"/>
+            <a:r>
+              <a:rPr lang="pl-PL"/>
+              <a:t>Tutaj dodaj drugi punktor</a:t>
+            </a:r>
+          </a:p>
+          <a:p>
+            <a:pPr rtl="0"/>
+            <a:r>
+              <a:rPr lang="pl-PL"/>
+              <a:t>Tutaj dodaj trzeci punktor</a:t>
+            </a:r>
+          </a:p>
+        </p:txBody>
+      </p:sp>
+      <p:sp>
+        <p:nvSpPr>
+          <p:cNvPr id="6" name="Content Placeholder 5">
+            <a:extLst>
+              <a:ext uri="{FF2B5EF4-FFF2-40B4-BE49-F238E27FC236}">
+                <a16:creationId xmlns:a16="http://schemas.microsoft.com/office/drawing/2014/main" id="{AD6D72DF-984E-F0F3-229C-66EFED157805}"/>
+              </a:ext>
+            </a:extLst>
+          </p:cNvPr>
+          <p:cNvSpPr>
+            <a:spLocks noGrp="1"/>
+          </p:cNvSpPr>
+          <p:nvPr>
+            <p:ph sz="half" idx="2"/>
+          </p:nvPr>
+        </p:nvSpPr>
+        <p:spPr/>
+        <p:txBody>
+          <a:bodyPr/>
+          <a:lstStyle/>
+          <a:p>
+            <a:endParaRPr lang="pl-PL"/>
+          </a:p>
+        </p:txBody>
+      </p:sp>
+    </p:spTree>
+    <p:extLst>
+      <p:ext uri="{BB962C8B-B14F-4D97-AF65-F5344CB8AC3E}">
+        <p14:creationId xmlns:p14="http://schemas.microsoft.com/office/powerpoint/2010/main" val="2408148788"/>
+      </p:ext>
+    </p:extLst>
+  </p:cSld>
+  <p:clrMapOvr>
+    <a:masterClrMapping/>
+  </p:clrMapOvr>
+  <mc:AlternateContent xmlns:mc="http://schemas.openxmlformats.org/markup-compatibility/2006" xmlns:p14="http://schemas.microsoft.com/office/powerpoint/2010/main">
+    <mc:Choice Requires="p14">
+      <p:transition spd="med" p14:dur="700">
+        <p:fade/>
+      </p:transition>
+    </mc:Choice>
+    <mc:Fallback xmlns="">
+      <p:transition spd="med">
+        <p:fade/>
+      </p:transition>
+    </mc:Fallback>
+  </mc:AlternateContent>
+</p:sld>
+</file>
+
+<file path=ppt/slides/slide5.xml><?xml version="1.0" encoding="utf-8"?>
+<p:sld xmlns:a="http://schemas.openxmlformats.org/drawingml/2006/main" xmlns:r="http://schemas.openxmlformats.org/officeDocument/2006/relationships" xmlns:p="http://schemas.openxmlformats.org/presentationml/2006/main">
+  <p:cSld>
+    <p:spTree>
+      <p:nvGrpSpPr>
+        <p:cNvPr id="1" name=""/>
+        <p:cNvGrpSpPr/>
+        <p:nvPr/>
+      </p:nvGrpSpPr>
+      <p:grpSpPr>
+        <a:xfrm>
+          <a:off x="0" y="0"/>
+          <a:ext cx="0" cy="0"/>
+          <a:chOff x="0" y="0"/>
+          <a:chExt cx="0" cy="0"/>
+        </a:xfrm>
+      </p:grpSpPr>
+      <p:sp>
+        <p:nvSpPr>
+          <p:cNvPr id="2" name="Tytuł 1"/>
+          <p:cNvSpPr>
+            <a:spLocks noGrp="1"/>
+          </p:cNvSpPr>
+          <p:nvPr>
+            <p:ph type="title"/>
+          </p:nvPr>
+        </p:nvSpPr>
+        <p:spPr/>
+        <p:txBody>
+          <a:bodyPr rtlCol="0"/>
+          <a:lstStyle/>
+          <a:p>
+            <a:pPr rtl="0"/>
+            <a:r>
+              <a:rPr lang="pl-PL" dirty="0"/>
+              <a:t>Najważniejsze wzory</a:t>
+            </a:r>
+          </a:p>
+        </p:txBody>
+      </p:sp>
+      <p:sp>
+        <p:nvSpPr>
+          <p:cNvPr id="3" name="Zawartość — symbol zastępczy 2"/>
+          <p:cNvSpPr>
+            <a:spLocks noGrp="1"/>
+          </p:cNvSpPr>
+          <p:nvPr>
+            <p:ph sz="half" idx="1"/>
+          </p:nvPr>
+        </p:nvSpPr>
+        <p:spPr/>
+        <p:txBody>
+          <a:bodyPr rtlCol="0"/>
+          <a:lstStyle/>
+          <a:p>
+            <a:pPr rtl="0"/>
+            <a:r>
+              <a:rPr lang="pl-PL"/>
+              <a:t>Tutaj dodaj pierwszy punktor</a:t>
+            </a:r>
+          </a:p>
+          <a:p>
+            <a:pPr rtl="0"/>
+            <a:r>
+              <a:rPr lang="pl-PL"/>
+              <a:t>Tutaj dodaj drugi punktor</a:t>
+            </a:r>
+          </a:p>
+          <a:p>
+            <a:pPr rtl="0"/>
+            <a:r>
+              <a:rPr lang="pl-PL"/>
+              <a:t>Tutaj dodaj trzeci punktor</a:t>
+            </a:r>
+          </a:p>
+        </p:txBody>
+      </p:sp>
+      <p:sp>
+        <p:nvSpPr>
+          <p:cNvPr id="6" name="Content Placeholder 5">
+            <a:extLst>
+              <a:ext uri="{FF2B5EF4-FFF2-40B4-BE49-F238E27FC236}">
+                <a16:creationId xmlns:a16="http://schemas.microsoft.com/office/drawing/2014/main" id="{AD6D72DF-984E-F0F3-229C-66EFED157805}"/>
+              </a:ext>
+            </a:extLst>
+          </p:cNvPr>
+          <p:cNvSpPr>
+            <a:spLocks noGrp="1"/>
+          </p:cNvSpPr>
+          <p:nvPr>
+            <p:ph sz="half" idx="2"/>
+          </p:nvPr>
+        </p:nvSpPr>
+        <p:spPr/>
+        <p:txBody>
+          <a:bodyPr/>
+          <a:lstStyle/>
+          <a:p>
+            <a:endParaRPr lang="pl-PL"/>
+          </a:p>
+        </p:txBody>
+      </p:sp>
+    </p:spTree>
+    <p:extLst>
+      <p:ext uri="{BB962C8B-B14F-4D97-AF65-F5344CB8AC3E}">
+        <p14:creationId xmlns:p14="http://schemas.microsoft.com/office/powerpoint/2010/main" val="2475092730"/>
+      </p:ext>
+    </p:extLst>
+  </p:cSld>
+  <p:clrMapOvr>
+    <a:masterClrMapping/>
+  </p:clrMapOvr>
+  <mc:AlternateContent xmlns:mc="http://schemas.openxmlformats.org/markup-compatibility/2006" xmlns:p14="http://schemas.microsoft.com/office/powerpoint/2010/main">
+    <mc:Choice Requires="p14">
+      <p:transition spd="med" p14:dur="700">
+        <p:fade/>
+      </p:transition>
+    </mc:Choice>
+    <mc:Fallback xmlns="">
+      <p:transition spd="med">
+        <p:fade/>
+      </p:transition>
+    </mc:Fallback>
+  </mc:AlternateContent>
+</p:sld>
+</file>
+
+<file path=ppt/slides/slide6.xml><?xml version="1.0" encoding="utf-8"?>
+<p:sld xmlns:a="http://schemas.openxmlformats.org/drawingml/2006/main" xmlns:r="http://schemas.openxmlformats.org/officeDocument/2006/relationships" xmlns:p="http://schemas.openxmlformats.org/presentationml/2006/main">
+  <p:cSld>
+    <p:spTree>
+      <p:nvGrpSpPr>
+        <p:cNvPr id="1" name=""/>
+        <p:cNvGrpSpPr/>
+        <p:nvPr/>
+      </p:nvGrpSpPr>
+      <p:grpSpPr>
+        <a:xfrm>
+          <a:off x="0" y="0"/>
+          <a:ext cx="0" cy="0"/>
+          <a:chOff x="0" y="0"/>
+          <a:chExt cx="0" cy="0"/>
+        </a:xfrm>
+      </p:grpSpPr>
+      <p:sp>
+        <p:nvSpPr>
+          <p:cNvPr id="2" name="Tytuł 1"/>
+          <p:cNvSpPr>
+            <a:spLocks noGrp="1"/>
+          </p:cNvSpPr>
+          <p:nvPr>
+            <p:ph type="title"/>
+          </p:nvPr>
+        </p:nvSpPr>
+        <p:spPr/>
+        <p:txBody>
+          <a:bodyPr rtlCol="0"/>
+          <a:lstStyle/>
+          <a:p>
+            <a:pPr rtl="0"/>
+            <a:r>
+              <a:rPr lang="pl-PL" dirty="0"/>
+              <a:t>Dane dla różnych kątów wystrzału dla przykładowego trebusza</a:t>
             </a:r>
           </a:p>
         </p:txBody>
@@ -19611,357 +20432,7 @@
 </p:sld>
 </file>
 
-<file path=ppt/slides/slide4.xml><?xml version="1.0" encoding="utf-8"?>
-<p:sld xmlns:a="http://schemas.openxmlformats.org/drawingml/2006/main" xmlns:r="http://schemas.openxmlformats.org/officeDocument/2006/relationships" xmlns:p="http://schemas.openxmlformats.org/presentationml/2006/main">
-  <p:cSld>
-    <p:spTree>
-      <p:nvGrpSpPr>
-        <p:cNvPr id="1" name=""/>
-        <p:cNvGrpSpPr/>
-        <p:nvPr/>
-      </p:nvGrpSpPr>
-      <p:grpSpPr>
-        <a:xfrm>
-          <a:off x="0" y="0"/>
-          <a:ext cx="0" cy="0"/>
-          <a:chOff x="0" y="0"/>
-          <a:chExt cx="0" cy="0"/>
-        </a:xfrm>
-      </p:grpSpPr>
-      <p:sp>
-        <p:nvSpPr>
-          <p:cNvPr id="2" name="Tytuł 1"/>
-          <p:cNvSpPr>
-            <a:spLocks noGrp="1"/>
-          </p:cNvSpPr>
-          <p:nvPr>
-            <p:ph type="title"/>
-          </p:nvPr>
-        </p:nvSpPr>
-        <p:spPr/>
-        <p:txBody>
-          <a:bodyPr rtlCol="0"/>
-          <a:lstStyle/>
-          <a:p>
-            <a:pPr rtl="0"/>
-            <a:r>
-              <a:rPr lang="pl-PL"/>
-              <a:t>Układ Dwa elementy zawartości z tabelą</a:t>
-            </a:r>
-          </a:p>
-        </p:txBody>
-      </p:sp>
-      <p:sp>
-        <p:nvSpPr>
-          <p:cNvPr id="3" name="Zawartość — symbol zastępczy 2"/>
-          <p:cNvSpPr>
-            <a:spLocks noGrp="1"/>
-          </p:cNvSpPr>
-          <p:nvPr>
-            <p:ph sz="half" idx="1"/>
-          </p:nvPr>
-        </p:nvSpPr>
-        <p:spPr/>
-        <p:txBody>
-          <a:bodyPr rtlCol="0"/>
-          <a:lstStyle/>
-          <a:p>
-            <a:pPr rtl="0"/>
-            <a:r>
-              <a:rPr lang="pl-PL"/>
-              <a:t>Tutaj dodaj pierwszy punktor</a:t>
-            </a:r>
-          </a:p>
-          <a:p>
-            <a:pPr rtl="0"/>
-            <a:r>
-              <a:rPr lang="pl-PL"/>
-              <a:t>Tutaj dodaj drugi punktor</a:t>
-            </a:r>
-          </a:p>
-          <a:p>
-            <a:pPr rtl="0"/>
-            <a:r>
-              <a:rPr lang="pl-PL"/>
-              <a:t>Tutaj dodaj trzeci punktor</a:t>
-            </a:r>
-          </a:p>
-        </p:txBody>
-      </p:sp>
-      <p:graphicFrame>
-        <p:nvGraphicFramePr>
-          <p:cNvPr id="5" name="Zawartość — symbol zastępczy 4"/>
-          <p:cNvGraphicFramePr>
-            <a:graphicFrameLocks noGrp="1"/>
-          </p:cNvGraphicFramePr>
-          <p:nvPr>
-            <p:ph sz="half" idx="2"/>
-            <p:extLst>
-              <p:ext uri="{D42A27DB-BD31-4B8C-83A1-F6EECF244321}">
-                <p14:modId xmlns:p14="http://schemas.microsoft.com/office/powerpoint/2010/main" val="2707138175"/>
-              </p:ext>
-            </p:extLst>
-          </p:nvPr>
-        </p:nvGraphicFramePr>
-        <p:xfrm>
-          <a:off x="6324600" y="1981200"/>
-          <a:ext cx="4572000" cy="2141912"/>
-        </p:xfrm>
-        <a:graphic>
-          <a:graphicData uri="http://schemas.openxmlformats.org/drawingml/2006/table">
-            <a:tbl>
-              <a:tblPr firstRow="1" bandRow="1">
-                <a:tableStyleId>{BC89EF96-8CEA-46FF-86C4-4CE0E7609802}</a:tableStyleId>
-              </a:tblPr>
-              <a:tblGrid>
-                <a:gridCol w="1524000">
-                  <a:extLst>
-                    <a:ext uri="{9D8B030D-6E8A-4147-A177-3AD203B41FA5}">
-                      <a16:colId xmlns:a16="http://schemas.microsoft.com/office/drawing/2014/main" val="20000"/>
-                    </a:ext>
-                  </a:extLst>
-                </a:gridCol>
-                <a:gridCol w="1524000">
-                  <a:extLst>
-                    <a:ext uri="{9D8B030D-6E8A-4147-A177-3AD203B41FA5}">
-                      <a16:colId xmlns:a16="http://schemas.microsoft.com/office/drawing/2014/main" val="20001"/>
-                    </a:ext>
-                  </a:extLst>
-                </a:gridCol>
-                <a:gridCol w="1524000">
-                  <a:extLst>
-                    <a:ext uri="{9D8B030D-6E8A-4147-A177-3AD203B41FA5}">
-                      <a16:colId xmlns:a16="http://schemas.microsoft.com/office/drawing/2014/main" val="20002"/>
-                    </a:ext>
-                  </a:extLst>
-                </a:gridCol>
-              </a:tblGrid>
-              <a:tr h="535478">
-                <a:tc>
-                  <a:txBody>
-                    <a:bodyPr/>
-                    <a:lstStyle/>
-                    <a:p>
-                      <a:pPr rtl="0"/>
-                      <a:r>
-                        <a:rPr lang="pl-PL" noProof="0" dirty="0"/>
-                        <a:t>Klasa</a:t>
-                      </a:r>
-                    </a:p>
-                  </a:txBody>
-                  <a:tcPr anchor="ctr"/>
-                </a:tc>
-                <a:tc>
-                  <a:txBody>
-                    <a:bodyPr/>
-                    <a:lstStyle/>
-                    <a:p>
-                      <a:pPr algn="ctr" rtl="0"/>
-                      <a:r>
-                        <a:rPr lang="pl-PL" noProof="0"/>
-                        <a:t>Grupa 1</a:t>
-                      </a:r>
-                    </a:p>
-                  </a:txBody>
-                  <a:tcPr anchor="ctr"/>
-                </a:tc>
-                <a:tc>
-                  <a:txBody>
-                    <a:bodyPr/>
-                    <a:lstStyle/>
-                    <a:p>
-                      <a:pPr algn="ctr" rtl="0"/>
-                      <a:r>
-                        <a:rPr lang="pl-PL" noProof="0"/>
-                        <a:t>Grupa 2</a:t>
-                      </a:r>
-                    </a:p>
-                  </a:txBody>
-                  <a:tcPr anchor="ctr"/>
-                </a:tc>
-                <a:extLst>
-                  <a:ext uri="{0D108BD9-81ED-4DB2-BD59-A6C34878D82A}">
-                    <a16:rowId xmlns:a16="http://schemas.microsoft.com/office/drawing/2014/main" val="10000"/>
-                  </a:ext>
-                </a:extLst>
-              </a:tr>
-              <a:tr h="535478">
-                <a:tc>
-                  <a:txBody>
-                    <a:bodyPr/>
-                    <a:lstStyle/>
-                    <a:p>
-                      <a:pPr rtl="0"/>
-                      <a:r>
-                        <a:rPr lang="pl-PL" noProof="0"/>
-                        <a:t>Klasa 1</a:t>
-                      </a:r>
-                    </a:p>
-                  </a:txBody>
-                  <a:tcPr anchor="ctr"/>
-                </a:tc>
-                <a:tc>
-                  <a:txBody>
-                    <a:bodyPr/>
-                    <a:lstStyle/>
-                    <a:p>
-                      <a:pPr algn="ctr" rtl="0"/>
-                      <a:r>
-                        <a:rPr lang="pl-PL" noProof="0"/>
-                        <a:t>82</a:t>
-                      </a:r>
-                    </a:p>
-                  </a:txBody>
-                  <a:tcPr anchor="ctr"/>
-                </a:tc>
-                <a:tc>
-                  <a:txBody>
-                    <a:bodyPr/>
-                    <a:lstStyle/>
-                    <a:p>
-                      <a:pPr algn="ctr" rtl="0"/>
-                      <a:r>
-                        <a:rPr lang="pl-PL" noProof="0"/>
-                        <a:t>95</a:t>
-                      </a:r>
-                    </a:p>
-                  </a:txBody>
-                  <a:tcPr anchor="ctr"/>
-                </a:tc>
-                <a:extLst>
-                  <a:ext uri="{0D108BD9-81ED-4DB2-BD59-A6C34878D82A}">
-                    <a16:rowId xmlns:a16="http://schemas.microsoft.com/office/drawing/2014/main" val="10001"/>
-                  </a:ext>
-                </a:extLst>
-              </a:tr>
-              <a:tr h="535478">
-                <a:tc>
-                  <a:txBody>
-                    <a:bodyPr/>
-                    <a:lstStyle/>
-                    <a:p>
-                      <a:pPr rtl="0"/>
-                      <a:r>
-                        <a:rPr lang="pl-PL" noProof="0"/>
-                        <a:t>Klasa 2</a:t>
-                      </a:r>
-                    </a:p>
-                  </a:txBody>
-                  <a:tcPr anchor="ctr"/>
-                </a:tc>
-                <a:tc>
-                  <a:txBody>
-                    <a:bodyPr/>
-                    <a:lstStyle/>
-                    <a:p>
-                      <a:pPr algn="ctr" rtl="0"/>
-                      <a:r>
-                        <a:rPr lang="pl-PL" noProof="0"/>
-                        <a:t>76</a:t>
-                      </a:r>
-                    </a:p>
-                  </a:txBody>
-                  <a:tcPr anchor="ctr"/>
-                </a:tc>
-                <a:tc>
-                  <a:txBody>
-                    <a:bodyPr/>
-                    <a:lstStyle/>
-                    <a:p>
-                      <a:pPr algn="ctr" rtl="0"/>
-                      <a:r>
-                        <a:rPr lang="pl-PL" noProof="0"/>
-                        <a:t>88</a:t>
-                      </a:r>
-                    </a:p>
-                  </a:txBody>
-                  <a:tcPr anchor="ctr"/>
-                </a:tc>
-                <a:extLst>
-                  <a:ext uri="{0D108BD9-81ED-4DB2-BD59-A6C34878D82A}">
-                    <a16:rowId xmlns:a16="http://schemas.microsoft.com/office/drawing/2014/main" val="10002"/>
-                  </a:ext>
-                </a:extLst>
-              </a:tr>
-              <a:tr h="535478">
-                <a:tc>
-                  <a:txBody>
-                    <a:bodyPr/>
-                    <a:lstStyle/>
-                    <a:p>
-                      <a:pPr rtl="0"/>
-                      <a:r>
-                        <a:rPr lang="pl-PL" noProof="0"/>
-                        <a:t>Klasa 3</a:t>
-                      </a:r>
-                    </a:p>
-                  </a:txBody>
-                  <a:tcPr anchor="ctr"/>
-                </a:tc>
-                <a:tc>
-                  <a:txBody>
-                    <a:bodyPr/>
-                    <a:lstStyle/>
-                    <a:p>
-                      <a:pPr algn="ctr" rtl="0"/>
-                      <a:r>
-                        <a:rPr lang="pl-PL" noProof="0"/>
-                        <a:t>84</a:t>
-                      </a:r>
-                    </a:p>
-                  </a:txBody>
-                  <a:tcPr anchor="ctr"/>
-                </a:tc>
-                <a:tc>
-                  <a:txBody>
-                    <a:bodyPr/>
-                    <a:lstStyle/>
-                    <a:p>
-                      <a:pPr algn="ctr" rtl="0"/>
-                      <a:r>
-                        <a:rPr lang="pl-PL" noProof="0" dirty="0"/>
-                        <a:t>90</a:t>
-                      </a:r>
-                    </a:p>
-                  </a:txBody>
-                  <a:tcPr anchor="ctr"/>
-                </a:tc>
-                <a:extLst>
-                  <a:ext uri="{0D108BD9-81ED-4DB2-BD59-A6C34878D82A}">
-                    <a16:rowId xmlns:a16="http://schemas.microsoft.com/office/drawing/2014/main" val="10003"/>
-                  </a:ext>
-                </a:extLst>
-              </a:tr>
-            </a:tbl>
-          </a:graphicData>
-        </a:graphic>
-      </p:graphicFrame>
-    </p:spTree>
-    <p:extLst>
-      <p:ext uri="{BB962C8B-B14F-4D97-AF65-F5344CB8AC3E}">
-        <p14:creationId xmlns:p14="http://schemas.microsoft.com/office/powerpoint/2010/main" val="2475092730"/>
-      </p:ext>
-    </p:extLst>
-  </p:cSld>
-  <p:clrMapOvr>
-    <a:masterClrMapping/>
-  </p:clrMapOvr>
-  <mc:AlternateContent xmlns:mc="http://schemas.openxmlformats.org/markup-compatibility/2006" xmlns:p14="http://schemas.microsoft.com/office/powerpoint/2010/main">
-    <mc:Choice Requires="p14">
-      <p:transition spd="med" p14:dur="700">
-        <p:fade/>
-      </p:transition>
-    </mc:Choice>
-    <mc:Fallback xmlns="">
-      <p:transition spd="med">
-        <p:fade/>
-      </p:transition>
-    </mc:Fallback>
-  </mc:AlternateContent>
-</p:sld>
-</file>
-
-<file path=ppt/slides/slide5.xml><?xml version="1.0" encoding="utf-8"?>
+<file path=ppt/slides/slide7.xml><?xml version="1.0" encoding="utf-8"?>
 <p:sld xmlns:a="http://schemas.openxmlformats.org/drawingml/2006/main" xmlns:r="http://schemas.openxmlformats.org/officeDocument/2006/relationships" xmlns:p="http://schemas.openxmlformats.org/presentationml/2006/main">
   <p:cSld>
     <p:spTree>
@@ -20056,7 +20527,7 @@
 </p:sld>
 </file>
 
-<file path=ppt/slides/slide6.xml><?xml version="1.0" encoding="utf-8"?>
+<file path=ppt/slides/slide8.xml><?xml version="1.0" encoding="utf-8"?>
 <p:sld xmlns:a="http://schemas.openxmlformats.org/drawingml/2006/main" xmlns:r="http://schemas.openxmlformats.org/officeDocument/2006/relationships" xmlns:p="http://schemas.openxmlformats.org/presentationml/2006/main">
   <p:cSld>
     <p:spTree>
@@ -20141,7 +20612,7 @@
 </p:sld>
 </file>
 
-<file path=ppt/slides/slide7.xml><?xml version="1.0" encoding="utf-8"?>
+<file path=ppt/slides/slide9.xml><?xml version="1.0" encoding="utf-8"?>
 <p:sld xmlns:a="http://schemas.openxmlformats.org/drawingml/2006/main" xmlns:r="http://schemas.openxmlformats.org/officeDocument/2006/relationships" xmlns:p="http://schemas.openxmlformats.org/presentationml/2006/main">
   <p:cSld>
     <p:spTree>
@@ -20265,113 +20736,6 @@
     <p:extLst>
       <p:ext uri="{BB962C8B-B14F-4D97-AF65-F5344CB8AC3E}">
         <p14:creationId xmlns:p14="http://schemas.microsoft.com/office/powerpoint/2010/main" val="3229171051"/>
-      </p:ext>
-    </p:extLst>
-  </p:cSld>
-  <p:clrMapOvr>
-    <a:masterClrMapping/>
-  </p:clrMapOvr>
-  <mc:AlternateContent xmlns:mc="http://schemas.openxmlformats.org/markup-compatibility/2006" xmlns:p14="http://schemas.microsoft.com/office/powerpoint/2010/main">
-    <mc:Choice Requires="p14">
-      <p:transition spd="med" p14:dur="700">
-        <p:fade/>
-      </p:transition>
-    </mc:Choice>
-    <mc:Fallback xmlns="">
-      <p:transition spd="med">
-        <p:fade/>
-      </p:transition>
-    </mc:Fallback>
-  </mc:AlternateContent>
-</p:sld>
-</file>
-
-<file path=ppt/slides/slide8.xml><?xml version="1.0" encoding="utf-8"?>
-<p:sld xmlns:a="http://schemas.openxmlformats.org/drawingml/2006/main" xmlns:r="http://schemas.openxmlformats.org/officeDocument/2006/relationships" xmlns:p="http://schemas.openxmlformats.org/presentationml/2006/main">
-  <p:cSld>
-    <p:spTree>
-      <p:nvGrpSpPr>
-        <p:cNvPr id="1" name=""/>
-        <p:cNvGrpSpPr/>
-        <p:nvPr/>
-      </p:nvGrpSpPr>
-      <p:grpSpPr>
-        <a:xfrm>
-          <a:off x="0" y="0"/>
-          <a:ext cx="0" cy="0"/>
-          <a:chOff x="0" y="0"/>
-          <a:chExt cx="0" cy="0"/>
-        </a:xfrm>
-      </p:grpSpPr>
-      <p:sp>
-        <p:nvSpPr>
-          <p:cNvPr id="2" name="Tytuł 1"/>
-          <p:cNvSpPr>
-            <a:spLocks noGrp="1"/>
-          </p:cNvSpPr>
-          <p:nvPr>
-            <p:ph type="title"/>
-          </p:nvPr>
-        </p:nvSpPr>
-        <p:spPr/>
-        <p:txBody>
-          <a:bodyPr rtlCol="0"/>
-          <a:lstStyle/>
-          <a:p>
-            <a:pPr rtl="0"/>
-            <a:r>
-              <a:rPr lang="pl-PL"/>
-              <a:t>Dodaj tytuł slajdu — 3</a:t>
-            </a:r>
-          </a:p>
-        </p:txBody>
-      </p:sp>
-    </p:spTree>
-    <p:extLst>
-      <p:ext uri="{BB962C8B-B14F-4D97-AF65-F5344CB8AC3E}">
-        <p14:creationId xmlns:p14="http://schemas.microsoft.com/office/powerpoint/2010/main" val="452733939"/>
-      </p:ext>
-    </p:extLst>
-  </p:cSld>
-  <p:clrMapOvr>
-    <a:masterClrMapping/>
-  </p:clrMapOvr>
-  <mc:AlternateContent xmlns:mc="http://schemas.openxmlformats.org/markup-compatibility/2006" xmlns:p14="http://schemas.microsoft.com/office/powerpoint/2010/main">
-    <mc:Choice Requires="p14">
-      <p:transition spd="med" p14:dur="700">
-        <p:fade/>
-      </p:transition>
-    </mc:Choice>
-    <mc:Fallback xmlns="">
-      <p:transition spd="med">
-        <p:fade/>
-      </p:transition>
-    </mc:Fallback>
-  </mc:AlternateContent>
-</p:sld>
-</file>
-
-<file path=ppt/slides/slide9.xml><?xml version="1.0" encoding="utf-8"?>
-<p:sld xmlns:a="http://schemas.openxmlformats.org/drawingml/2006/main" xmlns:r="http://schemas.openxmlformats.org/officeDocument/2006/relationships" xmlns:p="http://schemas.openxmlformats.org/presentationml/2006/main">
-  <p:cSld>
-    <p:spTree>
-      <p:nvGrpSpPr>
-        <p:cNvPr id="1" name=""/>
-        <p:cNvGrpSpPr/>
-        <p:nvPr/>
-      </p:nvGrpSpPr>
-      <p:grpSpPr>
-        <a:xfrm>
-          <a:off x="0" y="0"/>
-          <a:ext cx="0" cy="0"/>
-          <a:chOff x="0" y="0"/>
-          <a:chExt cx="0" cy="0"/>
-        </a:xfrm>
-      </p:grpSpPr>
-    </p:spTree>
-    <p:extLst>
-      <p:ext uri="{BB962C8B-B14F-4D97-AF65-F5344CB8AC3E}">
-        <p14:creationId xmlns:p14="http://schemas.microsoft.com/office/powerpoint/2010/main" val="1544302913"/>
       </p:ext>
     </p:extLst>
   </p:cSld>

--- a/Materiały/Prezentacja.pptx
+++ b/Materiały/Prezentacja.pptx
@@ -5,25 +5,28 @@
     <p:sldMasterId id="2147483648" r:id="rId1"/>
   </p:sldMasterIdLst>
   <p:notesMasterIdLst>
-    <p:notesMasterId r:id="rId15"/>
+    <p:notesMasterId r:id="rId18"/>
   </p:notesMasterIdLst>
   <p:handoutMasterIdLst>
-    <p:handoutMasterId r:id="rId16"/>
+    <p:handoutMasterId r:id="rId19"/>
   </p:handoutMasterIdLst>
   <p:sldIdLst>
     <p:sldId id="261" r:id="rId2"/>
     <p:sldId id="257" r:id="rId3"/>
     <p:sldId id="271" r:id="rId4"/>
-    <p:sldId id="272" r:id="rId5"/>
+    <p:sldId id="273" r:id="rId5"/>
     <p:sldId id="263" r:id="rId6"/>
-    <p:sldId id="262" r:id="rId7"/>
-    <p:sldId id="264" r:id="rId8"/>
-    <p:sldId id="265" r:id="rId9"/>
-    <p:sldId id="266" r:id="rId10"/>
-    <p:sldId id="267" r:id="rId11"/>
-    <p:sldId id="268" r:id="rId12"/>
-    <p:sldId id="269" r:id="rId13"/>
-    <p:sldId id="270" r:id="rId14"/>
+    <p:sldId id="275" r:id="rId7"/>
+    <p:sldId id="274" r:id="rId8"/>
+    <p:sldId id="262" r:id="rId9"/>
+    <p:sldId id="276" r:id="rId10"/>
+    <p:sldId id="264" r:id="rId11"/>
+    <p:sldId id="265" r:id="rId12"/>
+    <p:sldId id="266" r:id="rId13"/>
+    <p:sldId id="267" r:id="rId14"/>
+    <p:sldId id="268" r:id="rId15"/>
+    <p:sldId id="269" r:id="rId16"/>
+    <p:sldId id="270" r:id="rId17"/>
   </p:sldIdLst>
   <p:sldSz cx="12192000" cy="6858000"/>
   <p:notesSz cx="6858000" cy="9144000"/>
@@ -3288,7 +3291,7 @@
             <a:pPr rtl="0"/>
             <a:fld id="{11F6B162-B019-4558-B36F-3F7010E42FDF}" type="datetime1">
               <a:rPr lang="pl-PL" smtClean="0"/>
-              <a:t>14.01.2024</a:t>
+              <a:t>15.01.2024</a:t>
             </a:fld>
             <a:endParaRPr lang="pl-PL" dirty="0"/>
           </a:p>
@@ -3457,7 +3460,7 @@
             <a:fld id="{F8FD5293-0EA9-4B42-A238-C80836CA7D9E}" type="datetime1">
               <a:rPr lang="pl-PL" smtClean="0"/>
               <a:pPr/>
-              <a:t>14.01.2024</a:t>
+              <a:t>15.01.2024</a:t>
             </a:fld>
             <a:endParaRPr lang="pl-PL" dirty="0"/>
           </a:p>
@@ -3887,7 +3890,7 @@
     </p:spTree>
     <p:extLst>
       <p:ext uri="{BB962C8B-B14F-4D97-AF65-F5344CB8AC3E}">
-        <p14:creationId xmlns:p14="http://schemas.microsoft.com/office/powerpoint/2010/main" val="2333077848"/>
+        <p14:creationId xmlns:p14="http://schemas.microsoft.com/office/powerpoint/2010/main" val="2314178517"/>
       </p:ext>
     </p:extLst>
   </p:cSld>
@@ -3972,7 +3975,7 @@
     </p:spTree>
     <p:extLst>
       <p:ext uri="{BB962C8B-B14F-4D97-AF65-F5344CB8AC3E}">
-        <p14:creationId xmlns:p14="http://schemas.microsoft.com/office/powerpoint/2010/main" val="970486069"/>
+        <p14:creationId xmlns:p14="http://schemas.microsoft.com/office/powerpoint/2010/main" val="3022718139"/>
       </p:ext>
     </p:extLst>
   </p:cSld>
@@ -4057,7 +4060,7 @@
     </p:spTree>
     <p:extLst>
       <p:ext uri="{BB962C8B-B14F-4D97-AF65-F5344CB8AC3E}">
-        <p14:creationId xmlns:p14="http://schemas.microsoft.com/office/powerpoint/2010/main" val="3042752440"/>
+        <p14:creationId xmlns:p14="http://schemas.microsoft.com/office/powerpoint/2010/main" val="2704562944"/>
       </p:ext>
     </p:extLst>
   </p:cSld>
@@ -4134,6 +4137,261 @@
             <a:fld id="{82869989-EB00-4EE7-BCB5-25BDC5BB29F8}" type="slidenum">
               <a:rPr lang="pl-PL" smtClean="0"/>
               <a:t>13</a:t>
+            </a:fld>
+            <a:endParaRPr lang="pl-PL"/>
+          </a:p>
+        </p:txBody>
+      </p:sp>
+    </p:spTree>
+    <p:extLst>
+      <p:ext uri="{BB962C8B-B14F-4D97-AF65-F5344CB8AC3E}">
+        <p14:creationId xmlns:p14="http://schemas.microsoft.com/office/powerpoint/2010/main" val="2333077848"/>
+      </p:ext>
+    </p:extLst>
+  </p:cSld>
+  <p:clrMapOvr>
+    <a:masterClrMapping/>
+  </p:clrMapOvr>
+</p:notes>
+</file>
+
+<file path=ppt/notesSlides/notesSlide14.xml><?xml version="1.0" encoding="utf-8"?>
+<p:notes xmlns:a="http://schemas.openxmlformats.org/drawingml/2006/main" xmlns:r="http://schemas.openxmlformats.org/officeDocument/2006/relationships" xmlns:p="http://schemas.openxmlformats.org/presentationml/2006/main">
+  <p:cSld>
+    <p:spTree>
+      <p:nvGrpSpPr>
+        <p:cNvPr id="1" name=""/>
+        <p:cNvGrpSpPr/>
+        <p:nvPr/>
+      </p:nvGrpSpPr>
+      <p:grpSpPr>
+        <a:xfrm>
+          <a:off x="0" y="0"/>
+          <a:ext cx="0" cy="0"/>
+          <a:chOff x="0" y="0"/>
+          <a:chExt cx="0" cy="0"/>
+        </a:xfrm>
+      </p:grpSpPr>
+      <p:sp>
+        <p:nvSpPr>
+          <p:cNvPr id="2" name="Symbol zastępczy obrazu slajdu 1"/>
+          <p:cNvSpPr>
+            <a:spLocks noGrp="1" noRot="1" noChangeAspect="1"/>
+          </p:cNvSpPr>
+          <p:nvPr>
+            <p:ph type="sldImg"/>
+          </p:nvPr>
+        </p:nvSpPr>
+        <p:spPr/>
+      </p:sp>
+      <p:sp>
+        <p:nvSpPr>
+          <p:cNvPr id="3" name="Symbol zastępczy notatek 2"/>
+          <p:cNvSpPr>
+            <a:spLocks noGrp="1"/>
+          </p:cNvSpPr>
+          <p:nvPr>
+            <p:ph type="body" idx="1"/>
+          </p:nvPr>
+        </p:nvSpPr>
+        <p:spPr/>
+        <p:txBody>
+          <a:bodyPr/>
+          <a:lstStyle/>
+          <a:p>
+            <a:endParaRPr lang="pl-PL"/>
+          </a:p>
+        </p:txBody>
+      </p:sp>
+      <p:sp>
+        <p:nvSpPr>
+          <p:cNvPr id="4" name="Symbol zastępczy numeru slajdu 3"/>
+          <p:cNvSpPr>
+            <a:spLocks noGrp="1"/>
+          </p:cNvSpPr>
+          <p:nvPr>
+            <p:ph type="sldNum" sz="quarter" idx="10"/>
+          </p:nvPr>
+        </p:nvSpPr>
+        <p:spPr/>
+        <p:txBody>
+          <a:bodyPr/>
+          <a:lstStyle/>
+          <a:p>
+            <a:pPr rtl="0"/>
+            <a:fld id="{82869989-EB00-4EE7-BCB5-25BDC5BB29F8}" type="slidenum">
+              <a:rPr lang="pl-PL" smtClean="0"/>
+              <a:t>14</a:t>
+            </a:fld>
+            <a:endParaRPr lang="pl-PL"/>
+          </a:p>
+        </p:txBody>
+      </p:sp>
+    </p:spTree>
+    <p:extLst>
+      <p:ext uri="{BB962C8B-B14F-4D97-AF65-F5344CB8AC3E}">
+        <p14:creationId xmlns:p14="http://schemas.microsoft.com/office/powerpoint/2010/main" val="970486069"/>
+      </p:ext>
+    </p:extLst>
+  </p:cSld>
+  <p:clrMapOvr>
+    <a:masterClrMapping/>
+  </p:clrMapOvr>
+</p:notes>
+</file>
+
+<file path=ppt/notesSlides/notesSlide15.xml><?xml version="1.0" encoding="utf-8"?>
+<p:notes xmlns:a="http://schemas.openxmlformats.org/drawingml/2006/main" xmlns:r="http://schemas.openxmlformats.org/officeDocument/2006/relationships" xmlns:p="http://schemas.openxmlformats.org/presentationml/2006/main">
+  <p:cSld>
+    <p:spTree>
+      <p:nvGrpSpPr>
+        <p:cNvPr id="1" name=""/>
+        <p:cNvGrpSpPr/>
+        <p:nvPr/>
+      </p:nvGrpSpPr>
+      <p:grpSpPr>
+        <a:xfrm>
+          <a:off x="0" y="0"/>
+          <a:ext cx="0" cy="0"/>
+          <a:chOff x="0" y="0"/>
+          <a:chExt cx="0" cy="0"/>
+        </a:xfrm>
+      </p:grpSpPr>
+      <p:sp>
+        <p:nvSpPr>
+          <p:cNvPr id="2" name="Symbol zastępczy obrazu slajdu 1"/>
+          <p:cNvSpPr>
+            <a:spLocks noGrp="1" noRot="1" noChangeAspect="1"/>
+          </p:cNvSpPr>
+          <p:nvPr>
+            <p:ph type="sldImg"/>
+          </p:nvPr>
+        </p:nvSpPr>
+        <p:spPr/>
+      </p:sp>
+      <p:sp>
+        <p:nvSpPr>
+          <p:cNvPr id="3" name="Symbol zastępczy notatek 2"/>
+          <p:cNvSpPr>
+            <a:spLocks noGrp="1"/>
+          </p:cNvSpPr>
+          <p:nvPr>
+            <p:ph type="body" idx="1"/>
+          </p:nvPr>
+        </p:nvSpPr>
+        <p:spPr/>
+        <p:txBody>
+          <a:bodyPr/>
+          <a:lstStyle/>
+          <a:p>
+            <a:endParaRPr lang="pl-PL"/>
+          </a:p>
+        </p:txBody>
+      </p:sp>
+      <p:sp>
+        <p:nvSpPr>
+          <p:cNvPr id="4" name="Symbol zastępczy numeru slajdu 3"/>
+          <p:cNvSpPr>
+            <a:spLocks noGrp="1"/>
+          </p:cNvSpPr>
+          <p:nvPr>
+            <p:ph type="sldNum" sz="quarter" idx="10"/>
+          </p:nvPr>
+        </p:nvSpPr>
+        <p:spPr/>
+        <p:txBody>
+          <a:bodyPr/>
+          <a:lstStyle/>
+          <a:p>
+            <a:pPr rtl="0"/>
+            <a:fld id="{82869989-EB00-4EE7-BCB5-25BDC5BB29F8}" type="slidenum">
+              <a:rPr lang="pl-PL" smtClean="0"/>
+              <a:t>15</a:t>
+            </a:fld>
+            <a:endParaRPr lang="pl-PL"/>
+          </a:p>
+        </p:txBody>
+      </p:sp>
+    </p:spTree>
+    <p:extLst>
+      <p:ext uri="{BB962C8B-B14F-4D97-AF65-F5344CB8AC3E}">
+        <p14:creationId xmlns:p14="http://schemas.microsoft.com/office/powerpoint/2010/main" val="3042752440"/>
+      </p:ext>
+    </p:extLst>
+  </p:cSld>
+  <p:clrMapOvr>
+    <a:masterClrMapping/>
+  </p:clrMapOvr>
+</p:notes>
+</file>
+
+<file path=ppt/notesSlides/notesSlide16.xml><?xml version="1.0" encoding="utf-8"?>
+<p:notes xmlns:a="http://schemas.openxmlformats.org/drawingml/2006/main" xmlns:r="http://schemas.openxmlformats.org/officeDocument/2006/relationships" xmlns:p="http://schemas.openxmlformats.org/presentationml/2006/main">
+  <p:cSld>
+    <p:spTree>
+      <p:nvGrpSpPr>
+        <p:cNvPr id="1" name=""/>
+        <p:cNvGrpSpPr/>
+        <p:nvPr/>
+      </p:nvGrpSpPr>
+      <p:grpSpPr>
+        <a:xfrm>
+          <a:off x="0" y="0"/>
+          <a:ext cx="0" cy="0"/>
+          <a:chOff x="0" y="0"/>
+          <a:chExt cx="0" cy="0"/>
+        </a:xfrm>
+      </p:grpSpPr>
+      <p:sp>
+        <p:nvSpPr>
+          <p:cNvPr id="2" name="Symbol zastępczy obrazu slajdu 1"/>
+          <p:cNvSpPr>
+            <a:spLocks noGrp="1" noRot="1" noChangeAspect="1"/>
+          </p:cNvSpPr>
+          <p:nvPr>
+            <p:ph type="sldImg"/>
+          </p:nvPr>
+        </p:nvSpPr>
+        <p:spPr/>
+      </p:sp>
+      <p:sp>
+        <p:nvSpPr>
+          <p:cNvPr id="3" name="Symbol zastępczy notatek 2"/>
+          <p:cNvSpPr>
+            <a:spLocks noGrp="1"/>
+          </p:cNvSpPr>
+          <p:nvPr>
+            <p:ph type="body" idx="1"/>
+          </p:nvPr>
+        </p:nvSpPr>
+        <p:spPr/>
+        <p:txBody>
+          <a:bodyPr/>
+          <a:lstStyle/>
+          <a:p>
+            <a:endParaRPr lang="pl-PL"/>
+          </a:p>
+        </p:txBody>
+      </p:sp>
+      <p:sp>
+        <p:nvSpPr>
+          <p:cNvPr id="4" name="Symbol zastępczy numeru slajdu 3"/>
+          <p:cNvSpPr>
+            <a:spLocks noGrp="1"/>
+          </p:cNvSpPr>
+          <p:nvPr>
+            <p:ph type="sldNum" sz="quarter" idx="10"/>
+          </p:nvPr>
+        </p:nvSpPr>
+        <p:spPr/>
+        <p:txBody>
+          <a:bodyPr/>
+          <a:lstStyle/>
+          <a:p>
+            <a:pPr rtl="0"/>
+            <a:fld id="{82869989-EB00-4EE7-BCB5-25BDC5BB29F8}" type="slidenum">
+              <a:rPr lang="pl-PL" smtClean="0"/>
+              <a:t>16</a:t>
             </a:fld>
             <a:endParaRPr lang="pl-PL"/>
           </a:p>
@@ -4343,7 +4601,7 @@
       </p:grpSpPr>
       <p:sp>
         <p:nvSpPr>
-          <p:cNvPr id="2" name="Symbol zastępczy obrazu slajdu 1"/>
+          <p:cNvPr id="2" name="Obraz slajdu — symbol zastępczy 1"/>
           <p:cNvSpPr>
             <a:spLocks noGrp="1" noRot="1" noChangeAspect="1"/>
           </p:cNvSpPr>
@@ -4355,7 +4613,7 @@
       </p:sp>
       <p:sp>
         <p:nvSpPr>
-          <p:cNvPr id="3" name="Symbol zastępczy notatek 2"/>
+          <p:cNvPr id="3" name="Notatki — symbol zastępczy 2"/>
           <p:cNvSpPr>
             <a:spLocks noGrp="1"/>
           </p:cNvSpPr>
@@ -4365,16 +4623,17 @@
         </p:nvSpPr>
         <p:spPr/>
         <p:txBody>
-          <a:bodyPr/>
+          <a:bodyPr rtlCol="0"/>
           <a:lstStyle/>
           <a:p>
+            <a:pPr rtl="0"/>
             <a:endParaRPr lang="pl-PL"/>
           </a:p>
         </p:txBody>
       </p:sp>
       <p:sp>
         <p:nvSpPr>
-          <p:cNvPr id="4" name="Symbol zastępczy numeru slajdu 3"/>
+          <p:cNvPr id="4" name="Numer slajdu — symbol zastępczy 3"/>
           <p:cNvSpPr>
             <a:spLocks noGrp="1"/>
           </p:cNvSpPr>
@@ -4384,7 +4643,7 @@
         </p:nvSpPr>
         <p:spPr/>
         <p:txBody>
-          <a:bodyPr/>
+          <a:bodyPr rtlCol="0"/>
           <a:lstStyle/>
           <a:p>
             <a:pPr rtl="0"/>
@@ -4399,7 +4658,7 @@
     </p:spTree>
     <p:extLst>
       <p:ext uri="{BB962C8B-B14F-4D97-AF65-F5344CB8AC3E}">
-        <p14:creationId xmlns:p14="http://schemas.microsoft.com/office/powerpoint/2010/main" val="244371606"/>
+        <p14:creationId xmlns:p14="http://schemas.microsoft.com/office/powerpoint/2010/main" val="2928424353"/>
       </p:ext>
     </p:extLst>
   </p:cSld>
@@ -4513,7 +4772,7 @@
       </p:grpSpPr>
       <p:sp>
         <p:nvSpPr>
-          <p:cNvPr id="2" name="Symbol zastępczy obrazu slajdu 1"/>
+          <p:cNvPr id="2" name="Obraz slajdu — symbol zastępczy 1"/>
           <p:cNvSpPr>
             <a:spLocks noGrp="1" noRot="1" noChangeAspect="1"/>
           </p:cNvSpPr>
@@ -4525,7 +4784,7 @@
       </p:sp>
       <p:sp>
         <p:nvSpPr>
-          <p:cNvPr id="3" name="Symbol zastępczy notatek 2"/>
+          <p:cNvPr id="3" name="Notatki — symbol zastępczy 2"/>
           <p:cNvSpPr>
             <a:spLocks noGrp="1"/>
           </p:cNvSpPr>
@@ -4535,16 +4794,17 @@
         </p:nvSpPr>
         <p:spPr/>
         <p:txBody>
-          <a:bodyPr/>
+          <a:bodyPr rtlCol="0"/>
           <a:lstStyle/>
           <a:p>
+            <a:pPr rtl="0"/>
             <a:endParaRPr lang="pl-PL"/>
           </a:p>
         </p:txBody>
       </p:sp>
       <p:sp>
         <p:nvSpPr>
-          <p:cNvPr id="4" name="Symbol zastępczy numeru slajdu 3"/>
+          <p:cNvPr id="4" name="Numer slajdu — symbol zastępczy 3"/>
           <p:cNvSpPr>
             <a:spLocks noGrp="1"/>
           </p:cNvSpPr>
@@ -4554,7 +4814,7 @@
         </p:nvSpPr>
         <p:spPr/>
         <p:txBody>
-          <a:bodyPr/>
+          <a:bodyPr rtlCol="0"/>
           <a:lstStyle/>
           <a:p>
             <a:pPr rtl="0"/>
@@ -4569,7 +4829,7 @@
     </p:spTree>
     <p:extLst>
       <p:ext uri="{BB962C8B-B14F-4D97-AF65-F5344CB8AC3E}">
-        <p14:creationId xmlns:p14="http://schemas.microsoft.com/office/powerpoint/2010/main" val="3811755871"/>
+        <p14:creationId xmlns:p14="http://schemas.microsoft.com/office/powerpoint/2010/main" val="237759131"/>
       </p:ext>
     </p:extLst>
   </p:cSld>
@@ -4598,7 +4858,7 @@
       </p:grpSpPr>
       <p:sp>
         <p:nvSpPr>
-          <p:cNvPr id="2" name="Symbol zastępczy obrazu slajdu 1"/>
+          <p:cNvPr id="2" name="Obraz slajdu — symbol zastępczy 1"/>
           <p:cNvSpPr>
             <a:spLocks noGrp="1" noRot="1" noChangeAspect="1"/>
           </p:cNvSpPr>
@@ -4610,7 +4870,7 @@
       </p:sp>
       <p:sp>
         <p:nvSpPr>
-          <p:cNvPr id="3" name="Symbol zastępczy notatek 2"/>
+          <p:cNvPr id="3" name="Notatki — symbol zastępczy 2"/>
           <p:cNvSpPr>
             <a:spLocks noGrp="1"/>
           </p:cNvSpPr>
@@ -4620,16 +4880,17 @@
         </p:nvSpPr>
         <p:spPr/>
         <p:txBody>
-          <a:bodyPr/>
+          <a:bodyPr rtlCol="0"/>
           <a:lstStyle/>
           <a:p>
+            <a:pPr rtl="0"/>
             <a:endParaRPr lang="pl-PL"/>
           </a:p>
         </p:txBody>
       </p:sp>
       <p:sp>
         <p:nvSpPr>
-          <p:cNvPr id="4" name="Symbol zastępczy numeru slajdu 3"/>
+          <p:cNvPr id="4" name="Numer slajdu — symbol zastępczy 3"/>
           <p:cNvSpPr>
             <a:spLocks noGrp="1"/>
           </p:cNvSpPr>
@@ -4639,7 +4900,7 @@
         </p:nvSpPr>
         <p:spPr/>
         <p:txBody>
-          <a:bodyPr/>
+          <a:bodyPr rtlCol="0"/>
           <a:lstStyle/>
           <a:p>
             <a:pPr rtl="0"/>
@@ -4654,7 +4915,7 @@
     </p:spTree>
     <p:extLst>
       <p:ext uri="{BB962C8B-B14F-4D97-AF65-F5344CB8AC3E}">
-        <p14:creationId xmlns:p14="http://schemas.microsoft.com/office/powerpoint/2010/main" val="2314178517"/>
+        <p14:creationId xmlns:p14="http://schemas.microsoft.com/office/powerpoint/2010/main" val="3449957260"/>
       </p:ext>
     </p:extLst>
   </p:cSld>
@@ -4739,7 +5000,7 @@
     </p:spTree>
     <p:extLst>
       <p:ext uri="{BB962C8B-B14F-4D97-AF65-F5344CB8AC3E}">
-        <p14:creationId xmlns:p14="http://schemas.microsoft.com/office/powerpoint/2010/main" val="3022718139"/>
+        <p14:creationId xmlns:p14="http://schemas.microsoft.com/office/powerpoint/2010/main" val="3811755871"/>
       </p:ext>
     </p:extLst>
   </p:cSld>
@@ -4824,7 +5085,7 @@
     </p:spTree>
     <p:extLst>
       <p:ext uri="{BB962C8B-B14F-4D97-AF65-F5344CB8AC3E}">
-        <p14:creationId xmlns:p14="http://schemas.microsoft.com/office/powerpoint/2010/main" val="2704562944"/>
+        <p14:creationId xmlns:p14="http://schemas.microsoft.com/office/powerpoint/2010/main" val="1398996013"/>
       </p:ext>
     </p:extLst>
   </p:cSld>
@@ -6989,7 +7250,7 @@
             <a:fld id="{70E306AB-97F8-4E2E-BF87-8C3481B5FBD8}" type="datetime1">
               <a:rPr lang="pl-PL" smtClean="0"/>
               <a:pPr/>
-              <a:t>14.01.2024</a:t>
+              <a:t>15.01.2024</a:t>
             </a:fld>
             <a:endParaRPr lang="pl-PL" dirty="0"/>
           </a:p>
@@ -7195,7 +7456,7 @@
             <a:fld id="{54F57989-D074-470C-8B53-0A83600092FA}" type="datetime1">
               <a:rPr lang="pl-PL" smtClean="0"/>
               <a:pPr/>
-              <a:t>14.01.2024</a:t>
+              <a:t>15.01.2024</a:t>
             </a:fld>
             <a:endParaRPr lang="pl-PL" dirty="0"/>
           </a:p>
@@ -7391,7 +7652,7 @@
             <a:fld id="{513EF585-5FBB-4299-9362-D527BD2675CD}" type="datetime1">
               <a:rPr lang="pl-PL" smtClean="0"/>
               <a:pPr/>
-              <a:t>14.01.2024</a:t>
+              <a:t>15.01.2024</a:t>
             </a:fld>
             <a:endParaRPr lang="pl-PL" dirty="0"/>
           </a:p>
@@ -9741,7 +10002,7 @@
             <a:fld id="{9D0E908B-D51D-4142-A5CB-EE5D4309B568}" type="datetime1">
               <a:rPr lang="pl-PL" smtClean="0"/>
               <a:pPr/>
-              <a:t>14.01.2024</a:t>
+              <a:t>15.01.2024</a:t>
             </a:fld>
             <a:endParaRPr lang="pl-PL" dirty="0"/>
           </a:p>
@@ -10203,7 +10464,7 @@
             <a:fld id="{4CB382C9-380C-424E-AF82-A6E8CC1E028B}" type="datetime1">
               <a:rPr lang="pl-PL" smtClean="0"/>
               <a:pPr/>
-              <a:t>14.01.2024</a:t>
+              <a:t>15.01.2024</a:t>
             </a:fld>
             <a:endParaRPr lang="pl-PL" dirty="0"/>
           </a:p>
@@ -10343,7 +10604,7 @@
             <a:fld id="{9B9CB9CC-4696-4285-BA6C-9DFABDF44C2A}" type="datetime1">
               <a:rPr lang="pl-PL" smtClean="0"/>
               <a:pPr/>
-              <a:t>14.01.2024</a:t>
+              <a:t>15.01.2024</a:t>
             </a:fld>
             <a:endParaRPr lang="pl-PL" dirty="0"/>
           </a:p>
@@ -12283,7 +12544,7 @@
             <a:fld id="{DF0DF4F9-CFFF-4A1E-866B-3C5280452CB1}" type="datetime1">
               <a:rPr lang="pl-PL" smtClean="0"/>
               <a:pPr/>
-              <a:t>14.01.2024</a:t>
+              <a:t>15.01.2024</a:t>
             </a:fld>
             <a:endParaRPr lang="pl-PL" dirty="0"/>
           </a:p>
@@ -14544,7 +14805,7 @@
             <a:fld id="{BCE2E449-FA09-4791-AF38-A83448FE51DA}" type="datetime1">
               <a:rPr lang="pl-PL" smtClean="0"/>
               <a:pPr/>
-              <a:t>14.01.2024</a:t>
+              <a:t>15.01.2024</a:t>
             </a:fld>
             <a:endParaRPr lang="pl-PL" dirty="0"/>
           </a:p>
@@ -18843,7 +19104,7 @@
             <a:fld id="{7465ED12-3D75-43E0-9D6D-9FB5D68B824D}" type="datetime1">
               <a:rPr lang="pl-PL" smtClean="0"/>
               <a:pPr/>
-              <a:t>14.01.2024</a:t>
+              <a:t>15.01.2024</a:t>
             </a:fld>
             <a:endParaRPr lang="pl-PL" dirty="0"/>
           </a:p>
@@ -19409,6 +19670,331 @@
           <a:p>
             <a:pPr rtl="0"/>
             <a:r>
+              <a:rPr lang="pl-PL" dirty="0"/>
+              <a:t>Układ Tytuł i zawartość z grafiką </a:t>
+            </a:r>
+            <a:r>
+              <a:rPr lang="pl-PL" dirty="0" err="1"/>
+              <a:t>SmartArt</a:t>
+            </a:r>
+            <a:endParaRPr lang="pl-PL" dirty="0"/>
+          </a:p>
+        </p:txBody>
+      </p:sp>
+      <p:graphicFrame>
+        <p:nvGraphicFramePr>
+          <p:cNvPr id="4" name="Zawartość — symbol zastępczy 3" descr="Diagram Strzałki procesu przedstawiający 3 kroki rozmieszczone od lewej do prawej z opisami zadań dla każdej grupy"/>
+          <p:cNvGraphicFramePr>
+            <a:graphicFrameLocks noGrp="1"/>
+          </p:cNvGraphicFramePr>
+          <p:nvPr>
+            <p:ph idx="1"/>
+            <p:extLst>
+              <p:ext uri="{D42A27DB-BD31-4B8C-83A1-F6EECF244321}">
+                <p14:modId xmlns:p14="http://schemas.microsoft.com/office/powerpoint/2010/main" val="595792156"/>
+              </p:ext>
+            </p:extLst>
+          </p:nvPr>
+        </p:nvGraphicFramePr>
+        <p:xfrm>
+          <a:off x="1295400" y="1981200"/>
+          <a:ext cx="9601200" cy="3810000"/>
+        </p:xfrm>
+        <a:graphic>
+          <a:graphicData uri="http://schemas.openxmlformats.org/drawingml/2006/diagram">
+            <dgm:relIds xmlns:dgm="http://schemas.openxmlformats.org/drawingml/2006/diagram" xmlns:r="http://schemas.openxmlformats.org/officeDocument/2006/relationships" r:dm="rId3" r:lo="rId4" r:qs="rId5" r:cs="rId6"/>
+          </a:graphicData>
+        </a:graphic>
+      </p:graphicFrame>
+    </p:spTree>
+    <p:extLst>
+      <p:ext uri="{BB962C8B-B14F-4D97-AF65-F5344CB8AC3E}">
+        <p14:creationId xmlns:p14="http://schemas.microsoft.com/office/powerpoint/2010/main" val="2761515851"/>
+      </p:ext>
+    </p:extLst>
+  </p:cSld>
+  <p:clrMapOvr>
+    <a:masterClrMapping/>
+  </p:clrMapOvr>
+  <mc:AlternateContent xmlns:mc="http://schemas.openxmlformats.org/markup-compatibility/2006" xmlns:p14="http://schemas.microsoft.com/office/powerpoint/2010/main">
+    <mc:Choice Requires="p14">
+      <p:transition spd="med" p14:dur="700">
+        <p:fade/>
+      </p:transition>
+    </mc:Choice>
+    <mc:Fallback xmlns="">
+      <p:transition spd="med">
+        <p:fade/>
+      </p:transition>
+    </mc:Fallback>
+  </mc:AlternateContent>
+</p:sld>
+</file>
+
+<file path=ppt/slides/slide11.xml><?xml version="1.0" encoding="utf-8"?>
+<p:sld xmlns:a="http://schemas.openxmlformats.org/drawingml/2006/main" xmlns:r="http://schemas.openxmlformats.org/officeDocument/2006/relationships" xmlns:p="http://schemas.openxmlformats.org/presentationml/2006/main">
+  <p:cSld>
+    <p:spTree>
+      <p:nvGrpSpPr>
+        <p:cNvPr id="1" name=""/>
+        <p:cNvGrpSpPr/>
+        <p:nvPr/>
+      </p:nvGrpSpPr>
+      <p:grpSpPr>
+        <a:xfrm>
+          <a:off x="0" y="0"/>
+          <a:ext cx="0" cy="0"/>
+          <a:chOff x="0" y="0"/>
+          <a:chExt cx="0" cy="0"/>
+        </a:xfrm>
+      </p:grpSpPr>
+      <p:sp>
+        <p:nvSpPr>
+          <p:cNvPr id="2" name="Tytuł 1"/>
+          <p:cNvSpPr>
+            <a:spLocks noGrp="1"/>
+          </p:cNvSpPr>
+          <p:nvPr>
+            <p:ph type="title"/>
+          </p:nvPr>
+        </p:nvSpPr>
+        <p:spPr/>
+        <p:txBody>
+          <a:bodyPr rtlCol="0"/>
+          <a:lstStyle/>
+          <a:p>
+            <a:pPr rtl="0"/>
+            <a:r>
+              <a:rPr lang="pl-PL"/>
+              <a:t>Dodaj tytuł slajdu — 1</a:t>
+            </a:r>
+          </a:p>
+        </p:txBody>
+      </p:sp>
+      <p:sp>
+        <p:nvSpPr>
+          <p:cNvPr id="3" name="Tekst — symbol zastępczy 2"/>
+          <p:cNvSpPr>
+            <a:spLocks noGrp="1"/>
+          </p:cNvSpPr>
+          <p:nvPr>
+            <p:ph type="body" idx="1"/>
+          </p:nvPr>
+        </p:nvSpPr>
+        <p:spPr/>
+        <p:txBody>
+          <a:bodyPr rtlCol="0"/>
+          <a:lstStyle/>
+          <a:p>
+            <a:pPr rtl="0"/>
+            <a:endParaRPr lang="pl-PL"/>
+          </a:p>
+        </p:txBody>
+      </p:sp>
+    </p:spTree>
+    <p:extLst>
+      <p:ext uri="{BB962C8B-B14F-4D97-AF65-F5344CB8AC3E}">
+        <p14:creationId xmlns:p14="http://schemas.microsoft.com/office/powerpoint/2010/main" val="2362296366"/>
+      </p:ext>
+    </p:extLst>
+  </p:cSld>
+  <p:clrMapOvr>
+    <a:masterClrMapping/>
+  </p:clrMapOvr>
+  <mc:AlternateContent xmlns:mc="http://schemas.openxmlformats.org/markup-compatibility/2006" xmlns:p14="http://schemas.microsoft.com/office/powerpoint/2010/main">
+    <mc:Choice Requires="p14">
+      <p:transition spd="med" p14:dur="700">
+        <p:fade/>
+      </p:transition>
+    </mc:Choice>
+    <mc:Fallback xmlns="">
+      <p:transition spd="med">
+        <p:fade/>
+      </p:transition>
+    </mc:Fallback>
+  </mc:AlternateContent>
+</p:sld>
+</file>
+
+<file path=ppt/slides/slide12.xml><?xml version="1.0" encoding="utf-8"?>
+<p:sld xmlns:a="http://schemas.openxmlformats.org/drawingml/2006/main" xmlns:r="http://schemas.openxmlformats.org/officeDocument/2006/relationships" xmlns:p="http://schemas.openxmlformats.org/presentationml/2006/main">
+  <p:cSld>
+    <p:spTree>
+      <p:nvGrpSpPr>
+        <p:cNvPr id="1" name=""/>
+        <p:cNvGrpSpPr/>
+        <p:nvPr/>
+      </p:nvGrpSpPr>
+      <p:grpSpPr>
+        <a:xfrm>
+          <a:off x="0" y="0"/>
+          <a:ext cx="0" cy="0"/>
+          <a:chOff x="0" y="0"/>
+          <a:chExt cx="0" cy="0"/>
+        </a:xfrm>
+      </p:grpSpPr>
+      <p:sp>
+        <p:nvSpPr>
+          <p:cNvPr id="2" name="Tytuł 1"/>
+          <p:cNvSpPr>
+            <a:spLocks noGrp="1"/>
+          </p:cNvSpPr>
+          <p:nvPr>
+            <p:ph type="title"/>
+          </p:nvPr>
+        </p:nvSpPr>
+        <p:spPr/>
+        <p:txBody>
+          <a:bodyPr rtlCol="0"/>
+          <a:lstStyle/>
+          <a:p>
+            <a:pPr rtl="0"/>
+            <a:r>
+              <a:rPr lang="pl-PL"/>
+              <a:t>Dodaj tytuł slajdu — 2</a:t>
+            </a:r>
+          </a:p>
+        </p:txBody>
+      </p:sp>
+      <p:sp>
+        <p:nvSpPr>
+          <p:cNvPr id="3" name="Tekst — symbol zastępczy 2"/>
+          <p:cNvSpPr>
+            <a:spLocks noGrp="1"/>
+          </p:cNvSpPr>
+          <p:nvPr>
+            <p:ph type="body" idx="1"/>
+          </p:nvPr>
+        </p:nvSpPr>
+        <p:spPr/>
+        <p:txBody>
+          <a:bodyPr rtlCol="0"/>
+          <a:lstStyle/>
+          <a:p>
+            <a:pPr rtl="0"/>
+            <a:endParaRPr lang="pl-PL"/>
+          </a:p>
+        </p:txBody>
+      </p:sp>
+      <p:sp>
+        <p:nvSpPr>
+          <p:cNvPr id="4" name="Zawartość — symbol zastępczy 3"/>
+          <p:cNvSpPr>
+            <a:spLocks noGrp="1"/>
+          </p:cNvSpPr>
+          <p:nvPr>
+            <p:ph sz="half" idx="2"/>
+          </p:nvPr>
+        </p:nvSpPr>
+        <p:spPr/>
+        <p:txBody>
+          <a:bodyPr rtlCol="0"/>
+          <a:lstStyle/>
+          <a:p>
+            <a:pPr rtl="0"/>
+            <a:endParaRPr lang="pl-PL"/>
+          </a:p>
+        </p:txBody>
+      </p:sp>
+      <p:sp>
+        <p:nvSpPr>
+          <p:cNvPr id="5" name="Tekst — symbol zastępczy 4"/>
+          <p:cNvSpPr>
+            <a:spLocks noGrp="1"/>
+          </p:cNvSpPr>
+          <p:nvPr>
+            <p:ph type="body" sz="quarter" idx="3"/>
+          </p:nvPr>
+        </p:nvSpPr>
+        <p:spPr/>
+        <p:txBody>
+          <a:bodyPr rtlCol="0"/>
+          <a:lstStyle/>
+          <a:p>
+            <a:pPr rtl="0"/>
+            <a:endParaRPr lang="pl-PL"/>
+          </a:p>
+        </p:txBody>
+      </p:sp>
+      <p:sp>
+        <p:nvSpPr>
+          <p:cNvPr id="6" name="Zawartość — symbol zastępczy 5"/>
+          <p:cNvSpPr>
+            <a:spLocks noGrp="1"/>
+          </p:cNvSpPr>
+          <p:nvPr>
+            <p:ph sz="quarter" idx="4"/>
+          </p:nvPr>
+        </p:nvSpPr>
+        <p:spPr/>
+        <p:txBody>
+          <a:bodyPr rtlCol="0"/>
+          <a:lstStyle/>
+          <a:p>
+            <a:pPr rtl="0"/>
+            <a:endParaRPr lang="pl-PL"/>
+          </a:p>
+        </p:txBody>
+      </p:sp>
+    </p:spTree>
+    <p:extLst>
+      <p:ext uri="{BB962C8B-B14F-4D97-AF65-F5344CB8AC3E}">
+        <p14:creationId xmlns:p14="http://schemas.microsoft.com/office/powerpoint/2010/main" val="3229171051"/>
+      </p:ext>
+    </p:extLst>
+  </p:cSld>
+  <p:clrMapOvr>
+    <a:masterClrMapping/>
+  </p:clrMapOvr>
+  <mc:AlternateContent xmlns:mc="http://schemas.openxmlformats.org/markup-compatibility/2006" xmlns:p14="http://schemas.microsoft.com/office/powerpoint/2010/main">
+    <mc:Choice Requires="p14">
+      <p:transition spd="med" p14:dur="700">
+        <p:fade/>
+      </p:transition>
+    </mc:Choice>
+    <mc:Fallback xmlns="">
+      <p:transition spd="med">
+        <p:fade/>
+      </p:transition>
+    </mc:Fallback>
+  </mc:AlternateContent>
+</p:sld>
+</file>
+
+<file path=ppt/slides/slide13.xml><?xml version="1.0" encoding="utf-8"?>
+<p:sld xmlns:a="http://schemas.openxmlformats.org/drawingml/2006/main" xmlns:r="http://schemas.openxmlformats.org/officeDocument/2006/relationships" xmlns:p="http://schemas.openxmlformats.org/presentationml/2006/main">
+  <p:cSld>
+    <p:spTree>
+      <p:nvGrpSpPr>
+        <p:cNvPr id="1" name=""/>
+        <p:cNvGrpSpPr/>
+        <p:nvPr/>
+      </p:nvGrpSpPr>
+      <p:grpSpPr>
+        <a:xfrm>
+          <a:off x="0" y="0"/>
+          <a:ext cx="0" cy="0"/>
+          <a:chOff x="0" y="0"/>
+          <a:chExt cx="0" cy="0"/>
+        </a:xfrm>
+      </p:grpSpPr>
+      <p:sp>
+        <p:nvSpPr>
+          <p:cNvPr id="2" name="Tytuł 1"/>
+          <p:cNvSpPr>
+            <a:spLocks noGrp="1"/>
+          </p:cNvSpPr>
+          <p:nvPr>
+            <p:ph type="title"/>
+          </p:nvPr>
+        </p:nvSpPr>
+        <p:spPr/>
+        <p:txBody>
+          <a:bodyPr rtlCol="0"/>
+          <a:lstStyle/>
+          <a:p>
+            <a:pPr rtl="0"/>
+            <a:r>
               <a:rPr lang="pl-PL"/>
               <a:t>Dodaj tytuł slajdu — 3</a:t>
             </a:r>
@@ -19440,7 +20026,7 @@
 </p:sld>
 </file>
 
-<file path=ppt/slides/slide11.xml><?xml version="1.0" encoding="utf-8"?>
+<file path=ppt/slides/slide14.xml><?xml version="1.0" encoding="utf-8"?>
 <p:sld xmlns:a="http://schemas.openxmlformats.org/drawingml/2006/main" xmlns:r="http://schemas.openxmlformats.org/officeDocument/2006/relationships" xmlns:p="http://schemas.openxmlformats.org/presentationml/2006/main">
   <p:cSld>
     <p:spTree>
@@ -19482,7 +20068,7 @@
 </p:sld>
 </file>
 
-<file path=ppt/slides/slide12.xml><?xml version="1.0" encoding="utf-8"?>
+<file path=ppt/slides/slide15.xml><?xml version="1.0" encoding="utf-8"?>
 <p:sld xmlns:a="http://schemas.openxmlformats.org/drawingml/2006/main" xmlns:r="http://schemas.openxmlformats.org/officeDocument/2006/relationships" xmlns:p="http://schemas.openxmlformats.org/presentationml/2006/main">
   <p:cSld>
     <p:spTree>
@@ -19587,7 +20173,7 @@
 </p:sld>
 </file>
 
-<file path=ppt/slides/slide13.xml><?xml version="1.0" encoding="utf-8"?>
+<file path=ppt/slides/slide16.xml><?xml version="1.0" encoding="utf-8"?>
 <p:sld xmlns:a="http://schemas.openxmlformats.org/drawingml/2006/main" xmlns:r="http://schemas.openxmlformats.org/officeDocument/2006/relationships" xmlns:p="http://schemas.openxmlformats.org/presentationml/2006/main">
   <p:cSld>
     <p:spTree>
@@ -19726,7 +20312,15 @@
             <a:pPr rtl="0"/>
             <a:r>
               <a:rPr lang="pl-PL" dirty="0"/>
-              <a:t>Temat: symulacja wystrzału z trebusza</a:t>
+              <a:t>Temat: symulacja wystrzału z </a:t>
+            </a:r>
+            <a:r>
+              <a:rPr lang="pl-PL" dirty="0" err="1"/>
+              <a:t>trebusza</a:t>
+            </a:r>
+            <a:r>
+              <a:rPr lang="pl-PL" dirty="0"/>
+              <a:t> z przeciwwagą</a:t>
             </a:r>
           </a:p>
         </p:txBody>
@@ -19826,19 +20420,23 @@
             </a:r>
           </a:p>
           <a:p>
-            <a:pPr rtl="0"/>
+            <a:pPr marL="0" indent="0" rtl="0">
+              <a:buNone/>
+            </a:pPr>
             <a:r>
               <a:rPr lang="pl-PL" dirty="0"/>
-              <a:t>Tutaj dodaj trzeci </a:t>
+              <a:t>Modelowane </a:t>
             </a:r>
             <a:r>
-              <a:rPr lang="pl-PL" dirty="0" err="1"/>
-              <a:t>punktor</a:t>
+              <a:rPr lang="pl-PL"/>
+              <a:t>zjawisko: </a:t>
             </a:r>
-            <a:endParaRPr lang="pl-PL" dirty="0"/>
-          </a:p>
-          <a:p>
-            <a:pPr rtl="0"/>
+            <a:r>
+              <a:rPr lang="pl-PL">
+                <a:hlinkClick r:id="rId3"/>
+              </a:rPr>
+              <a:t>https://youtu.be/cs8gamnMIS0?si=ZCyoT69TT9TpWyhj&amp;t=57</a:t>
+            </a:r>
             <a:endParaRPr lang="pl-PL" dirty="0"/>
           </a:p>
         </p:txBody>
@@ -19858,7 +20456,7 @@
           <p:nvPr/>
         </p:nvPicPr>
         <p:blipFill>
-          <a:blip r:embed="rId3"/>
+          <a:blip r:embed="rId4"/>
           <a:stretch>
             <a:fillRect/>
           </a:stretch>
@@ -20069,13 +20667,13 @@
   <p:clrMapOvr>
     <a:masterClrMapping/>
   </p:clrMapOvr>
-  <mc:AlternateContent xmlns:mc="http://schemas.openxmlformats.org/markup-compatibility/2006">
-    <mc:Choice xmlns:p14="http://schemas.microsoft.com/office/powerpoint/2010/main" Requires="p14">
+  <mc:AlternateContent xmlns:mc="http://schemas.openxmlformats.org/markup-compatibility/2006" xmlns:p14="http://schemas.microsoft.com/office/powerpoint/2010/main">
+    <mc:Choice Requires="p14">
       <p:transition spd="med" p14:dur="700">
         <p:fade/>
       </p:transition>
     </mc:Choice>
-    <mc:Fallback>
+    <mc:Fallback xmlns="">
       <p:transition spd="med">
         <p:fade/>
       </p:transition>
@@ -20131,78 +20729,98 @@
             <a:spLocks noGrp="1"/>
           </p:cNvSpPr>
           <p:nvPr>
-            <p:ph sz="half" idx="1"/>
+            <p:ph idx="1"/>
           </p:nvPr>
         </p:nvSpPr>
-        <p:spPr/>
+        <p:spPr>
+          <a:xfrm>
+            <a:off x="979829" y="1646238"/>
+            <a:ext cx="4059869" cy="4023041"/>
+          </a:xfrm>
+        </p:spPr>
         <p:txBody>
-          <a:bodyPr rtlCol="0"/>
+          <a:bodyPr rtlCol="0">
+            <a:normAutofit/>
+          </a:bodyPr>
           <a:lstStyle/>
           <a:p>
             <a:pPr rtl="0"/>
             <a:r>
-              <a:rPr lang="pl-PL"/>
-              <a:t>Tutaj dodaj pierwszy punktor</a:t>
+              <a:rPr lang="pl-PL" dirty="0"/>
+              <a:t>Nie bierzemy pod uwagę masy szkieletu </a:t>
+            </a:r>
+            <a:r>
+              <a:rPr lang="pl-PL" dirty="0" err="1"/>
+              <a:t>trebusza</a:t>
+            </a:r>
+            <a:r>
+              <a:rPr lang="pl-PL" dirty="0"/>
+              <a:t> (dzięki sporej masie przeciwwagi), sił oporu i ruchu na prowadnicy pocisku</a:t>
             </a:r>
           </a:p>
           <a:p>
             <a:pPr rtl="0"/>
             <a:r>
-              <a:rPr lang="pl-PL"/>
-              <a:t>Tutaj dodaj drugi punktor</a:t>
+              <a:rPr lang="pl-PL" dirty="0"/>
+              <a:t>Długie ramie (L2) musi być dłuższe od podstawy (L3), aby mogło być przymocowane przy ziemi</a:t>
             </a:r>
           </a:p>
           <a:p>
             <a:pPr rtl="0"/>
             <a:r>
-              <a:rPr lang="pl-PL"/>
-              <a:t>Tutaj dodaj trzeci punktor</a:t>
+              <a:rPr lang="pl-PL" dirty="0"/>
+              <a:t>L1 + L4 muszą być krótsze od podstawy L4, aby zagwarantować swobodę ruchu przeciwwagi</a:t>
             </a:r>
           </a:p>
         </p:txBody>
       </p:sp>
-      <p:sp>
-        <p:nvSpPr>
-          <p:cNvPr id="6" name="Content Placeholder 5">
+      <p:pic>
+        <p:nvPicPr>
+          <p:cNvPr id="5" name="Picture 4">
             <a:extLst>
               <a:ext uri="{FF2B5EF4-FFF2-40B4-BE49-F238E27FC236}">
-                <a16:creationId xmlns:a16="http://schemas.microsoft.com/office/drawing/2014/main" id="{AD6D72DF-984E-F0F3-229C-66EFED157805}"/>
+                <a16:creationId xmlns:a16="http://schemas.microsoft.com/office/drawing/2014/main" id="{7B20A8AF-4D75-DF36-5928-90777162B6F3}"/>
               </a:ext>
             </a:extLst>
           </p:cNvPr>
-          <p:cNvSpPr>
-            <a:spLocks noGrp="1"/>
-          </p:cNvSpPr>
-          <p:nvPr>
-            <p:ph sz="half" idx="2"/>
-          </p:nvPr>
-        </p:nvSpPr>
-        <p:spPr/>
-        <p:txBody>
-          <a:bodyPr/>
-          <a:lstStyle/>
-          <a:p>
-            <a:endParaRPr lang="pl-PL"/>
-          </a:p>
-        </p:txBody>
-      </p:sp>
+          <p:cNvPicPr>
+            <a:picLocks noChangeAspect="1"/>
+          </p:cNvPicPr>
+          <p:nvPr/>
+        </p:nvPicPr>
+        <p:blipFill>
+          <a:blip r:embed="rId3"/>
+          <a:stretch>
+            <a:fillRect/>
+          </a:stretch>
+        </p:blipFill>
+        <p:spPr>
+          <a:xfrm>
+            <a:off x="5039699" y="1995924"/>
+            <a:ext cx="7019004" cy="3673355"/>
+          </a:xfrm>
+          <a:prstGeom prst="rect">
+            <a:avLst/>
+          </a:prstGeom>
+        </p:spPr>
+      </p:pic>
     </p:spTree>
     <p:extLst>
       <p:ext uri="{BB962C8B-B14F-4D97-AF65-F5344CB8AC3E}">
-        <p14:creationId xmlns:p14="http://schemas.microsoft.com/office/powerpoint/2010/main" val="2408148788"/>
+        <p14:creationId xmlns:p14="http://schemas.microsoft.com/office/powerpoint/2010/main" val="3234933281"/>
       </p:ext>
     </p:extLst>
   </p:cSld>
   <p:clrMapOvr>
     <a:masterClrMapping/>
   </p:clrMapOvr>
-  <mc:AlternateContent xmlns:mc="http://schemas.openxmlformats.org/markup-compatibility/2006" xmlns:p14="http://schemas.microsoft.com/office/powerpoint/2010/main">
-    <mc:Choice Requires="p14">
+  <mc:AlternateContent xmlns:mc="http://schemas.openxmlformats.org/markup-compatibility/2006">
+    <mc:Choice xmlns:p14="http://schemas.microsoft.com/office/powerpoint/2010/main" Requires="p14">
       <p:transition spd="med" p14:dur="700">
         <p:fade/>
       </p:transition>
     </mc:Choice>
-    <mc:Fallback xmlns="">
+    <mc:Fallback>
       <p:transition spd="med">
         <p:fade/>
       </p:transition>
@@ -20365,6 +20983,305 @@
             <p:ph type="title"/>
           </p:nvPr>
         </p:nvSpPr>
+        <p:spPr>
+          <a:xfrm>
+            <a:off x="1295400" y="503853"/>
+            <a:ext cx="9601200" cy="1142385"/>
+          </a:xfrm>
+        </p:spPr>
+        <p:txBody>
+          <a:bodyPr rtlCol="0" anchor="b">
+            <a:normAutofit/>
+          </a:bodyPr>
+          <a:lstStyle/>
+          <a:p>
+            <a:pPr rtl="0"/>
+            <a:r>
+              <a:rPr lang="pl-PL" dirty="0"/>
+              <a:t>Kroki podjęte dla lepszej efektywności i zasięgu</a:t>
+            </a:r>
+          </a:p>
+        </p:txBody>
+      </p:sp>
+      <p:sp>
+        <p:nvSpPr>
+          <p:cNvPr id="3" name="Zawartość — symbol zastępczy 2"/>
+          <p:cNvSpPr>
+            <a:spLocks noGrp="1"/>
+          </p:cNvSpPr>
+          <p:nvPr>
+            <p:ph sz="half" idx="1"/>
+          </p:nvPr>
+        </p:nvSpPr>
+        <p:spPr>
+          <a:xfrm>
+            <a:off x="1295400" y="1981199"/>
+            <a:ext cx="4572000" cy="3810001"/>
+          </a:xfrm>
+        </p:spPr>
+        <p:txBody>
+          <a:bodyPr rtlCol="0">
+            <a:normAutofit/>
+          </a:bodyPr>
+          <a:lstStyle/>
+          <a:p>
+            <a:pPr marL="0" indent="0" rtl="0">
+              <a:buNone/>
+            </a:pPr>
+            <a:r>
+              <a:rPr lang="pl-PL" dirty="0"/>
+              <a:t>Przed budową:</a:t>
+            </a:r>
+          </a:p>
+          <a:p>
+            <a:r>
+              <a:rPr lang="pl-PL" dirty="0"/>
+              <a:t>Kąt między dłuższą częścią ramienia i podstawą zbliżony do 45 stopni</a:t>
+            </a:r>
+          </a:p>
+          <a:p>
+            <a:r>
+              <a:rPr lang="pl-PL" dirty="0"/>
+              <a:t>Duża różnica masy przeciwwagi i pocisku (np. 2000 i 15 kg)</a:t>
+            </a:r>
+          </a:p>
+          <a:p>
+            <a:r>
+              <a:rPr lang="pl-PL" dirty="0"/>
+              <a:t>Proca podobnej długości co dłuższa część ramienia</a:t>
+            </a:r>
+          </a:p>
+        </p:txBody>
+      </p:sp>
+      <p:pic>
+        <p:nvPicPr>
+          <p:cNvPr id="5" name="Obraz 4">
+            <a:extLst>
+              <a:ext uri="{FF2B5EF4-FFF2-40B4-BE49-F238E27FC236}">
+                <a16:creationId xmlns:a16="http://schemas.microsoft.com/office/drawing/2014/main" id="{1ED1A4E4-E2FE-CF5C-8C7D-23D4D214C966}"/>
+              </a:ext>
+            </a:extLst>
+          </p:cNvPr>
+          <p:cNvPicPr>
+            <a:picLocks noChangeAspect="1"/>
+          </p:cNvPicPr>
+          <p:nvPr/>
+        </p:nvPicPr>
+        <p:blipFill>
+          <a:blip r:embed="rId3"/>
+          <a:stretch>
+            <a:fillRect/>
+          </a:stretch>
+        </p:blipFill>
+        <p:spPr>
+          <a:xfrm>
+            <a:off x="6697616" y="3107687"/>
+            <a:ext cx="4198984" cy="2598645"/>
+          </a:xfrm>
+          <a:prstGeom prst="rect">
+            <a:avLst/>
+          </a:prstGeom>
+        </p:spPr>
+      </p:pic>
+    </p:spTree>
+    <p:extLst>
+      <p:ext uri="{BB962C8B-B14F-4D97-AF65-F5344CB8AC3E}">
+        <p14:creationId xmlns:p14="http://schemas.microsoft.com/office/powerpoint/2010/main" val="2527263657"/>
+      </p:ext>
+    </p:extLst>
+  </p:cSld>
+  <p:clrMapOvr>
+    <a:masterClrMapping/>
+  </p:clrMapOvr>
+  <mc:AlternateContent xmlns:mc="http://schemas.openxmlformats.org/markup-compatibility/2006">
+    <mc:Choice xmlns:p14="http://schemas.microsoft.com/office/powerpoint/2010/main" Requires="p14">
+      <p:transition spd="med" p14:dur="700">
+        <p:fade/>
+      </p:transition>
+    </mc:Choice>
+    <mc:Fallback>
+      <p:transition spd="med">
+        <p:fade/>
+      </p:transition>
+    </mc:Fallback>
+  </mc:AlternateContent>
+</p:sld>
+</file>
+
+<file path=ppt/slides/slide7.xml><?xml version="1.0" encoding="utf-8"?>
+<p:sld xmlns:a="http://schemas.openxmlformats.org/drawingml/2006/main" xmlns:r="http://schemas.openxmlformats.org/officeDocument/2006/relationships" xmlns:p="http://schemas.openxmlformats.org/presentationml/2006/main">
+  <p:cSld>
+    <p:spTree>
+      <p:nvGrpSpPr>
+        <p:cNvPr id="1" name=""/>
+        <p:cNvGrpSpPr/>
+        <p:nvPr/>
+      </p:nvGrpSpPr>
+      <p:grpSpPr>
+        <a:xfrm>
+          <a:off x="0" y="0"/>
+          <a:ext cx="0" cy="0"/>
+          <a:chOff x="0" y="0"/>
+          <a:chExt cx="0" cy="0"/>
+        </a:xfrm>
+      </p:grpSpPr>
+      <p:sp>
+        <p:nvSpPr>
+          <p:cNvPr id="2" name="Tytuł 1"/>
+          <p:cNvSpPr>
+            <a:spLocks noGrp="1"/>
+          </p:cNvSpPr>
+          <p:nvPr>
+            <p:ph type="title"/>
+          </p:nvPr>
+        </p:nvSpPr>
+        <p:spPr>
+          <a:xfrm>
+            <a:off x="1295400" y="503853"/>
+            <a:ext cx="9601200" cy="1142385"/>
+          </a:xfrm>
+        </p:spPr>
+        <p:txBody>
+          <a:bodyPr rtlCol="0" anchor="b">
+            <a:normAutofit/>
+          </a:bodyPr>
+          <a:lstStyle/>
+          <a:p>
+            <a:pPr rtl="0"/>
+            <a:r>
+              <a:rPr lang="pl-PL" dirty="0"/>
+              <a:t>Kroki podjęte dla lepszej efektywności i zasięgu</a:t>
+            </a:r>
+          </a:p>
+        </p:txBody>
+      </p:sp>
+      <p:sp>
+        <p:nvSpPr>
+          <p:cNvPr id="3" name="Zawartość — symbol zastępczy 2"/>
+          <p:cNvSpPr>
+            <a:spLocks noGrp="1"/>
+          </p:cNvSpPr>
+          <p:nvPr>
+            <p:ph sz="half" idx="1"/>
+          </p:nvPr>
+        </p:nvSpPr>
+        <p:spPr>
+          <a:xfrm>
+            <a:off x="1295400" y="1981199"/>
+            <a:ext cx="4572000" cy="3810001"/>
+          </a:xfrm>
+        </p:spPr>
+        <p:txBody>
+          <a:bodyPr rtlCol="0">
+            <a:normAutofit/>
+          </a:bodyPr>
+          <a:lstStyle/>
+          <a:p>
+            <a:pPr marL="0" indent="0" rtl="0">
+              <a:buNone/>
+            </a:pPr>
+            <a:r>
+              <a:rPr lang="pl-PL" dirty="0"/>
+              <a:t>Po budowie:</a:t>
+            </a:r>
+          </a:p>
+          <a:p>
+            <a:r>
+              <a:rPr lang="pl-PL" dirty="0"/>
+              <a:t>Kąt wypuszczenia pocisku, dla większości kąt gwarantujący największy zasięg jest w okolicy 45 stopni</a:t>
+            </a:r>
+          </a:p>
+          <a:p>
+            <a:r>
+              <a:rPr lang="pl-PL" dirty="0"/>
+              <a:t>Ile wynosi dla naszego przykładowego modelu? (Wymiary zawarte w aplikacji)</a:t>
+            </a:r>
+          </a:p>
+        </p:txBody>
+      </p:sp>
+      <p:pic>
+        <p:nvPicPr>
+          <p:cNvPr id="6" name="Obraz 5" descr="Obraz zawierający szkic, rysowanie, diagram, linia&#10;&#10;Opis wygenerowany automatycznie">
+            <a:extLst>
+              <a:ext uri="{FF2B5EF4-FFF2-40B4-BE49-F238E27FC236}">
+                <a16:creationId xmlns:a16="http://schemas.microsoft.com/office/drawing/2014/main" id="{059FEA53-9DE6-A0EB-C438-F1B9B29A557A}"/>
+              </a:ext>
+            </a:extLst>
+          </p:cNvPr>
+          <p:cNvPicPr>
+            <a:picLocks noChangeAspect="1"/>
+          </p:cNvPicPr>
+          <p:nvPr/>
+        </p:nvPicPr>
+        <p:blipFill>
+          <a:blip r:embed="rId3"/>
+          <a:stretch>
+            <a:fillRect/>
+          </a:stretch>
+        </p:blipFill>
+        <p:spPr>
+          <a:xfrm>
+            <a:off x="6494230" y="1981199"/>
+            <a:ext cx="4232739" cy="3810001"/>
+          </a:xfrm>
+          <a:prstGeom prst="rect">
+            <a:avLst/>
+          </a:prstGeom>
+          <a:noFill/>
+        </p:spPr>
+      </p:pic>
+    </p:spTree>
+    <p:extLst>
+      <p:ext uri="{BB962C8B-B14F-4D97-AF65-F5344CB8AC3E}">
+        <p14:creationId xmlns:p14="http://schemas.microsoft.com/office/powerpoint/2010/main" val="2196277683"/>
+      </p:ext>
+    </p:extLst>
+  </p:cSld>
+  <p:clrMapOvr>
+    <a:masterClrMapping/>
+  </p:clrMapOvr>
+  <mc:AlternateContent xmlns:mc="http://schemas.openxmlformats.org/markup-compatibility/2006">
+    <mc:Choice xmlns:p14="http://schemas.microsoft.com/office/powerpoint/2010/main" Requires="p14">
+      <p:transition spd="med" p14:dur="700">
+        <p:fade/>
+      </p:transition>
+    </mc:Choice>
+    <mc:Fallback>
+      <p:transition spd="med">
+        <p:fade/>
+      </p:transition>
+    </mc:Fallback>
+  </mc:AlternateContent>
+</p:sld>
+</file>
+
+<file path=ppt/slides/slide8.xml><?xml version="1.0" encoding="utf-8"?>
+<p:sld xmlns:a="http://schemas.openxmlformats.org/drawingml/2006/main" xmlns:r="http://schemas.openxmlformats.org/officeDocument/2006/relationships" xmlns:p="http://schemas.openxmlformats.org/presentationml/2006/main">
+  <p:cSld>
+    <p:spTree>
+      <p:nvGrpSpPr>
+        <p:cNvPr id="1" name=""/>
+        <p:cNvGrpSpPr/>
+        <p:nvPr/>
+      </p:nvGrpSpPr>
+      <p:grpSpPr>
+        <a:xfrm>
+          <a:off x="0" y="0"/>
+          <a:ext cx="0" cy="0"/>
+          <a:chOff x="0" y="0"/>
+          <a:chExt cx="0" cy="0"/>
+        </a:xfrm>
+      </p:grpSpPr>
+      <p:sp>
+        <p:nvSpPr>
+          <p:cNvPr id="2" name="Tytuł 1"/>
+          <p:cNvSpPr>
+            <a:spLocks noGrp="1"/>
+          </p:cNvSpPr>
+          <p:nvPr>
+            <p:ph type="title"/>
+          </p:nvPr>
+        </p:nvSpPr>
         <p:spPr/>
         <p:txBody>
           <a:bodyPr rtlCol="0"/>
@@ -20432,186 +21349,6 @@
 </p:sld>
 </file>
 
-<file path=ppt/slides/slide7.xml><?xml version="1.0" encoding="utf-8"?>
-<p:sld xmlns:a="http://schemas.openxmlformats.org/drawingml/2006/main" xmlns:r="http://schemas.openxmlformats.org/officeDocument/2006/relationships" xmlns:p="http://schemas.openxmlformats.org/presentationml/2006/main">
-  <p:cSld>
-    <p:spTree>
-      <p:nvGrpSpPr>
-        <p:cNvPr id="1" name=""/>
-        <p:cNvGrpSpPr/>
-        <p:nvPr/>
-      </p:nvGrpSpPr>
-      <p:grpSpPr>
-        <a:xfrm>
-          <a:off x="0" y="0"/>
-          <a:ext cx="0" cy="0"/>
-          <a:chOff x="0" y="0"/>
-          <a:chExt cx="0" cy="0"/>
-        </a:xfrm>
-      </p:grpSpPr>
-      <p:sp>
-        <p:nvSpPr>
-          <p:cNvPr id="2" name="Tytuł 1"/>
-          <p:cNvSpPr>
-            <a:spLocks noGrp="1"/>
-          </p:cNvSpPr>
-          <p:nvPr>
-            <p:ph type="title"/>
-          </p:nvPr>
-        </p:nvSpPr>
-        <p:spPr/>
-        <p:txBody>
-          <a:bodyPr rtlCol="0"/>
-          <a:lstStyle/>
-          <a:p>
-            <a:pPr rtl="0"/>
-            <a:r>
-              <a:rPr lang="pl-PL" dirty="0"/>
-              <a:t>Układ Tytuł i zawartość z grafiką </a:t>
-            </a:r>
-            <a:r>
-              <a:rPr lang="pl-PL" dirty="0" err="1"/>
-              <a:t>SmartArt</a:t>
-            </a:r>
-            <a:endParaRPr lang="pl-PL" dirty="0"/>
-          </a:p>
-        </p:txBody>
-      </p:sp>
-      <p:graphicFrame>
-        <p:nvGraphicFramePr>
-          <p:cNvPr id="4" name="Zawartość — symbol zastępczy 3" descr="Diagram Strzałki procesu przedstawiający 3 kroki rozmieszczone od lewej do prawej z opisami zadań dla każdej grupy"/>
-          <p:cNvGraphicFramePr>
-            <a:graphicFrameLocks noGrp="1"/>
-          </p:cNvGraphicFramePr>
-          <p:nvPr>
-            <p:ph idx="1"/>
-            <p:extLst>
-              <p:ext uri="{D42A27DB-BD31-4B8C-83A1-F6EECF244321}">
-                <p14:modId xmlns:p14="http://schemas.microsoft.com/office/powerpoint/2010/main" val="595792156"/>
-              </p:ext>
-            </p:extLst>
-          </p:nvPr>
-        </p:nvGraphicFramePr>
-        <p:xfrm>
-          <a:off x="1295400" y="1981200"/>
-          <a:ext cx="9601200" cy="3810000"/>
-        </p:xfrm>
-        <a:graphic>
-          <a:graphicData uri="http://schemas.openxmlformats.org/drawingml/2006/diagram">
-            <dgm:relIds xmlns:dgm="http://schemas.openxmlformats.org/drawingml/2006/diagram" xmlns:r="http://schemas.openxmlformats.org/officeDocument/2006/relationships" r:dm="rId3" r:lo="rId4" r:qs="rId5" r:cs="rId6"/>
-          </a:graphicData>
-        </a:graphic>
-      </p:graphicFrame>
-    </p:spTree>
-    <p:extLst>
-      <p:ext uri="{BB962C8B-B14F-4D97-AF65-F5344CB8AC3E}">
-        <p14:creationId xmlns:p14="http://schemas.microsoft.com/office/powerpoint/2010/main" val="2761515851"/>
-      </p:ext>
-    </p:extLst>
-  </p:cSld>
-  <p:clrMapOvr>
-    <a:masterClrMapping/>
-  </p:clrMapOvr>
-  <mc:AlternateContent xmlns:mc="http://schemas.openxmlformats.org/markup-compatibility/2006" xmlns:p14="http://schemas.microsoft.com/office/powerpoint/2010/main">
-    <mc:Choice Requires="p14">
-      <p:transition spd="med" p14:dur="700">
-        <p:fade/>
-      </p:transition>
-    </mc:Choice>
-    <mc:Fallback xmlns="">
-      <p:transition spd="med">
-        <p:fade/>
-      </p:transition>
-    </mc:Fallback>
-  </mc:AlternateContent>
-</p:sld>
-</file>
-
-<file path=ppt/slides/slide8.xml><?xml version="1.0" encoding="utf-8"?>
-<p:sld xmlns:a="http://schemas.openxmlformats.org/drawingml/2006/main" xmlns:r="http://schemas.openxmlformats.org/officeDocument/2006/relationships" xmlns:p="http://schemas.openxmlformats.org/presentationml/2006/main">
-  <p:cSld>
-    <p:spTree>
-      <p:nvGrpSpPr>
-        <p:cNvPr id="1" name=""/>
-        <p:cNvGrpSpPr/>
-        <p:nvPr/>
-      </p:nvGrpSpPr>
-      <p:grpSpPr>
-        <a:xfrm>
-          <a:off x="0" y="0"/>
-          <a:ext cx="0" cy="0"/>
-          <a:chOff x="0" y="0"/>
-          <a:chExt cx="0" cy="0"/>
-        </a:xfrm>
-      </p:grpSpPr>
-      <p:sp>
-        <p:nvSpPr>
-          <p:cNvPr id="2" name="Tytuł 1"/>
-          <p:cNvSpPr>
-            <a:spLocks noGrp="1"/>
-          </p:cNvSpPr>
-          <p:nvPr>
-            <p:ph type="title"/>
-          </p:nvPr>
-        </p:nvSpPr>
-        <p:spPr/>
-        <p:txBody>
-          <a:bodyPr rtlCol="0"/>
-          <a:lstStyle/>
-          <a:p>
-            <a:pPr rtl="0"/>
-            <a:r>
-              <a:rPr lang="pl-PL"/>
-              <a:t>Dodaj tytuł slajdu — 1</a:t>
-            </a:r>
-          </a:p>
-        </p:txBody>
-      </p:sp>
-      <p:sp>
-        <p:nvSpPr>
-          <p:cNvPr id="3" name="Tekst — symbol zastępczy 2"/>
-          <p:cNvSpPr>
-            <a:spLocks noGrp="1"/>
-          </p:cNvSpPr>
-          <p:nvPr>
-            <p:ph type="body" idx="1"/>
-          </p:nvPr>
-        </p:nvSpPr>
-        <p:spPr/>
-        <p:txBody>
-          <a:bodyPr rtlCol="0"/>
-          <a:lstStyle/>
-          <a:p>
-            <a:pPr rtl="0"/>
-            <a:endParaRPr lang="pl-PL"/>
-          </a:p>
-        </p:txBody>
-      </p:sp>
-    </p:spTree>
-    <p:extLst>
-      <p:ext uri="{BB962C8B-B14F-4D97-AF65-F5344CB8AC3E}">
-        <p14:creationId xmlns:p14="http://schemas.microsoft.com/office/powerpoint/2010/main" val="2362296366"/>
-      </p:ext>
-    </p:extLst>
-  </p:cSld>
-  <p:clrMapOvr>
-    <a:masterClrMapping/>
-  </p:clrMapOvr>
-  <mc:AlternateContent xmlns:mc="http://schemas.openxmlformats.org/markup-compatibility/2006" xmlns:p14="http://schemas.microsoft.com/office/powerpoint/2010/main">
-    <mc:Choice Requires="p14">
-      <p:transition spd="med" p14:dur="700">
-        <p:fade/>
-      </p:transition>
-    </mc:Choice>
-    <mc:Fallback xmlns="">
-      <p:transition spd="med">
-        <p:fade/>
-      </p:transition>
-    </mc:Fallback>
-  </mc:AlternateContent>
-</p:sld>
-</file>
-
 <file path=ppt/slides/slide9.xml><?xml version="1.0" encoding="utf-8"?>
 <p:sld xmlns:a="http://schemas.openxmlformats.org/drawingml/2006/main" xmlns:r="http://schemas.openxmlformats.org/officeDocument/2006/relationships" xmlns:p="http://schemas.openxmlformats.org/presentationml/2006/main">
   <p:cSld>
@@ -20636,7 +21373,7 @@
             <a:spLocks noGrp="1"/>
           </p:cNvSpPr>
           <p:nvPr>
-            <p:ph type="title"/>
+            <p:ph type="ctrTitle"/>
           </p:nvPr>
         </p:nvSpPr>
         <p:spPr/>
@@ -20646,20 +21383,20 @@
           <a:p>
             <a:pPr rtl="0"/>
             <a:r>
-              <a:rPr lang="pl-PL"/>
-              <a:t>Dodaj tytuł slajdu — 2</a:t>
+              <a:rPr lang="pl-PL" dirty="0"/>
+              <a:t>Koniec</a:t>
             </a:r>
           </a:p>
         </p:txBody>
       </p:sp>
       <p:sp>
         <p:nvSpPr>
-          <p:cNvPr id="3" name="Tekst — symbol zastępczy 2"/>
+          <p:cNvPr id="3" name="Podtytuł 2"/>
           <p:cNvSpPr>
             <a:spLocks noGrp="1"/>
           </p:cNvSpPr>
           <p:nvPr>
-            <p:ph type="body" idx="1"/>
+            <p:ph type="subTitle" idx="1"/>
           </p:nvPr>
         </p:nvSpPr>
         <p:spPr/>
@@ -20668,74 +21405,17 @@
           <a:lstStyle/>
           <a:p>
             <a:pPr rtl="0"/>
-            <a:endParaRPr lang="pl-PL"/>
-          </a:p>
-        </p:txBody>
-      </p:sp>
-      <p:sp>
-        <p:nvSpPr>
-          <p:cNvPr id="4" name="Zawartość — symbol zastępczy 3"/>
-          <p:cNvSpPr>
-            <a:spLocks noGrp="1"/>
-          </p:cNvSpPr>
-          <p:nvPr>
-            <p:ph sz="half" idx="2"/>
-          </p:nvPr>
-        </p:nvSpPr>
-        <p:spPr/>
-        <p:txBody>
-          <a:bodyPr rtlCol="0"/>
-          <a:lstStyle/>
-          <a:p>
-            <a:pPr rtl="0"/>
-            <a:endParaRPr lang="pl-PL"/>
-          </a:p>
-        </p:txBody>
-      </p:sp>
-      <p:sp>
-        <p:nvSpPr>
-          <p:cNvPr id="5" name="Tekst — symbol zastępczy 4"/>
-          <p:cNvSpPr>
-            <a:spLocks noGrp="1"/>
-          </p:cNvSpPr>
-          <p:nvPr>
-            <p:ph type="body" sz="quarter" idx="3"/>
-          </p:nvPr>
-        </p:nvSpPr>
-        <p:spPr/>
-        <p:txBody>
-          <a:bodyPr rtlCol="0"/>
-          <a:lstStyle/>
-          <a:p>
-            <a:pPr rtl="0"/>
-            <a:endParaRPr lang="pl-PL"/>
-          </a:p>
-        </p:txBody>
-      </p:sp>
-      <p:sp>
-        <p:nvSpPr>
-          <p:cNvPr id="6" name="Zawartość — symbol zastępczy 5"/>
-          <p:cNvSpPr>
-            <a:spLocks noGrp="1"/>
-          </p:cNvSpPr>
-          <p:nvPr>
-            <p:ph sz="quarter" idx="4"/>
-          </p:nvPr>
-        </p:nvSpPr>
-        <p:spPr/>
-        <p:txBody>
-          <a:bodyPr rtlCol="0"/>
-          <a:lstStyle/>
-          <a:p>
-            <a:pPr rtl="0"/>
-            <a:endParaRPr lang="pl-PL"/>
+            <a:r>
+              <a:rPr lang="pl-PL" dirty="0"/>
+              <a:t>Dziękuję za uwagę</a:t>
+            </a:r>
           </a:p>
         </p:txBody>
       </p:sp>
     </p:spTree>
     <p:extLst>
       <p:ext uri="{BB962C8B-B14F-4D97-AF65-F5344CB8AC3E}">
-        <p14:creationId xmlns:p14="http://schemas.microsoft.com/office/powerpoint/2010/main" val="3229171051"/>
+        <p14:creationId xmlns:p14="http://schemas.microsoft.com/office/powerpoint/2010/main" val="1494422338"/>
       </p:ext>
     </p:extLst>
   </p:cSld>

--- a/Materiały/Prezentacja.pptx
+++ b/Materiały/Prezentacja.pptx
@@ -5,10 +5,10 @@
     <p:sldMasterId id="2147483648" r:id="rId1"/>
   </p:sldMasterIdLst>
   <p:notesMasterIdLst>
-    <p:notesMasterId r:id="rId18"/>
+    <p:notesMasterId r:id="rId12"/>
   </p:notesMasterIdLst>
   <p:handoutMasterIdLst>
-    <p:handoutMasterId r:id="rId19"/>
+    <p:handoutMasterId r:id="rId13"/>
   </p:handoutMasterIdLst>
   <p:sldIdLst>
     <p:sldId id="261" r:id="rId2"/>
@@ -19,14 +19,8 @@
     <p:sldId id="275" r:id="rId7"/>
     <p:sldId id="274" r:id="rId8"/>
     <p:sldId id="262" r:id="rId9"/>
-    <p:sldId id="276" r:id="rId10"/>
-    <p:sldId id="264" r:id="rId11"/>
-    <p:sldId id="265" r:id="rId12"/>
-    <p:sldId id="266" r:id="rId13"/>
-    <p:sldId id="267" r:id="rId14"/>
-    <p:sldId id="268" r:id="rId15"/>
-    <p:sldId id="269" r:id="rId16"/>
-    <p:sldId id="270" r:id="rId17"/>
+    <p:sldId id="277" r:id="rId10"/>
+    <p:sldId id="276" r:id="rId11"/>
   </p:sldIdLst>
   <p:sldSz cx="12192000" cy="6858000"/>
   <p:notesSz cx="6858000" cy="9144000"/>
@@ -145,3066 +139,6 @@
     </p:ext>
   </p:extLst>
 </p:presentation>
-</file>
-
-<file path=ppt/diagrams/colors1.xml><?xml version="1.0" encoding="utf-8"?>
-<dgm:colorsDef xmlns:dgm="http://schemas.openxmlformats.org/drawingml/2006/diagram" xmlns:a="http://schemas.openxmlformats.org/drawingml/2006/main" uniqueId="urn:microsoft.com/office/officeart/2005/8/colors/accent1_1">
-  <dgm:title val=""/>
-  <dgm:desc val=""/>
-  <dgm:catLst>
-    <dgm:cat type="accent1" pri="11100"/>
-  </dgm:catLst>
-  <dgm:styleLbl name="node0">
-    <dgm:fillClrLst meth="repeat">
-      <a:schemeClr val="lt1"/>
-    </dgm:fillClrLst>
-    <dgm:linClrLst meth="repeat">
-      <a:schemeClr val="accent1">
-        <a:shade val="80000"/>
-      </a:schemeClr>
-    </dgm:linClrLst>
-    <dgm:effectClrLst/>
-    <dgm:txLinClrLst/>
-    <dgm:txFillClrLst meth="repeat">
-      <a:schemeClr val="dk1"/>
-    </dgm:txFillClrLst>
-    <dgm:txEffectClrLst/>
-  </dgm:styleLbl>
-  <dgm:styleLbl name="alignNode1">
-    <dgm:fillClrLst meth="repeat">
-      <a:schemeClr val="lt1"/>
-    </dgm:fillClrLst>
-    <dgm:linClrLst meth="repeat">
-      <a:schemeClr val="accent1">
-        <a:shade val="80000"/>
-      </a:schemeClr>
-    </dgm:linClrLst>
-    <dgm:effectClrLst/>
-    <dgm:txLinClrLst/>
-    <dgm:txFillClrLst meth="repeat">
-      <a:schemeClr val="dk1"/>
-    </dgm:txFillClrLst>
-    <dgm:txEffectClrLst/>
-  </dgm:styleLbl>
-  <dgm:styleLbl name="node1">
-    <dgm:fillClrLst meth="repeat">
-      <a:schemeClr val="lt1"/>
-    </dgm:fillClrLst>
-    <dgm:linClrLst meth="repeat">
-      <a:schemeClr val="accent1">
-        <a:shade val="80000"/>
-      </a:schemeClr>
-    </dgm:linClrLst>
-    <dgm:effectClrLst/>
-    <dgm:txLinClrLst/>
-    <dgm:txFillClrLst meth="repeat">
-      <a:schemeClr val="dk1"/>
-    </dgm:txFillClrLst>
-    <dgm:txEffectClrLst/>
-  </dgm:styleLbl>
-  <dgm:styleLbl name="lnNode1">
-    <dgm:fillClrLst meth="repeat">
-      <a:schemeClr val="lt1"/>
-    </dgm:fillClrLst>
-    <dgm:linClrLst meth="repeat">
-      <a:schemeClr val="accent1">
-        <a:shade val="80000"/>
-      </a:schemeClr>
-    </dgm:linClrLst>
-    <dgm:effectClrLst/>
-    <dgm:txLinClrLst/>
-    <dgm:txFillClrLst meth="repeat">
-      <a:schemeClr val="dk1"/>
-    </dgm:txFillClrLst>
-    <dgm:txEffectClrLst/>
-  </dgm:styleLbl>
-  <dgm:styleLbl name="vennNode1">
-    <dgm:fillClrLst meth="repeat">
-      <a:schemeClr val="lt1">
-        <a:alpha val="50000"/>
-      </a:schemeClr>
-    </dgm:fillClrLst>
-    <dgm:linClrLst meth="repeat">
-      <a:schemeClr val="accent1">
-        <a:shade val="80000"/>
-      </a:schemeClr>
-    </dgm:linClrLst>
-    <dgm:effectClrLst/>
-    <dgm:txLinClrLst/>
-    <dgm:txFillClrLst/>
-    <dgm:txEffectClrLst/>
-  </dgm:styleLbl>
-  <dgm:styleLbl name="node2">
-    <dgm:fillClrLst meth="repeat">
-      <a:schemeClr val="lt1"/>
-    </dgm:fillClrLst>
-    <dgm:linClrLst meth="repeat">
-      <a:schemeClr val="accent1">
-        <a:shade val="80000"/>
-      </a:schemeClr>
-    </dgm:linClrLst>
-    <dgm:effectClrLst/>
-    <dgm:txLinClrLst/>
-    <dgm:txFillClrLst meth="repeat">
-      <a:schemeClr val="dk1"/>
-    </dgm:txFillClrLst>
-    <dgm:txEffectClrLst/>
-  </dgm:styleLbl>
-  <dgm:styleLbl name="node3">
-    <dgm:fillClrLst meth="repeat">
-      <a:schemeClr val="lt1"/>
-    </dgm:fillClrLst>
-    <dgm:linClrLst meth="repeat">
-      <a:schemeClr val="accent1">
-        <a:shade val="80000"/>
-      </a:schemeClr>
-    </dgm:linClrLst>
-    <dgm:effectClrLst/>
-    <dgm:txLinClrLst/>
-    <dgm:txFillClrLst meth="repeat">
-      <a:schemeClr val="dk1"/>
-    </dgm:txFillClrLst>
-    <dgm:txEffectClrLst/>
-  </dgm:styleLbl>
-  <dgm:styleLbl name="node4">
-    <dgm:fillClrLst meth="repeat">
-      <a:schemeClr val="lt1"/>
-    </dgm:fillClrLst>
-    <dgm:linClrLst meth="repeat">
-      <a:schemeClr val="accent1">
-        <a:shade val="80000"/>
-      </a:schemeClr>
-    </dgm:linClrLst>
-    <dgm:effectClrLst/>
-    <dgm:txLinClrLst/>
-    <dgm:txFillClrLst meth="repeat">
-      <a:schemeClr val="dk1"/>
-    </dgm:txFillClrLst>
-    <dgm:txEffectClrLst/>
-  </dgm:styleLbl>
-  <dgm:styleLbl name="fgImgPlace1">
-    <dgm:fillClrLst meth="repeat">
-      <a:schemeClr val="accent1">
-        <a:tint val="40000"/>
-      </a:schemeClr>
-    </dgm:fillClrLst>
-    <dgm:linClrLst meth="repeat">
-      <a:schemeClr val="accent1">
-        <a:shade val="80000"/>
-      </a:schemeClr>
-    </dgm:linClrLst>
-    <dgm:effectClrLst/>
-    <dgm:txLinClrLst/>
-    <dgm:txFillClrLst meth="repeat">
-      <a:schemeClr val="lt1"/>
-    </dgm:txFillClrLst>
-    <dgm:txEffectClrLst/>
-  </dgm:styleLbl>
-  <dgm:styleLbl name="alignImgPlace1">
-    <dgm:fillClrLst meth="repeat">
-      <a:schemeClr val="accent1">
-        <a:tint val="40000"/>
-      </a:schemeClr>
-    </dgm:fillClrLst>
-    <dgm:linClrLst meth="repeat">
-      <a:schemeClr val="accent1">
-        <a:shade val="80000"/>
-      </a:schemeClr>
-    </dgm:linClrLst>
-    <dgm:effectClrLst/>
-    <dgm:txLinClrLst/>
-    <dgm:txFillClrLst meth="repeat">
-      <a:schemeClr val="lt1"/>
-    </dgm:txFillClrLst>
-    <dgm:txEffectClrLst/>
-  </dgm:styleLbl>
-  <dgm:styleLbl name="bgImgPlace1">
-    <dgm:fillClrLst meth="repeat">
-      <a:schemeClr val="accent1">
-        <a:tint val="40000"/>
-      </a:schemeClr>
-    </dgm:fillClrLst>
-    <dgm:linClrLst meth="repeat">
-      <a:schemeClr val="accent1">
-        <a:shade val="80000"/>
-      </a:schemeClr>
-    </dgm:linClrLst>
-    <dgm:effectClrLst/>
-    <dgm:txLinClrLst/>
-    <dgm:txFillClrLst meth="repeat">
-      <a:schemeClr val="lt1"/>
-    </dgm:txFillClrLst>
-    <dgm:txEffectClrLst/>
-  </dgm:styleLbl>
-  <dgm:styleLbl name="sibTrans2D1">
-    <dgm:fillClrLst meth="repeat">
-      <a:schemeClr val="accent1">
-        <a:tint val="60000"/>
-      </a:schemeClr>
-    </dgm:fillClrLst>
-    <dgm:linClrLst meth="repeat">
-      <a:schemeClr val="accent1">
-        <a:tint val="60000"/>
-      </a:schemeClr>
-    </dgm:linClrLst>
-    <dgm:effectClrLst/>
-    <dgm:txLinClrLst/>
-    <dgm:txFillClrLst meth="repeat">
-      <a:schemeClr val="dk1"/>
-    </dgm:txFillClrLst>
-    <dgm:txEffectClrLst/>
-  </dgm:styleLbl>
-  <dgm:styleLbl name="fgSibTrans2D1">
-    <dgm:fillClrLst meth="repeat">
-      <a:schemeClr val="accent1">
-        <a:tint val="60000"/>
-      </a:schemeClr>
-    </dgm:fillClrLst>
-    <dgm:linClrLst meth="repeat">
-      <a:schemeClr val="accent1">
-        <a:tint val="60000"/>
-      </a:schemeClr>
-    </dgm:linClrLst>
-    <dgm:effectClrLst/>
-    <dgm:txLinClrLst/>
-    <dgm:txFillClrLst meth="repeat">
-      <a:schemeClr val="dk1"/>
-    </dgm:txFillClrLst>
-    <dgm:txEffectClrLst/>
-  </dgm:styleLbl>
-  <dgm:styleLbl name="bgSibTrans2D1">
-    <dgm:fillClrLst meth="repeat">
-      <a:schemeClr val="accent1">
-        <a:tint val="60000"/>
-      </a:schemeClr>
-    </dgm:fillClrLst>
-    <dgm:linClrLst meth="repeat">
-      <a:schemeClr val="accent1">
-        <a:tint val="60000"/>
-      </a:schemeClr>
-    </dgm:linClrLst>
-    <dgm:effectClrLst/>
-    <dgm:txLinClrLst/>
-    <dgm:txFillClrLst meth="repeat">
-      <a:schemeClr val="dk1"/>
-    </dgm:txFillClrLst>
-    <dgm:txEffectClrLst/>
-  </dgm:styleLbl>
-  <dgm:styleLbl name="sibTrans1D1">
-    <dgm:fillClrLst meth="repeat">
-      <a:schemeClr val="accent1"/>
-    </dgm:fillClrLst>
-    <dgm:linClrLst meth="repeat">
-      <a:schemeClr val="accent1"/>
-    </dgm:linClrLst>
-    <dgm:effectClrLst/>
-    <dgm:txLinClrLst/>
-    <dgm:txFillClrLst meth="repeat">
-      <a:schemeClr val="tx1"/>
-    </dgm:txFillClrLst>
-    <dgm:txEffectClrLst/>
-  </dgm:styleLbl>
-  <dgm:styleLbl name="callout">
-    <dgm:fillClrLst meth="repeat">
-      <a:schemeClr val="accent1"/>
-    </dgm:fillClrLst>
-    <dgm:linClrLst meth="repeat">
-      <a:schemeClr val="accent1"/>
-    </dgm:linClrLst>
-    <dgm:effectClrLst/>
-    <dgm:txLinClrLst/>
-    <dgm:txFillClrLst meth="repeat">
-      <a:schemeClr val="tx1"/>
-    </dgm:txFillClrLst>
-    <dgm:txEffectClrLst/>
-  </dgm:styleLbl>
-  <dgm:styleLbl name="asst0">
-    <dgm:fillClrLst meth="repeat">
-      <a:schemeClr val="lt1"/>
-    </dgm:fillClrLst>
-    <dgm:linClrLst meth="repeat">
-      <a:schemeClr val="accent1">
-        <a:shade val="80000"/>
-      </a:schemeClr>
-    </dgm:linClrLst>
-    <dgm:effectClrLst/>
-    <dgm:txLinClrLst/>
-    <dgm:txFillClrLst meth="repeat">
-      <a:schemeClr val="dk1"/>
-    </dgm:txFillClrLst>
-    <dgm:txEffectClrLst/>
-  </dgm:styleLbl>
-  <dgm:styleLbl name="asst1">
-    <dgm:fillClrLst meth="repeat">
-      <a:schemeClr val="lt1"/>
-    </dgm:fillClrLst>
-    <dgm:linClrLst meth="repeat">
-      <a:schemeClr val="accent1">
-        <a:shade val="80000"/>
-      </a:schemeClr>
-    </dgm:linClrLst>
-    <dgm:effectClrLst/>
-    <dgm:txLinClrLst/>
-    <dgm:txFillClrLst meth="repeat">
-      <a:schemeClr val="dk1"/>
-    </dgm:txFillClrLst>
-    <dgm:txEffectClrLst/>
-  </dgm:styleLbl>
-  <dgm:styleLbl name="asst2">
-    <dgm:fillClrLst meth="repeat">
-      <a:schemeClr val="lt1"/>
-    </dgm:fillClrLst>
-    <dgm:linClrLst meth="repeat">
-      <a:schemeClr val="accent1">
-        <a:shade val="80000"/>
-      </a:schemeClr>
-    </dgm:linClrLst>
-    <dgm:effectClrLst/>
-    <dgm:txLinClrLst/>
-    <dgm:txFillClrLst meth="repeat">
-      <a:schemeClr val="dk1"/>
-    </dgm:txFillClrLst>
-    <dgm:txEffectClrLst/>
-  </dgm:styleLbl>
-  <dgm:styleLbl name="asst3">
-    <dgm:fillClrLst meth="repeat">
-      <a:schemeClr val="lt1"/>
-    </dgm:fillClrLst>
-    <dgm:linClrLst meth="repeat">
-      <a:schemeClr val="accent1">
-        <a:shade val="80000"/>
-      </a:schemeClr>
-    </dgm:linClrLst>
-    <dgm:effectClrLst/>
-    <dgm:txLinClrLst/>
-    <dgm:txFillClrLst meth="repeat">
-      <a:schemeClr val="dk1"/>
-    </dgm:txFillClrLst>
-    <dgm:txEffectClrLst/>
-  </dgm:styleLbl>
-  <dgm:styleLbl name="asst4">
-    <dgm:fillClrLst meth="repeat">
-      <a:schemeClr val="lt1"/>
-    </dgm:fillClrLst>
-    <dgm:linClrLst meth="repeat">
-      <a:schemeClr val="accent1">
-        <a:shade val="80000"/>
-      </a:schemeClr>
-    </dgm:linClrLst>
-    <dgm:effectClrLst/>
-    <dgm:txLinClrLst/>
-    <dgm:txFillClrLst meth="repeat">
-      <a:schemeClr val="dk1"/>
-    </dgm:txFillClrLst>
-    <dgm:txEffectClrLst/>
-  </dgm:styleLbl>
-  <dgm:styleLbl name="parChTrans2D1">
-    <dgm:fillClrLst meth="repeat">
-      <a:schemeClr val="accent1">
-        <a:tint val="60000"/>
-      </a:schemeClr>
-    </dgm:fillClrLst>
-    <dgm:linClrLst meth="repeat">
-      <a:schemeClr val="accent1">
-        <a:tint val="60000"/>
-      </a:schemeClr>
-    </dgm:linClrLst>
-    <dgm:effectClrLst/>
-    <dgm:txLinClrLst/>
-    <dgm:txFillClrLst/>
-    <dgm:txEffectClrLst/>
-  </dgm:styleLbl>
-  <dgm:styleLbl name="parChTrans2D2">
-    <dgm:fillClrLst meth="repeat">
-      <a:schemeClr val="accent1"/>
-    </dgm:fillClrLst>
-    <dgm:linClrLst meth="repeat">
-      <a:schemeClr val="accent1"/>
-    </dgm:linClrLst>
-    <dgm:effectClrLst/>
-    <dgm:txLinClrLst/>
-    <dgm:txFillClrLst/>
-    <dgm:txEffectClrLst/>
-  </dgm:styleLbl>
-  <dgm:styleLbl name="parChTrans2D3">
-    <dgm:fillClrLst meth="repeat">
-      <a:schemeClr val="accent1"/>
-    </dgm:fillClrLst>
-    <dgm:linClrLst meth="repeat">
-      <a:schemeClr val="accent1"/>
-    </dgm:linClrLst>
-    <dgm:effectClrLst/>
-    <dgm:txLinClrLst/>
-    <dgm:txFillClrLst/>
-    <dgm:txEffectClrLst/>
-  </dgm:styleLbl>
-  <dgm:styleLbl name="parChTrans2D4">
-    <dgm:fillClrLst meth="repeat">
-      <a:schemeClr val="accent1"/>
-    </dgm:fillClrLst>
-    <dgm:linClrLst meth="repeat">
-      <a:schemeClr val="accent1"/>
-    </dgm:linClrLst>
-    <dgm:effectClrLst/>
-    <dgm:txLinClrLst/>
-    <dgm:txFillClrLst meth="repeat">
-      <a:schemeClr val="lt1"/>
-    </dgm:txFillClrLst>
-    <dgm:txEffectClrLst/>
-  </dgm:styleLbl>
-  <dgm:styleLbl name="parChTrans1D1">
-    <dgm:fillClrLst meth="repeat">
-      <a:schemeClr val="accent1"/>
-    </dgm:fillClrLst>
-    <dgm:linClrLst meth="repeat">
-      <a:schemeClr val="accent1">
-        <a:shade val="60000"/>
-      </a:schemeClr>
-    </dgm:linClrLst>
-    <dgm:effectClrLst/>
-    <dgm:txLinClrLst/>
-    <dgm:txFillClrLst meth="repeat">
-      <a:schemeClr val="tx1"/>
-    </dgm:txFillClrLst>
-    <dgm:txEffectClrLst/>
-  </dgm:styleLbl>
-  <dgm:styleLbl name="parChTrans1D2">
-    <dgm:fillClrLst meth="repeat">
-      <a:schemeClr val="accent1"/>
-    </dgm:fillClrLst>
-    <dgm:linClrLst meth="repeat">
-      <a:schemeClr val="accent1">
-        <a:shade val="60000"/>
-      </a:schemeClr>
-    </dgm:linClrLst>
-    <dgm:effectClrLst/>
-    <dgm:txLinClrLst/>
-    <dgm:txFillClrLst meth="repeat">
-      <a:schemeClr val="tx1"/>
-    </dgm:txFillClrLst>
-    <dgm:txEffectClrLst/>
-  </dgm:styleLbl>
-  <dgm:styleLbl name="parChTrans1D3">
-    <dgm:fillClrLst meth="repeat">
-      <a:schemeClr val="accent1"/>
-    </dgm:fillClrLst>
-    <dgm:linClrLst meth="repeat">
-      <a:schemeClr val="accent1">
-        <a:shade val="80000"/>
-      </a:schemeClr>
-    </dgm:linClrLst>
-    <dgm:effectClrLst/>
-    <dgm:txLinClrLst/>
-    <dgm:txFillClrLst meth="repeat">
-      <a:schemeClr val="tx1"/>
-    </dgm:txFillClrLst>
-    <dgm:txEffectClrLst/>
-  </dgm:styleLbl>
-  <dgm:styleLbl name="parChTrans1D4">
-    <dgm:fillClrLst meth="repeat">
-      <a:schemeClr val="accent1"/>
-    </dgm:fillClrLst>
-    <dgm:linClrLst meth="repeat">
-      <a:schemeClr val="accent1">
-        <a:shade val="80000"/>
-      </a:schemeClr>
-    </dgm:linClrLst>
-    <dgm:effectClrLst/>
-    <dgm:txLinClrLst/>
-    <dgm:txFillClrLst meth="repeat">
-      <a:schemeClr val="tx1"/>
-    </dgm:txFillClrLst>
-    <dgm:txEffectClrLst/>
-  </dgm:styleLbl>
-  <dgm:styleLbl name="fgAcc1">
-    <dgm:fillClrLst meth="repeat">
-      <a:schemeClr val="accent1">
-        <a:alpha val="90000"/>
-        <a:tint val="40000"/>
-      </a:schemeClr>
-    </dgm:fillClrLst>
-    <dgm:linClrLst meth="repeat">
-      <a:schemeClr val="accent1"/>
-    </dgm:linClrLst>
-    <dgm:effectClrLst/>
-    <dgm:txLinClrLst/>
-    <dgm:txFillClrLst meth="repeat">
-      <a:schemeClr val="dk1"/>
-    </dgm:txFillClrLst>
-    <dgm:txEffectClrLst/>
-  </dgm:styleLbl>
-  <dgm:styleLbl name="conFgAcc1">
-    <dgm:fillClrLst meth="repeat">
-      <a:schemeClr val="accent1">
-        <a:alpha val="90000"/>
-        <a:tint val="40000"/>
-      </a:schemeClr>
-    </dgm:fillClrLst>
-    <dgm:linClrLst meth="repeat">
-      <a:schemeClr val="accent1"/>
-    </dgm:linClrLst>
-    <dgm:effectClrLst/>
-    <dgm:txLinClrLst/>
-    <dgm:txFillClrLst meth="repeat">
-      <a:schemeClr val="dk1"/>
-    </dgm:txFillClrLst>
-    <dgm:txEffectClrLst/>
-  </dgm:styleLbl>
-  <dgm:styleLbl name="alignAcc1">
-    <dgm:fillClrLst meth="repeat">
-      <a:schemeClr val="accent1">
-        <a:alpha val="90000"/>
-        <a:tint val="40000"/>
-      </a:schemeClr>
-    </dgm:fillClrLst>
-    <dgm:linClrLst meth="repeat">
-      <a:schemeClr val="accent1"/>
-    </dgm:linClrLst>
-    <dgm:effectClrLst/>
-    <dgm:txLinClrLst/>
-    <dgm:txFillClrLst meth="repeat">
-      <a:schemeClr val="dk1"/>
-    </dgm:txFillClrLst>
-    <dgm:txEffectClrLst/>
-  </dgm:styleLbl>
-  <dgm:styleLbl name="trAlignAcc1">
-    <dgm:fillClrLst meth="repeat">
-      <a:schemeClr val="accent1">
-        <a:alpha val="40000"/>
-        <a:tint val="40000"/>
-      </a:schemeClr>
-    </dgm:fillClrLst>
-    <dgm:linClrLst meth="repeat">
-      <a:schemeClr val="accent1"/>
-    </dgm:linClrLst>
-    <dgm:effectClrLst/>
-    <dgm:txLinClrLst/>
-    <dgm:txFillClrLst meth="repeat">
-      <a:schemeClr val="dk1"/>
-    </dgm:txFillClrLst>
-    <dgm:txEffectClrLst/>
-  </dgm:styleLbl>
-  <dgm:styleLbl name="bgAcc1">
-    <dgm:fillClrLst meth="repeat">
-      <a:schemeClr val="accent1">
-        <a:alpha val="90000"/>
-        <a:tint val="40000"/>
-      </a:schemeClr>
-    </dgm:fillClrLst>
-    <dgm:linClrLst meth="repeat">
-      <a:schemeClr val="accent1"/>
-    </dgm:linClrLst>
-    <dgm:effectClrLst/>
-    <dgm:txLinClrLst/>
-    <dgm:txFillClrLst meth="repeat">
-      <a:schemeClr val="dk1"/>
-    </dgm:txFillClrLst>
-    <dgm:txEffectClrLst/>
-  </dgm:styleLbl>
-  <dgm:styleLbl name="solidFgAcc1">
-    <dgm:fillClrLst meth="repeat">
-      <a:schemeClr val="lt1"/>
-    </dgm:fillClrLst>
-    <dgm:linClrLst meth="repeat">
-      <a:schemeClr val="accent1"/>
-    </dgm:linClrLst>
-    <dgm:effectClrLst/>
-    <dgm:txLinClrLst/>
-    <dgm:txFillClrLst meth="repeat">
-      <a:schemeClr val="dk1"/>
-    </dgm:txFillClrLst>
-    <dgm:txEffectClrLst/>
-  </dgm:styleLbl>
-  <dgm:styleLbl name="solidAlignAcc1">
-    <dgm:fillClrLst meth="repeat">
-      <a:schemeClr val="lt1"/>
-    </dgm:fillClrLst>
-    <dgm:linClrLst meth="repeat">
-      <a:schemeClr val="accent1"/>
-    </dgm:linClrLst>
-    <dgm:effectClrLst/>
-    <dgm:txLinClrLst/>
-    <dgm:txFillClrLst meth="repeat">
-      <a:schemeClr val="dk1"/>
-    </dgm:txFillClrLst>
-    <dgm:txEffectClrLst/>
-  </dgm:styleLbl>
-  <dgm:styleLbl name="solidBgAcc1">
-    <dgm:fillClrLst meth="repeat">
-      <a:schemeClr val="lt1"/>
-    </dgm:fillClrLst>
-    <dgm:linClrLst meth="repeat">
-      <a:schemeClr val="accent1"/>
-    </dgm:linClrLst>
-    <dgm:effectClrLst/>
-    <dgm:txLinClrLst/>
-    <dgm:txFillClrLst meth="repeat">
-      <a:schemeClr val="dk1"/>
-    </dgm:txFillClrLst>
-    <dgm:txEffectClrLst/>
-  </dgm:styleLbl>
-  <dgm:styleLbl name="fgAccFollowNode1">
-    <dgm:fillClrLst meth="repeat">
-      <a:schemeClr val="lt1">
-        <a:alpha val="90000"/>
-        <a:tint val="40000"/>
-      </a:schemeClr>
-    </dgm:fillClrLst>
-    <dgm:linClrLst meth="repeat">
-      <a:schemeClr val="accent1">
-        <a:alpha val="90000"/>
-      </a:schemeClr>
-    </dgm:linClrLst>
-    <dgm:effectClrLst/>
-    <dgm:txLinClrLst/>
-    <dgm:txFillClrLst meth="repeat">
-      <a:schemeClr val="dk1"/>
-    </dgm:txFillClrLst>
-    <dgm:txEffectClrLst/>
-  </dgm:styleLbl>
-  <dgm:styleLbl name="alignAccFollowNode1">
-    <dgm:fillClrLst meth="repeat">
-      <a:schemeClr val="lt1">
-        <a:alpha val="90000"/>
-        <a:tint val="40000"/>
-      </a:schemeClr>
-    </dgm:fillClrLst>
-    <dgm:linClrLst meth="repeat">
-      <a:schemeClr val="accent1">
-        <a:alpha val="90000"/>
-      </a:schemeClr>
-    </dgm:linClrLst>
-    <dgm:effectClrLst/>
-    <dgm:txLinClrLst/>
-    <dgm:txFillClrLst meth="repeat">
-      <a:schemeClr val="dk1"/>
-    </dgm:txFillClrLst>
-    <dgm:txEffectClrLst/>
-  </dgm:styleLbl>
-  <dgm:styleLbl name="bgAccFollowNode1">
-    <dgm:fillClrLst meth="repeat">
-      <a:schemeClr val="lt1">
-        <a:alpha val="90000"/>
-        <a:tint val="40000"/>
-      </a:schemeClr>
-    </dgm:fillClrLst>
-    <dgm:linClrLst meth="repeat">
-      <a:schemeClr val="accent1">
-        <a:alpha val="90000"/>
-      </a:schemeClr>
-    </dgm:linClrLst>
-    <dgm:effectClrLst/>
-    <dgm:txLinClrLst/>
-    <dgm:txFillClrLst meth="repeat">
-      <a:schemeClr val="dk1"/>
-    </dgm:txFillClrLst>
-    <dgm:txEffectClrLst/>
-  </dgm:styleLbl>
-  <dgm:styleLbl name="fgAcc0">
-    <dgm:fillClrLst meth="repeat">
-      <a:schemeClr val="accent1">
-        <a:alpha val="90000"/>
-        <a:tint val="40000"/>
-      </a:schemeClr>
-    </dgm:fillClrLst>
-    <dgm:linClrLst meth="repeat">
-      <a:schemeClr val="accent1"/>
-    </dgm:linClrLst>
-    <dgm:effectClrLst/>
-    <dgm:txLinClrLst/>
-    <dgm:txFillClrLst meth="repeat">
-      <a:schemeClr val="dk1"/>
-    </dgm:txFillClrLst>
-    <dgm:txEffectClrLst/>
-  </dgm:styleLbl>
-  <dgm:styleLbl name="fgAcc2">
-    <dgm:fillClrLst meth="repeat">
-      <a:schemeClr val="accent1">
-        <a:alpha val="90000"/>
-        <a:tint val="40000"/>
-      </a:schemeClr>
-    </dgm:fillClrLst>
-    <dgm:linClrLst meth="repeat">
-      <a:schemeClr val="accent1"/>
-    </dgm:linClrLst>
-    <dgm:effectClrLst/>
-    <dgm:txLinClrLst/>
-    <dgm:txFillClrLst meth="repeat">
-      <a:schemeClr val="dk1"/>
-    </dgm:txFillClrLst>
-    <dgm:txEffectClrLst/>
-  </dgm:styleLbl>
-  <dgm:styleLbl name="fgAcc3">
-    <dgm:fillClrLst meth="repeat">
-      <a:schemeClr val="accent1">
-        <a:alpha val="90000"/>
-        <a:tint val="40000"/>
-      </a:schemeClr>
-    </dgm:fillClrLst>
-    <dgm:linClrLst meth="repeat">
-      <a:schemeClr val="accent1"/>
-    </dgm:linClrLst>
-    <dgm:effectClrLst/>
-    <dgm:txLinClrLst/>
-    <dgm:txFillClrLst meth="repeat">
-      <a:schemeClr val="dk1"/>
-    </dgm:txFillClrLst>
-    <dgm:txEffectClrLst/>
-  </dgm:styleLbl>
-  <dgm:styleLbl name="fgAcc4">
-    <dgm:fillClrLst meth="repeat">
-      <a:schemeClr val="accent1">
-        <a:alpha val="90000"/>
-        <a:tint val="40000"/>
-      </a:schemeClr>
-    </dgm:fillClrLst>
-    <dgm:linClrLst meth="repeat">
-      <a:schemeClr val="accent1"/>
-    </dgm:linClrLst>
-    <dgm:effectClrLst/>
-    <dgm:txLinClrLst/>
-    <dgm:txFillClrLst meth="repeat">
-      <a:schemeClr val="dk1"/>
-    </dgm:txFillClrLst>
-    <dgm:txEffectClrLst/>
-  </dgm:styleLbl>
-  <dgm:styleLbl name="bgShp">
-    <dgm:fillClrLst meth="repeat">
-      <a:schemeClr val="accent1">
-        <a:tint val="40000"/>
-      </a:schemeClr>
-    </dgm:fillClrLst>
-    <dgm:linClrLst meth="repeat">
-      <a:schemeClr val="accent1"/>
-    </dgm:linClrLst>
-    <dgm:effectClrLst/>
-    <dgm:txLinClrLst/>
-    <dgm:txFillClrLst meth="repeat">
-      <a:schemeClr val="dk1"/>
-    </dgm:txFillClrLst>
-    <dgm:txEffectClrLst/>
-  </dgm:styleLbl>
-  <dgm:styleLbl name="dkBgShp">
-    <dgm:fillClrLst meth="repeat">
-      <a:schemeClr val="accent1">
-        <a:shade val="80000"/>
-      </a:schemeClr>
-    </dgm:fillClrLst>
-    <dgm:linClrLst meth="repeat">
-      <a:schemeClr val="accent1"/>
-    </dgm:linClrLst>
-    <dgm:effectClrLst/>
-    <dgm:txLinClrLst/>
-    <dgm:txFillClrLst meth="repeat">
-      <a:schemeClr val="lt1"/>
-    </dgm:txFillClrLst>
-    <dgm:txEffectClrLst/>
-  </dgm:styleLbl>
-  <dgm:styleLbl name="trBgShp">
-    <dgm:fillClrLst meth="repeat">
-      <a:schemeClr val="accent1">
-        <a:tint val="50000"/>
-        <a:alpha val="40000"/>
-      </a:schemeClr>
-    </dgm:fillClrLst>
-    <dgm:linClrLst meth="repeat">
-      <a:schemeClr val="accent1"/>
-    </dgm:linClrLst>
-    <dgm:effectClrLst/>
-    <dgm:txLinClrLst/>
-    <dgm:txFillClrLst meth="repeat">
-      <a:schemeClr val="lt1"/>
-    </dgm:txFillClrLst>
-    <dgm:txEffectClrLst/>
-  </dgm:styleLbl>
-  <dgm:styleLbl name="fgShp">
-    <dgm:fillClrLst meth="repeat">
-      <a:schemeClr val="accent1">
-        <a:tint val="60000"/>
-      </a:schemeClr>
-    </dgm:fillClrLst>
-    <dgm:linClrLst meth="repeat">
-      <a:schemeClr val="lt1"/>
-    </dgm:linClrLst>
-    <dgm:effectClrLst/>
-    <dgm:txLinClrLst/>
-    <dgm:txFillClrLst meth="repeat">
-      <a:schemeClr val="dk1"/>
-    </dgm:txFillClrLst>
-    <dgm:txEffectClrLst/>
-  </dgm:styleLbl>
-  <dgm:styleLbl name="revTx">
-    <dgm:fillClrLst meth="repeat">
-      <a:schemeClr val="lt1">
-        <a:alpha val="0"/>
-      </a:schemeClr>
-    </dgm:fillClrLst>
-    <dgm:linClrLst meth="repeat">
-      <a:schemeClr val="dk1">
-        <a:alpha val="0"/>
-      </a:schemeClr>
-    </dgm:linClrLst>
-    <dgm:effectClrLst/>
-    <dgm:txLinClrLst/>
-    <dgm:txFillClrLst meth="repeat">
-      <a:schemeClr val="tx1"/>
-    </dgm:txFillClrLst>
-    <dgm:txEffectClrLst/>
-  </dgm:styleLbl>
-</dgm:colorsDef>
-</file>
-
-<file path=ppt/diagrams/data1.xml><?xml version="1.0" encoding="utf-8"?>
-<dgm:dataModel xmlns:dgm="http://schemas.openxmlformats.org/drawingml/2006/diagram" xmlns:a="http://schemas.openxmlformats.org/drawingml/2006/main">
-  <dgm:ptLst>
-    <dgm:pt modelId="{FBA29113-7A70-4E0E-B036-871C49B835F1}" type="doc">
-      <dgm:prSet loTypeId="urn:microsoft.com/office/officeart/2005/8/layout/hProcess6" loCatId="process" qsTypeId="urn:microsoft.com/office/officeart/2005/8/quickstyle/simple1" qsCatId="simple" csTypeId="urn:microsoft.com/office/officeart/2005/8/colors/accent1_1" csCatId="accent1" phldr="1"/>
-      <dgm:spPr/>
-      <dgm:t>
-        <a:bodyPr rtlCol="0"/>
-        <a:lstStyle/>
-        <a:p>
-          <a:pPr rtl="0"/>
-          <a:endParaRPr lang="en-US"/>
-        </a:p>
-      </dgm:t>
-    </dgm:pt>
-    <dgm:pt modelId="{A6406C01-7E83-4650-8EF5-394419DCB348}">
-      <dgm:prSet phldrT="[Text]"/>
-      <dgm:spPr/>
-      <dgm:t>
-        <a:bodyPr rtlCol="0"/>
-        <a:lstStyle/>
-        <a:p>
-          <a:pPr rtl="0"/>
-          <a:r>
-            <a:rPr lang="pl-PL" noProof="0" dirty="0"/>
-            <a:t>Krok 1 — tytuł</a:t>
-          </a:r>
-        </a:p>
-      </dgm:t>
-      <dgm:extLst>
-        <a:ext uri="{E40237B7-FDA0-4F09-8148-C483321AD2D9}">
-          <dgm14:cNvPr xmlns:dgm14="http://schemas.microsoft.com/office/drawing/2010/diagram" id="0" name="" title="Step 1 title"/>
-        </a:ext>
-      </dgm:extLst>
-    </dgm:pt>
-    <dgm:pt modelId="{2586B3BB-DA8B-42DF-AC9A-77CE21607FD0}" type="parTrans" cxnId="{4D956F8D-5727-488A-93AF-F33602655A44}">
-      <dgm:prSet/>
-      <dgm:spPr/>
-      <dgm:t>
-        <a:bodyPr rtlCol="0"/>
-        <a:lstStyle/>
-        <a:p>
-          <a:pPr rtl="0"/>
-          <a:endParaRPr lang="pl-PL" noProof="0" dirty="0"/>
-        </a:p>
-      </dgm:t>
-    </dgm:pt>
-    <dgm:pt modelId="{7C5B61F0-A4F6-4FCA-B552-36151F31051E}" type="sibTrans" cxnId="{4D956F8D-5727-488A-93AF-F33602655A44}">
-      <dgm:prSet/>
-      <dgm:spPr/>
-      <dgm:t>
-        <a:bodyPr rtlCol="0"/>
-        <a:lstStyle/>
-        <a:p>
-          <a:pPr rtl="0"/>
-          <a:endParaRPr lang="pl-PL" noProof="0" dirty="0"/>
-        </a:p>
-      </dgm:t>
-    </dgm:pt>
-    <dgm:pt modelId="{E4E9F0D0-FF23-4B59-9B97-973BCBE5DC65}">
-      <dgm:prSet phldrT="[Text]"/>
-      <dgm:spPr/>
-      <dgm:t>
-        <a:bodyPr rtlCol="0"/>
-        <a:lstStyle/>
-        <a:p>
-          <a:pPr rtl="0"/>
-          <a:r>
-            <a:rPr lang="pl-PL" noProof="0" dirty="0"/>
-            <a:t>Opis zadania</a:t>
-          </a:r>
-        </a:p>
-      </dgm:t>
-      <dgm:extLst>
-        <a:ext uri="{E40237B7-FDA0-4F09-8148-C483321AD2D9}">
-          <dgm14:cNvPr xmlns:dgm14="http://schemas.microsoft.com/office/drawing/2010/diagram" id="0" name="" title="Step 1 - task description"/>
-        </a:ext>
-      </dgm:extLst>
-    </dgm:pt>
-    <dgm:pt modelId="{E9237435-F938-45D4-8BF4-6D5D4DFF850F}" type="parTrans" cxnId="{37A3A996-9723-4BDB-8959-9D9B7799BD9A}">
-      <dgm:prSet/>
-      <dgm:spPr/>
-      <dgm:t>
-        <a:bodyPr rtlCol="0"/>
-        <a:lstStyle/>
-        <a:p>
-          <a:pPr rtl="0"/>
-          <a:endParaRPr lang="pl-PL" noProof="0" dirty="0"/>
-        </a:p>
-      </dgm:t>
-    </dgm:pt>
-    <dgm:pt modelId="{D32B195A-7CAD-474B-B79C-BE4BB171E742}" type="sibTrans" cxnId="{37A3A996-9723-4BDB-8959-9D9B7799BD9A}">
-      <dgm:prSet/>
-      <dgm:spPr/>
-      <dgm:t>
-        <a:bodyPr rtlCol="0"/>
-        <a:lstStyle/>
-        <a:p>
-          <a:pPr rtl="0"/>
-          <a:endParaRPr lang="pl-PL" noProof="0" dirty="0"/>
-        </a:p>
-      </dgm:t>
-    </dgm:pt>
-    <dgm:pt modelId="{5D952622-A79E-41E4-BBC2-6212DEFFA91C}">
-      <dgm:prSet phldrT="[Text]"/>
-      <dgm:spPr/>
-      <dgm:t>
-        <a:bodyPr rtlCol="0"/>
-        <a:lstStyle/>
-        <a:p>
-          <a:pPr rtl="0"/>
-          <a:r>
-            <a:rPr lang="pl-PL" noProof="0" dirty="0"/>
-            <a:t>Krok 2 — tytuł</a:t>
-          </a:r>
-        </a:p>
-      </dgm:t>
-      <dgm:extLst>
-        <a:ext uri="{E40237B7-FDA0-4F09-8148-C483321AD2D9}">
-          <dgm14:cNvPr xmlns:dgm14="http://schemas.microsoft.com/office/drawing/2010/diagram" id="0" name="" title="Step 2 title"/>
-        </a:ext>
-      </dgm:extLst>
-    </dgm:pt>
-    <dgm:pt modelId="{10627A68-BE4B-4A4A-9EC9-4CFEF1E4DF39}" type="parTrans" cxnId="{A22BDB9A-90BB-4DA2-8850-00D4F1D3B898}">
-      <dgm:prSet/>
-      <dgm:spPr/>
-      <dgm:t>
-        <a:bodyPr rtlCol="0"/>
-        <a:lstStyle/>
-        <a:p>
-          <a:pPr rtl="0"/>
-          <a:endParaRPr lang="pl-PL" noProof="0" dirty="0"/>
-        </a:p>
-      </dgm:t>
-    </dgm:pt>
-    <dgm:pt modelId="{092BAEF3-D9F2-476B-9A0B-6F14CC814529}" type="sibTrans" cxnId="{A22BDB9A-90BB-4DA2-8850-00D4F1D3B898}">
-      <dgm:prSet/>
-      <dgm:spPr/>
-      <dgm:t>
-        <a:bodyPr rtlCol="0"/>
-        <a:lstStyle/>
-        <a:p>
-          <a:pPr rtl="0"/>
-          <a:endParaRPr lang="pl-PL" noProof="0" dirty="0"/>
-        </a:p>
-      </dgm:t>
-    </dgm:pt>
-    <dgm:pt modelId="{5248D9DA-6444-46F6-8D28-C8BB2253AAD1}">
-      <dgm:prSet phldrT="[Text]"/>
-      <dgm:spPr/>
-      <dgm:t>
-        <a:bodyPr rtlCol="0"/>
-        <a:lstStyle/>
-        <a:p>
-          <a:pPr rtl="0"/>
-          <a:r>
-            <a:rPr lang="pl-PL" noProof="0" dirty="0"/>
-            <a:t>Opis zadania</a:t>
-          </a:r>
-        </a:p>
-      </dgm:t>
-      <dgm:extLst>
-        <a:ext uri="{E40237B7-FDA0-4F09-8148-C483321AD2D9}">
-          <dgm14:cNvPr xmlns:dgm14="http://schemas.microsoft.com/office/drawing/2010/diagram" id="0" name="" title="Step 2 - task description"/>
-        </a:ext>
-      </dgm:extLst>
-    </dgm:pt>
-    <dgm:pt modelId="{A8533F77-F094-4EDB-BCC7-35E0D6A46B71}" type="parTrans" cxnId="{35AF286C-A401-4C08-B8A3-F38B03322BD8}">
-      <dgm:prSet/>
-      <dgm:spPr/>
-      <dgm:t>
-        <a:bodyPr rtlCol="0"/>
-        <a:lstStyle/>
-        <a:p>
-          <a:pPr rtl="0"/>
-          <a:endParaRPr lang="pl-PL" noProof="0" dirty="0"/>
-        </a:p>
-      </dgm:t>
-    </dgm:pt>
-    <dgm:pt modelId="{011B552E-515A-4C41-B810-0D2552861422}" type="sibTrans" cxnId="{35AF286C-A401-4C08-B8A3-F38B03322BD8}">
-      <dgm:prSet/>
-      <dgm:spPr/>
-      <dgm:t>
-        <a:bodyPr rtlCol="0"/>
-        <a:lstStyle/>
-        <a:p>
-          <a:pPr rtl="0"/>
-          <a:endParaRPr lang="pl-PL" noProof="0" dirty="0"/>
-        </a:p>
-      </dgm:t>
-    </dgm:pt>
-    <dgm:pt modelId="{50706FFE-8A00-485D-9FF7-8D310692C602}">
-      <dgm:prSet phldrT="[Text]"/>
-      <dgm:spPr/>
-      <dgm:t>
-        <a:bodyPr rtlCol="0"/>
-        <a:lstStyle/>
-        <a:p>
-          <a:pPr rtl="0"/>
-          <a:r>
-            <a:rPr lang="pl-PL" noProof="0" dirty="0"/>
-            <a:t>Krok 3 — tytuł</a:t>
-          </a:r>
-        </a:p>
-      </dgm:t>
-      <dgm:extLst>
-        <a:ext uri="{E40237B7-FDA0-4F09-8148-C483321AD2D9}">
-          <dgm14:cNvPr xmlns:dgm14="http://schemas.microsoft.com/office/drawing/2010/diagram" id="0" name="" title="Step 3 title"/>
-        </a:ext>
-      </dgm:extLst>
-    </dgm:pt>
-    <dgm:pt modelId="{EF44BD91-19A4-424B-BA32-4A5492B6E40B}" type="parTrans" cxnId="{7599CECE-5293-4C57-A979-D096C99254C7}">
-      <dgm:prSet/>
-      <dgm:spPr/>
-      <dgm:t>
-        <a:bodyPr rtlCol="0"/>
-        <a:lstStyle/>
-        <a:p>
-          <a:pPr rtl="0"/>
-          <a:endParaRPr lang="pl-PL" noProof="0" dirty="0"/>
-        </a:p>
-      </dgm:t>
-    </dgm:pt>
-    <dgm:pt modelId="{CD03DFF4-D962-46D6-AFFA-2A87FD08403E}" type="sibTrans" cxnId="{7599CECE-5293-4C57-A979-D096C99254C7}">
-      <dgm:prSet/>
-      <dgm:spPr/>
-      <dgm:t>
-        <a:bodyPr rtlCol="0"/>
-        <a:lstStyle/>
-        <a:p>
-          <a:pPr rtl="0"/>
-          <a:endParaRPr lang="pl-PL" noProof="0" dirty="0"/>
-        </a:p>
-      </dgm:t>
-    </dgm:pt>
-    <dgm:pt modelId="{3A9B5D84-CB00-4BC9-ADB2-5CF832F36763}">
-      <dgm:prSet phldrT="[Text]"/>
-      <dgm:spPr/>
-      <dgm:t>
-        <a:bodyPr rtlCol="0"/>
-        <a:lstStyle/>
-        <a:p>
-          <a:pPr rtl="0"/>
-          <a:r>
-            <a:rPr lang="pl-PL" noProof="0" dirty="0"/>
-            <a:t>Opis zadania</a:t>
-          </a:r>
-        </a:p>
-      </dgm:t>
-      <dgm:extLst>
-        <a:ext uri="{E40237B7-FDA0-4F09-8148-C483321AD2D9}">
-          <dgm14:cNvPr xmlns:dgm14="http://schemas.microsoft.com/office/drawing/2010/diagram" id="0" name="" title="Step 3 - task description"/>
-        </a:ext>
-      </dgm:extLst>
-    </dgm:pt>
-    <dgm:pt modelId="{BD57EC4A-052D-4824-8820-064BAC997A9B}" type="parTrans" cxnId="{11A0AF47-4BCA-470E-92BF-7B388FFB0DE8}">
-      <dgm:prSet/>
-      <dgm:spPr/>
-      <dgm:t>
-        <a:bodyPr rtlCol="0"/>
-        <a:lstStyle/>
-        <a:p>
-          <a:pPr rtl="0"/>
-          <a:endParaRPr lang="pl-PL" noProof="0" dirty="0"/>
-        </a:p>
-      </dgm:t>
-    </dgm:pt>
-    <dgm:pt modelId="{98E878CF-4A49-4E76-BD23-AE7C5290BAFD}" type="sibTrans" cxnId="{11A0AF47-4BCA-470E-92BF-7B388FFB0DE8}">
-      <dgm:prSet/>
-      <dgm:spPr/>
-      <dgm:t>
-        <a:bodyPr rtlCol="0"/>
-        <a:lstStyle/>
-        <a:p>
-          <a:pPr rtl="0"/>
-          <a:endParaRPr lang="pl-PL" noProof="0" dirty="0"/>
-        </a:p>
-      </dgm:t>
-    </dgm:pt>
-    <dgm:pt modelId="{8734DFB3-ADD8-4FD2-87D8-1981AA0ADD0B}" type="pres">
-      <dgm:prSet presAssocID="{FBA29113-7A70-4E0E-B036-871C49B835F1}" presName="theList" presStyleCnt="0">
-        <dgm:presLayoutVars>
-          <dgm:dir/>
-          <dgm:animLvl val="lvl"/>
-          <dgm:resizeHandles val="exact"/>
-        </dgm:presLayoutVars>
-      </dgm:prSet>
-      <dgm:spPr/>
-    </dgm:pt>
-    <dgm:pt modelId="{5C04AEFB-7132-4B28-A7D3-862245070A8D}" type="pres">
-      <dgm:prSet presAssocID="{A6406C01-7E83-4650-8EF5-394419DCB348}" presName="compNode" presStyleCnt="0"/>
-      <dgm:spPr/>
-    </dgm:pt>
-    <dgm:pt modelId="{358F74AC-FC7D-465B-BD12-B6CCC00F3D29}" type="pres">
-      <dgm:prSet presAssocID="{A6406C01-7E83-4650-8EF5-394419DCB348}" presName="noGeometry" presStyleCnt="0"/>
-      <dgm:spPr/>
-    </dgm:pt>
-    <dgm:pt modelId="{610B5FFC-C0C9-444C-9F7A-14D1B54F604D}" type="pres">
-      <dgm:prSet presAssocID="{A6406C01-7E83-4650-8EF5-394419DCB348}" presName="childTextVisible" presStyleLbl="bgAccFollowNode1" presStyleIdx="0" presStyleCnt="3">
-        <dgm:presLayoutVars>
-          <dgm:bulletEnabled val="1"/>
-        </dgm:presLayoutVars>
-      </dgm:prSet>
-      <dgm:spPr/>
-    </dgm:pt>
-    <dgm:pt modelId="{FB705FC1-639E-4064-8E9A-A79870DE5273}" type="pres">
-      <dgm:prSet presAssocID="{A6406C01-7E83-4650-8EF5-394419DCB348}" presName="childTextHidden" presStyleLbl="bgAccFollowNode1" presStyleIdx="0" presStyleCnt="3"/>
-      <dgm:spPr/>
-    </dgm:pt>
-    <dgm:pt modelId="{47DA5750-48DC-4E4F-815D-0B05DBC30DAB}" type="pres">
-      <dgm:prSet presAssocID="{A6406C01-7E83-4650-8EF5-394419DCB348}" presName="parentText" presStyleLbl="node1" presStyleIdx="0" presStyleCnt="3">
-        <dgm:presLayoutVars>
-          <dgm:chMax val="1"/>
-          <dgm:bulletEnabled val="1"/>
-        </dgm:presLayoutVars>
-      </dgm:prSet>
-      <dgm:spPr/>
-    </dgm:pt>
-    <dgm:pt modelId="{6319C676-A7DE-4777-9BB4-3B6D30ED3F5C}" type="pres">
-      <dgm:prSet presAssocID="{A6406C01-7E83-4650-8EF5-394419DCB348}" presName="aSpace" presStyleCnt="0"/>
-      <dgm:spPr/>
-    </dgm:pt>
-    <dgm:pt modelId="{CA708D38-D093-4C16-A955-CF2CAC7F0A99}" type="pres">
-      <dgm:prSet presAssocID="{5D952622-A79E-41E4-BBC2-6212DEFFA91C}" presName="compNode" presStyleCnt="0"/>
-      <dgm:spPr/>
-    </dgm:pt>
-    <dgm:pt modelId="{6F3066E9-E96F-489D-8A4B-6D55FBE389F2}" type="pres">
-      <dgm:prSet presAssocID="{5D952622-A79E-41E4-BBC2-6212DEFFA91C}" presName="noGeometry" presStyleCnt="0"/>
-      <dgm:spPr/>
-    </dgm:pt>
-    <dgm:pt modelId="{00D2DC2C-7CA2-4A4B-B66D-3DDCAB7DC8E9}" type="pres">
-      <dgm:prSet presAssocID="{5D952622-A79E-41E4-BBC2-6212DEFFA91C}" presName="childTextVisible" presStyleLbl="bgAccFollowNode1" presStyleIdx="1" presStyleCnt="3">
-        <dgm:presLayoutVars>
-          <dgm:bulletEnabled val="1"/>
-        </dgm:presLayoutVars>
-      </dgm:prSet>
-      <dgm:spPr/>
-    </dgm:pt>
-    <dgm:pt modelId="{072FB640-0A28-40E8-9C0C-86BAF45C6EF0}" type="pres">
-      <dgm:prSet presAssocID="{5D952622-A79E-41E4-BBC2-6212DEFFA91C}" presName="childTextHidden" presStyleLbl="bgAccFollowNode1" presStyleIdx="1" presStyleCnt="3"/>
-      <dgm:spPr/>
-    </dgm:pt>
-    <dgm:pt modelId="{EE8733A1-7662-4D0A-B39E-2218596CC81C}" type="pres">
-      <dgm:prSet presAssocID="{5D952622-A79E-41E4-BBC2-6212DEFFA91C}" presName="parentText" presStyleLbl="node1" presStyleIdx="1" presStyleCnt="3">
-        <dgm:presLayoutVars>
-          <dgm:chMax val="1"/>
-          <dgm:bulletEnabled val="1"/>
-        </dgm:presLayoutVars>
-      </dgm:prSet>
-      <dgm:spPr/>
-    </dgm:pt>
-    <dgm:pt modelId="{E0D7C734-E391-436F-996C-E60442F50A17}" type="pres">
-      <dgm:prSet presAssocID="{5D952622-A79E-41E4-BBC2-6212DEFFA91C}" presName="aSpace" presStyleCnt="0"/>
-      <dgm:spPr/>
-    </dgm:pt>
-    <dgm:pt modelId="{E8F3A685-8F9F-4BAC-8C8B-A1DE5AA41F3A}" type="pres">
-      <dgm:prSet presAssocID="{50706FFE-8A00-485D-9FF7-8D310692C602}" presName="compNode" presStyleCnt="0"/>
-      <dgm:spPr/>
-    </dgm:pt>
-    <dgm:pt modelId="{84BFA617-6CAF-4DA9-A086-82BCA61093BE}" type="pres">
-      <dgm:prSet presAssocID="{50706FFE-8A00-485D-9FF7-8D310692C602}" presName="noGeometry" presStyleCnt="0"/>
-      <dgm:spPr/>
-    </dgm:pt>
-    <dgm:pt modelId="{4BF699B1-BE15-42D1-9784-AA33CF29870E}" type="pres">
-      <dgm:prSet presAssocID="{50706FFE-8A00-485D-9FF7-8D310692C602}" presName="childTextVisible" presStyleLbl="bgAccFollowNode1" presStyleIdx="2" presStyleCnt="3">
-        <dgm:presLayoutVars>
-          <dgm:bulletEnabled val="1"/>
-        </dgm:presLayoutVars>
-      </dgm:prSet>
-      <dgm:spPr/>
-    </dgm:pt>
-    <dgm:pt modelId="{F0925EF4-86E2-4748-BA70-94AAF55AB064}" type="pres">
-      <dgm:prSet presAssocID="{50706FFE-8A00-485D-9FF7-8D310692C602}" presName="childTextHidden" presStyleLbl="bgAccFollowNode1" presStyleIdx="2" presStyleCnt="3"/>
-      <dgm:spPr/>
-    </dgm:pt>
-    <dgm:pt modelId="{78E9A4E4-18A9-4B73-8007-A63A71C71937}" type="pres">
-      <dgm:prSet presAssocID="{50706FFE-8A00-485D-9FF7-8D310692C602}" presName="parentText" presStyleLbl="node1" presStyleIdx="2" presStyleCnt="3">
-        <dgm:presLayoutVars>
-          <dgm:chMax val="1"/>
-          <dgm:bulletEnabled val="1"/>
-        </dgm:presLayoutVars>
-      </dgm:prSet>
-      <dgm:spPr/>
-    </dgm:pt>
-  </dgm:ptLst>
-  <dgm:cxnLst>
-    <dgm:cxn modelId="{99E34304-5770-4691-A3EE-6A7C8B9ACD53}" type="presOf" srcId="{E4E9F0D0-FF23-4B59-9B97-973BCBE5DC65}" destId="{610B5FFC-C0C9-444C-9F7A-14D1B54F604D}" srcOrd="0" destOrd="0" presId="urn:microsoft.com/office/officeart/2005/8/layout/hProcess6"/>
-    <dgm:cxn modelId="{81ACEA16-295B-4802-A889-1DC375F525AB}" type="presOf" srcId="{A6406C01-7E83-4650-8EF5-394419DCB348}" destId="{47DA5750-48DC-4E4F-815D-0B05DBC30DAB}" srcOrd="0" destOrd="0" presId="urn:microsoft.com/office/officeart/2005/8/layout/hProcess6"/>
-    <dgm:cxn modelId="{130B0544-2388-4104-A721-8D29E7C77420}" type="presOf" srcId="{5D952622-A79E-41E4-BBC2-6212DEFFA91C}" destId="{EE8733A1-7662-4D0A-B39E-2218596CC81C}" srcOrd="0" destOrd="0" presId="urn:microsoft.com/office/officeart/2005/8/layout/hProcess6"/>
-    <dgm:cxn modelId="{31498E67-CEA0-4571-B7AB-26A2113144F6}" type="presOf" srcId="{FBA29113-7A70-4E0E-B036-871C49B835F1}" destId="{8734DFB3-ADD8-4FD2-87D8-1981AA0ADD0B}" srcOrd="0" destOrd="0" presId="urn:microsoft.com/office/officeart/2005/8/layout/hProcess6"/>
-    <dgm:cxn modelId="{11A0AF47-4BCA-470E-92BF-7B388FFB0DE8}" srcId="{50706FFE-8A00-485D-9FF7-8D310692C602}" destId="{3A9B5D84-CB00-4BC9-ADB2-5CF832F36763}" srcOrd="0" destOrd="0" parTransId="{BD57EC4A-052D-4824-8820-064BAC997A9B}" sibTransId="{98E878CF-4A49-4E76-BD23-AE7C5290BAFD}"/>
-    <dgm:cxn modelId="{019AA969-1A2B-48C0-B7C9-005E817BC2CB}" type="presOf" srcId="{E4E9F0D0-FF23-4B59-9B97-973BCBE5DC65}" destId="{FB705FC1-639E-4064-8E9A-A79870DE5273}" srcOrd="1" destOrd="0" presId="urn:microsoft.com/office/officeart/2005/8/layout/hProcess6"/>
-    <dgm:cxn modelId="{35AF286C-A401-4C08-B8A3-F38B03322BD8}" srcId="{5D952622-A79E-41E4-BBC2-6212DEFFA91C}" destId="{5248D9DA-6444-46F6-8D28-C8BB2253AAD1}" srcOrd="0" destOrd="0" parTransId="{A8533F77-F094-4EDB-BCC7-35E0D6A46B71}" sibTransId="{011B552E-515A-4C41-B810-0D2552861422}"/>
-    <dgm:cxn modelId="{F36BB86E-E9BB-4DBF-9DFE-F8050046ED1F}" type="presOf" srcId="{3A9B5D84-CB00-4BC9-ADB2-5CF832F36763}" destId="{4BF699B1-BE15-42D1-9784-AA33CF29870E}" srcOrd="0" destOrd="0" presId="urn:microsoft.com/office/officeart/2005/8/layout/hProcess6"/>
-    <dgm:cxn modelId="{BA539253-48E3-447C-8770-C31D10399C4A}" type="presOf" srcId="{50706FFE-8A00-485D-9FF7-8D310692C602}" destId="{78E9A4E4-18A9-4B73-8007-A63A71C71937}" srcOrd="0" destOrd="0" presId="urn:microsoft.com/office/officeart/2005/8/layout/hProcess6"/>
-    <dgm:cxn modelId="{D2E26D7D-A939-4166-987B-3E9E5A080266}" type="presOf" srcId="{3A9B5D84-CB00-4BC9-ADB2-5CF832F36763}" destId="{F0925EF4-86E2-4748-BA70-94AAF55AB064}" srcOrd="1" destOrd="0" presId="urn:microsoft.com/office/officeart/2005/8/layout/hProcess6"/>
-    <dgm:cxn modelId="{4D956F8D-5727-488A-93AF-F33602655A44}" srcId="{FBA29113-7A70-4E0E-B036-871C49B835F1}" destId="{A6406C01-7E83-4650-8EF5-394419DCB348}" srcOrd="0" destOrd="0" parTransId="{2586B3BB-DA8B-42DF-AC9A-77CE21607FD0}" sibTransId="{7C5B61F0-A4F6-4FCA-B552-36151F31051E}"/>
-    <dgm:cxn modelId="{37A3A996-9723-4BDB-8959-9D9B7799BD9A}" srcId="{A6406C01-7E83-4650-8EF5-394419DCB348}" destId="{E4E9F0D0-FF23-4B59-9B97-973BCBE5DC65}" srcOrd="0" destOrd="0" parTransId="{E9237435-F938-45D4-8BF4-6D5D4DFF850F}" sibTransId="{D32B195A-7CAD-474B-B79C-BE4BB171E742}"/>
-    <dgm:cxn modelId="{E23D729A-C2FC-40CD-8A08-F5EBB66CF80B}" type="presOf" srcId="{5248D9DA-6444-46F6-8D28-C8BB2253AAD1}" destId="{072FB640-0A28-40E8-9C0C-86BAF45C6EF0}" srcOrd="1" destOrd="0" presId="urn:microsoft.com/office/officeart/2005/8/layout/hProcess6"/>
-    <dgm:cxn modelId="{A22BDB9A-90BB-4DA2-8850-00D4F1D3B898}" srcId="{FBA29113-7A70-4E0E-B036-871C49B835F1}" destId="{5D952622-A79E-41E4-BBC2-6212DEFFA91C}" srcOrd="1" destOrd="0" parTransId="{10627A68-BE4B-4A4A-9EC9-4CFEF1E4DF39}" sibTransId="{092BAEF3-D9F2-476B-9A0B-6F14CC814529}"/>
-    <dgm:cxn modelId="{AE4FA1B2-1FFD-4999-BFB4-0E2A9E4BEBBB}" type="presOf" srcId="{5248D9DA-6444-46F6-8D28-C8BB2253AAD1}" destId="{00D2DC2C-7CA2-4A4B-B66D-3DDCAB7DC8E9}" srcOrd="0" destOrd="0" presId="urn:microsoft.com/office/officeart/2005/8/layout/hProcess6"/>
-    <dgm:cxn modelId="{7599CECE-5293-4C57-A979-D096C99254C7}" srcId="{FBA29113-7A70-4E0E-B036-871C49B835F1}" destId="{50706FFE-8A00-485D-9FF7-8D310692C602}" srcOrd="2" destOrd="0" parTransId="{EF44BD91-19A4-424B-BA32-4A5492B6E40B}" sibTransId="{CD03DFF4-D962-46D6-AFFA-2A87FD08403E}"/>
-    <dgm:cxn modelId="{FF0D50D3-9477-4407-8F44-B60B9728DED7}" type="presParOf" srcId="{8734DFB3-ADD8-4FD2-87D8-1981AA0ADD0B}" destId="{5C04AEFB-7132-4B28-A7D3-862245070A8D}" srcOrd="0" destOrd="0" presId="urn:microsoft.com/office/officeart/2005/8/layout/hProcess6"/>
-    <dgm:cxn modelId="{126CE751-65CF-4E60-902C-2D0B01478834}" type="presParOf" srcId="{5C04AEFB-7132-4B28-A7D3-862245070A8D}" destId="{358F74AC-FC7D-465B-BD12-B6CCC00F3D29}" srcOrd="0" destOrd="0" presId="urn:microsoft.com/office/officeart/2005/8/layout/hProcess6"/>
-    <dgm:cxn modelId="{C6915109-771C-43AE-A4C7-A411D8E5978F}" type="presParOf" srcId="{5C04AEFB-7132-4B28-A7D3-862245070A8D}" destId="{610B5FFC-C0C9-444C-9F7A-14D1B54F604D}" srcOrd="1" destOrd="0" presId="urn:microsoft.com/office/officeart/2005/8/layout/hProcess6"/>
-    <dgm:cxn modelId="{954FE73F-9595-47D0-9AB9-6EB7EDC39F8E}" type="presParOf" srcId="{5C04AEFB-7132-4B28-A7D3-862245070A8D}" destId="{FB705FC1-639E-4064-8E9A-A79870DE5273}" srcOrd="2" destOrd="0" presId="urn:microsoft.com/office/officeart/2005/8/layout/hProcess6"/>
-    <dgm:cxn modelId="{362B7B1C-776A-481A-B10E-B2136C044DB5}" type="presParOf" srcId="{5C04AEFB-7132-4B28-A7D3-862245070A8D}" destId="{47DA5750-48DC-4E4F-815D-0B05DBC30DAB}" srcOrd="3" destOrd="0" presId="urn:microsoft.com/office/officeart/2005/8/layout/hProcess6"/>
-    <dgm:cxn modelId="{AB361918-49A4-4458-A6B4-A38162139DB4}" type="presParOf" srcId="{8734DFB3-ADD8-4FD2-87D8-1981AA0ADD0B}" destId="{6319C676-A7DE-4777-9BB4-3B6D30ED3F5C}" srcOrd="1" destOrd="0" presId="urn:microsoft.com/office/officeart/2005/8/layout/hProcess6"/>
-    <dgm:cxn modelId="{3E32ED31-FAFA-41FB-A502-0C9269827B55}" type="presParOf" srcId="{8734DFB3-ADD8-4FD2-87D8-1981AA0ADD0B}" destId="{CA708D38-D093-4C16-A955-CF2CAC7F0A99}" srcOrd="2" destOrd="0" presId="urn:microsoft.com/office/officeart/2005/8/layout/hProcess6"/>
-    <dgm:cxn modelId="{38B5F8BF-C6A8-4D51-8681-B847070CD1C0}" type="presParOf" srcId="{CA708D38-D093-4C16-A955-CF2CAC7F0A99}" destId="{6F3066E9-E96F-489D-8A4B-6D55FBE389F2}" srcOrd="0" destOrd="0" presId="urn:microsoft.com/office/officeart/2005/8/layout/hProcess6"/>
-    <dgm:cxn modelId="{B873A9F4-217E-473A-8D65-14527890AC34}" type="presParOf" srcId="{CA708D38-D093-4C16-A955-CF2CAC7F0A99}" destId="{00D2DC2C-7CA2-4A4B-B66D-3DDCAB7DC8E9}" srcOrd="1" destOrd="0" presId="urn:microsoft.com/office/officeart/2005/8/layout/hProcess6"/>
-    <dgm:cxn modelId="{F573A08D-1388-4362-9D10-155655876363}" type="presParOf" srcId="{CA708D38-D093-4C16-A955-CF2CAC7F0A99}" destId="{072FB640-0A28-40E8-9C0C-86BAF45C6EF0}" srcOrd="2" destOrd="0" presId="urn:microsoft.com/office/officeart/2005/8/layout/hProcess6"/>
-    <dgm:cxn modelId="{7ADF5CCF-F26A-45B5-9692-98B07AFD46A1}" type="presParOf" srcId="{CA708D38-D093-4C16-A955-CF2CAC7F0A99}" destId="{EE8733A1-7662-4D0A-B39E-2218596CC81C}" srcOrd="3" destOrd="0" presId="urn:microsoft.com/office/officeart/2005/8/layout/hProcess6"/>
-    <dgm:cxn modelId="{985C18C8-95A3-4479-821C-610A2BAFFFF3}" type="presParOf" srcId="{8734DFB3-ADD8-4FD2-87D8-1981AA0ADD0B}" destId="{E0D7C734-E391-436F-996C-E60442F50A17}" srcOrd="3" destOrd="0" presId="urn:microsoft.com/office/officeart/2005/8/layout/hProcess6"/>
-    <dgm:cxn modelId="{951CD7FA-A9B4-463F-BD0D-452C521FF523}" type="presParOf" srcId="{8734DFB3-ADD8-4FD2-87D8-1981AA0ADD0B}" destId="{E8F3A685-8F9F-4BAC-8C8B-A1DE5AA41F3A}" srcOrd="4" destOrd="0" presId="urn:microsoft.com/office/officeart/2005/8/layout/hProcess6"/>
-    <dgm:cxn modelId="{E08D8862-B273-4AA6-9A90-754366CE4945}" type="presParOf" srcId="{E8F3A685-8F9F-4BAC-8C8B-A1DE5AA41F3A}" destId="{84BFA617-6CAF-4DA9-A086-82BCA61093BE}" srcOrd="0" destOrd="0" presId="urn:microsoft.com/office/officeart/2005/8/layout/hProcess6"/>
-    <dgm:cxn modelId="{69392B4C-2A7B-41A4-A48C-35E312A6434A}" type="presParOf" srcId="{E8F3A685-8F9F-4BAC-8C8B-A1DE5AA41F3A}" destId="{4BF699B1-BE15-42D1-9784-AA33CF29870E}" srcOrd="1" destOrd="0" presId="urn:microsoft.com/office/officeart/2005/8/layout/hProcess6"/>
-    <dgm:cxn modelId="{29F5DEAB-A9C8-47F8-A089-1585C323795A}" type="presParOf" srcId="{E8F3A685-8F9F-4BAC-8C8B-A1DE5AA41F3A}" destId="{F0925EF4-86E2-4748-BA70-94AAF55AB064}" srcOrd="2" destOrd="0" presId="urn:microsoft.com/office/officeart/2005/8/layout/hProcess6"/>
-    <dgm:cxn modelId="{E9A57A1B-DDAF-4905-B46C-246DB5E9FB2A}" type="presParOf" srcId="{E8F3A685-8F9F-4BAC-8C8B-A1DE5AA41F3A}" destId="{78E9A4E4-18A9-4B73-8007-A63A71C71937}" srcOrd="3" destOrd="0" presId="urn:microsoft.com/office/officeart/2005/8/layout/hProcess6"/>
-  </dgm:cxnLst>
-  <dgm:bg/>
-  <dgm:whole/>
-  <dgm:extLst>
-    <a:ext uri="http://schemas.microsoft.com/office/drawing/2008/diagram">
-      <dsp:dataModelExt xmlns:dsp="http://schemas.microsoft.com/office/drawing/2008/diagram" relId="rId7" minVer="http://schemas.openxmlformats.org/drawingml/2006/diagram"/>
-    </a:ext>
-  </dgm:extLst>
-</dgm:dataModel>
-</file>
-
-<file path=ppt/diagrams/drawing1.xml><?xml version="1.0" encoding="utf-8"?>
-<dsp:drawing xmlns:dgm="http://schemas.openxmlformats.org/drawingml/2006/diagram" xmlns:dsp="http://schemas.microsoft.com/office/drawing/2008/diagram" xmlns:a="http://schemas.openxmlformats.org/drawingml/2006/main">
-  <dsp:spTree>
-    <dsp:nvGrpSpPr>
-      <dsp:cNvPr id="0" name=""/>
-      <dsp:cNvGrpSpPr/>
-    </dsp:nvGrpSpPr>
-    <dsp:grpSpPr/>
-    <dsp:sp modelId="{610B5FFC-C0C9-444C-9F7A-14D1B54F604D}">
-      <dsp:nvSpPr>
-        <dsp:cNvPr id="0" name=""/>
-        <dsp:cNvSpPr/>
-      </dsp:nvSpPr>
-      <dsp:spPr>
-        <a:xfrm>
-          <a:off x="623515" y="823134"/>
-          <a:ext cx="2475309" cy="2163731"/>
-        </a:xfrm>
-        <a:prstGeom prst="rightArrow">
-          <a:avLst>
-            <a:gd name="adj1" fmla="val 70000"/>
-            <a:gd name="adj2" fmla="val 50000"/>
-          </a:avLst>
-        </a:prstGeom>
-        <a:solidFill>
-          <a:schemeClr val="lt1">
-            <a:alpha val="90000"/>
-            <a:tint val="40000"/>
-            <a:hueOff val="0"/>
-            <a:satOff val="0"/>
-            <a:lumOff val="0"/>
-            <a:alphaOff val="0"/>
-          </a:schemeClr>
-        </a:solidFill>
-        <a:ln w="12700" cap="flat" cmpd="sng" algn="ctr">
-          <a:solidFill>
-            <a:schemeClr val="accent1">
-              <a:alpha val="90000"/>
-              <a:hueOff val="0"/>
-              <a:satOff val="0"/>
-              <a:lumOff val="0"/>
-              <a:alphaOff val="0"/>
-            </a:schemeClr>
-          </a:solidFill>
-          <a:prstDash val="solid"/>
-          <a:miter lim="800000"/>
-        </a:ln>
-        <a:effectLst/>
-      </dsp:spPr>
-      <dsp:style>
-        <a:lnRef idx="2">
-          <a:scrgbClr r="0" g="0" b="0"/>
-        </a:lnRef>
-        <a:fillRef idx="1">
-          <a:scrgbClr r="0" g="0" b="0"/>
-        </a:fillRef>
-        <a:effectRef idx="0">
-          <a:scrgbClr r="0" g="0" b="0"/>
-        </a:effectRef>
-        <a:fontRef idx="minor"/>
-      </dsp:style>
-      <dsp:txBody>
-        <a:bodyPr spcFirstLastPara="0" vert="horz" wrap="square" lIns="60960" tIns="15240" rIns="30480" bIns="15240" numCol="1" spcCol="1270" rtlCol="0" anchor="ctr" anchorCtr="0">
-          <a:noAutofit/>
-        </a:bodyPr>
-        <a:lstStyle/>
-        <a:p>
-          <a:pPr marL="0" lvl="0" indent="0" algn="ctr" defTabSz="1066800" rtl="0">
-            <a:lnSpc>
-              <a:spcPct val="90000"/>
-            </a:lnSpc>
-            <a:spcBef>
-              <a:spcPct val="0"/>
-            </a:spcBef>
-            <a:spcAft>
-              <a:spcPct val="35000"/>
-            </a:spcAft>
-            <a:buNone/>
-          </a:pPr>
-          <a:r>
-            <a:rPr lang="pl-PL" sz="2400" kern="1200" noProof="0" dirty="0"/>
-            <a:t>Opis zadania</a:t>
-          </a:r>
-        </a:p>
-      </dsp:txBody>
-      <dsp:txXfrm>
-        <a:off x="1242342" y="1147694"/>
-        <a:ext cx="1206713" cy="1514611"/>
-      </dsp:txXfrm>
-    </dsp:sp>
-    <dsp:sp modelId="{47DA5750-48DC-4E4F-815D-0B05DBC30DAB}">
-      <dsp:nvSpPr>
-        <dsp:cNvPr id="0" name=""/>
-        <dsp:cNvSpPr/>
-      </dsp:nvSpPr>
-      <dsp:spPr>
-        <a:xfrm>
-          <a:off x="4688" y="1286172"/>
-          <a:ext cx="1237654" cy="1237654"/>
-        </a:xfrm>
-        <a:prstGeom prst="ellipse">
-          <a:avLst/>
-        </a:prstGeom>
-        <a:solidFill>
-          <a:schemeClr val="lt1">
-            <a:hueOff val="0"/>
-            <a:satOff val="0"/>
-            <a:lumOff val="0"/>
-            <a:alphaOff val="0"/>
-          </a:schemeClr>
-        </a:solidFill>
-        <a:ln w="12700" cap="flat" cmpd="sng" algn="ctr">
-          <a:solidFill>
-            <a:schemeClr val="accent1">
-              <a:shade val="80000"/>
-              <a:hueOff val="0"/>
-              <a:satOff val="0"/>
-              <a:lumOff val="0"/>
-              <a:alphaOff val="0"/>
-            </a:schemeClr>
-          </a:solidFill>
-          <a:prstDash val="solid"/>
-          <a:miter lim="800000"/>
-        </a:ln>
-        <a:effectLst/>
-      </dsp:spPr>
-      <dsp:style>
-        <a:lnRef idx="2">
-          <a:scrgbClr r="0" g="0" b="0"/>
-        </a:lnRef>
-        <a:fillRef idx="1">
-          <a:scrgbClr r="0" g="0" b="0"/>
-        </a:fillRef>
-        <a:effectRef idx="0">
-          <a:scrgbClr r="0" g="0" b="0"/>
-        </a:effectRef>
-        <a:fontRef idx="minor">
-          <a:schemeClr val="lt1"/>
-        </a:fontRef>
-      </dsp:style>
-      <dsp:txBody>
-        <a:bodyPr spcFirstLastPara="0" vert="horz" wrap="square" lIns="13335" tIns="13335" rIns="13335" bIns="13335" numCol="1" spcCol="1270" rtlCol="0" anchor="ctr" anchorCtr="0">
-          <a:noAutofit/>
-        </a:bodyPr>
-        <a:lstStyle/>
-        <a:p>
-          <a:pPr marL="0" lvl="0" indent="0" algn="ctr" defTabSz="933450" rtl="0">
-            <a:lnSpc>
-              <a:spcPct val="90000"/>
-            </a:lnSpc>
-            <a:spcBef>
-              <a:spcPct val="0"/>
-            </a:spcBef>
-            <a:spcAft>
-              <a:spcPct val="35000"/>
-            </a:spcAft>
-            <a:buNone/>
-          </a:pPr>
-          <a:r>
-            <a:rPr lang="pl-PL" sz="2100" kern="1200" noProof="0" dirty="0"/>
-            <a:t>Krok 1 — tytuł</a:t>
-          </a:r>
-        </a:p>
-      </dsp:txBody>
-      <dsp:txXfrm>
-        <a:off x="185938" y="1467422"/>
-        <a:ext cx="875154" cy="875154"/>
-      </dsp:txXfrm>
-    </dsp:sp>
-    <dsp:sp modelId="{00D2DC2C-7CA2-4A4B-B66D-3DDCAB7DC8E9}">
-      <dsp:nvSpPr>
-        <dsp:cNvPr id="0" name=""/>
-        <dsp:cNvSpPr/>
-      </dsp:nvSpPr>
-      <dsp:spPr>
-        <a:xfrm>
-          <a:off x="3872358" y="823134"/>
-          <a:ext cx="2475309" cy="2163731"/>
-        </a:xfrm>
-        <a:prstGeom prst="rightArrow">
-          <a:avLst>
-            <a:gd name="adj1" fmla="val 70000"/>
-            <a:gd name="adj2" fmla="val 50000"/>
-          </a:avLst>
-        </a:prstGeom>
-        <a:solidFill>
-          <a:schemeClr val="lt1">
-            <a:alpha val="90000"/>
-            <a:tint val="40000"/>
-            <a:hueOff val="0"/>
-            <a:satOff val="0"/>
-            <a:lumOff val="0"/>
-            <a:alphaOff val="0"/>
-          </a:schemeClr>
-        </a:solidFill>
-        <a:ln w="12700" cap="flat" cmpd="sng" algn="ctr">
-          <a:solidFill>
-            <a:schemeClr val="accent1">
-              <a:alpha val="90000"/>
-              <a:hueOff val="0"/>
-              <a:satOff val="0"/>
-              <a:lumOff val="0"/>
-              <a:alphaOff val="0"/>
-            </a:schemeClr>
-          </a:solidFill>
-          <a:prstDash val="solid"/>
-          <a:miter lim="800000"/>
-        </a:ln>
-        <a:effectLst/>
-      </dsp:spPr>
-      <dsp:style>
-        <a:lnRef idx="2">
-          <a:scrgbClr r="0" g="0" b="0"/>
-        </a:lnRef>
-        <a:fillRef idx="1">
-          <a:scrgbClr r="0" g="0" b="0"/>
-        </a:fillRef>
-        <a:effectRef idx="0">
-          <a:scrgbClr r="0" g="0" b="0"/>
-        </a:effectRef>
-        <a:fontRef idx="minor"/>
-      </dsp:style>
-      <dsp:txBody>
-        <a:bodyPr spcFirstLastPara="0" vert="horz" wrap="square" lIns="60960" tIns="15240" rIns="30480" bIns="15240" numCol="1" spcCol="1270" rtlCol="0" anchor="ctr" anchorCtr="0">
-          <a:noAutofit/>
-        </a:bodyPr>
-        <a:lstStyle/>
-        <a:p>
-          <a:pPr marL="0" lvl="0" indent="0" algn="ctr" defTabSz="1066800" rtl="0">
-            <a:lnSpc>
-              <a:spcPct val="90000"/>
-            </a:lnSpc>
-            <a:spcBef>
-              <a:spcPct val="0"/>
-            </a:spcBef>
-            <a:spcAft>
-              <a:spcPct val="35000"/>
-            </a:spcAft>
-            <a:buNone/>
-          </a:pPr>
-          <a:r>
-            <a:rPr lang="pl-PL" sz="2400" kern="1200" noProof="0" dirty="0"/>
-            <a:t>Opis zadania</a:t>
-          </a:r>
-        </a:p>
-      </dsp:txBody>
-      <dsp:txXfrm>
-        <a:off x="4491186" y="1147694"/>
-        <a:ext cx="1206713" cy="1514611"/>
-      </dsp:txXfrm>
-    </dsp:sp>
-    <dsp:sp modelId="{EE8733A1-7662-4D0A-B39E-2218596CC81C}">
-      <dsp:nvSpPr>
-        <dsp:cNvPr id="0" name=""/>
-        <dsp:cNvSpPr/>
-      </dsp:nvSpPr>
-      <dsp:spPr>
-        <a:xfrm>
-          <a:off x="3253531" y="1286172"/>
-          <a:ext cx="1237654" cy="1237654"/>
-        </a:xfrm>
-        <a:prstGeom prst="ellipse">
-          <a:avLst/>
-        </a:prstGeom>
-        <a:solidFill>
-          <a:schemeClr val="lt1">
-            <a:hueOff val="0"/>
-            <a:satOff val="0"/>
-            <a:lumOff val="0"/>
-            <a:alphaOff val="0"/>
-          </a:schemeClr>
-        </a:solidFill>
-        <a:ln w="12700" cap="flat" cmpd="sng" algn="ctr">
-          <a:solidFill>
-            <a:schemeClr val="accent1">
-              <a:shade val="80000"/>
-              <a:hueOff val="0"/>
-              <a:satOff val="0"/>
-              <a:lumOff val="0"/>
-              <a:alphaOff val="0"/>
-            </a:schemeClr>
-          </a:solidFill>
-          <a:prstDash val="solid"/>
-          <a:miter lim="800000"/>
-        </a:ln>
-        <a:effectLst/>
-      </dsp:spPr>
-      <dsp:style>
-        <a:lnRef idx="2">
-          <a:scrgbClr r="0" g="0" b="0"/>
-        </a:lnRef>
-        <a:fillRef idx="1">
-          <a:scrgbClr r="0" g="0" b="0"/>
-        </a:fillRef>
-        <a:effectRef idx="0">
-          <a:scrgbClr r="0" g="0" b="0"/>
-        </a:effectRef>
-        <a:fontRef idx="minor">
-          <a:schemeClr val="lt1"/>
-        </a:fontRef>
-      </dsp:style>
-      <dsp:txBody>
-        <a:bodyPr spcFirstLastPara="0" vert="horz" wrap="square" lIns="13335" tIns="13335" rIns="13335" bIns="13335" numCol="1" spcCol="1270" rtlCol="0" anchor="ctr" anchorCtr="0">
-          <a:noAutofit/>
-        </a:bodyPr>
-        <a:lstStyle/>
-        <a:p>
-          <a:pPr marL="0" lvl="0" indent="0" algn="ctr" defTabSz="933450" rtl="0">
-            <a:lnSpc>
-              <a:spcPct val="90000"/>
-            </a:lnSpc>
-            <a:spcBef>
-              <a:spcPct val="0"/>
-            </a:spcBef>
-            <a:spcAft>
-              <a:spcPct val="35000"/>
-            </a:spcAft>
-            <a:buNone/>
-          </a:pPr>
-          <a:r>
-            <a:rPr lang="pl-PL" sz="2100" kern="1200" noProof="0" dirty="0"/>
-            <a:t>Krok 2 — tytuł</a:t>
-          </a:r>
-        </a:p>
-      </dsp:txBody>
-      <dsp:txXfrm>
-        <a:off x="3434781" y="1467422"/>
-        <a:ext cx="875154" cy="875154"/>
-      </dsp:txXfrm>
-    </dsp:sp>
-    <dsp:sp modelId="{4BF699B1-BE15-42D1-9784-AA33CF29870E}">
-      <dsp:nvSpPr>
-        <dsp:cNvPr id="0" name=""/>
-        <dsp:cNvSpPr/>
-      </dsp:nvSpPr>
-      <dsp:spPr>
-        <a:xfrm>
-          <a:off x="7121202" y="823134"/>
-          <a:ext cx="2475309" cy="2163731"/>
-        </a:xfrm>
-        <a:prstGeom prst="rightArrow">
-          <a:avLst>
-            <a:gd name="adj1" fmla="val 70000"/>
-            <a:gd name="adj2" fmla="val 50000"/>
-          </a:avLst>
-        </a:prstGeom>
-        <a:solidFill>
-          <a:schemeClr val="lt1">
-            <a:alpha val="90000"/>
-            <a:tint val="40000"/>
-            <a:hueOff val="0"/>
-            <a:satOff val="0"/>
-            <a:lumOff val="0"/>
-            <a:alphaOff val="0"/>
-          </a:schemeClr>
-        </a:solidFill>
-        <a:ln w="12700" cap="flat" cmpd="sng" algn="ctr">
-          <a:solidFill>
-            <a:schemeClr val="accent1">
-              <a:alpha val="90000"/>
-              <a:hueOff val="0"/>
-              <a:satOff val="0"/>
-              <a:lumOff val="0"/>
-              <a:alphaOff val="0"/>
-            </a:schemeClr>
-          </a:solidFill>
-          <a:prstDash val="solid"/>
-          <a:miter lim="800000"/>
-        </a:ln>
-        <a:effectLst/>
-      </dsp:spPr>
-      <dsp:style>
-        <a:lnRef idx="2">
-          <a:scrgbClr r="0" g="0" b="0"/>
-        </a:lnRef>
-        <a:fillRef idx="1">
-          <a:scrgbClr r="0" g="0" b="0"/>
-        </a:fillRef>
-        <a:effectRef idx="0">
-          <a:scrgbClr r="0" g="0" b="0"/>
-        </a:effectRef>
-        <a:fontRef idx="minor"/>
-      </dsp:style>
-      <dsp:txBody>
-        <a:bodyPr spcFirstLastPara="0" vert="horz" wrap="square" lIns="60960" tIns="15240" rIns="30480" bIns="15240" numCol="1" spcCol="1270" rtlCol="0" anchor="ctr" anchorCtr="0">
-          <a:noAutofit/>
-        </a:bodyPr>
-        <a:lstStyle/>
-        <a:p>
-          <a:pPr marL="0" lvl="0" indent="0" algn="ctr" defTabSz="1066800" rtl="0">
-            <a:lnSpc>
-              <a:spcPct val="90000"/>
-            </a:lnSpc>
-            <a:spcBef>
-              <a:spcPct val="0"/>
-            </a:spcBef>
-            <a:spcAft>
-              <a:spcPct val="35000"/>
-            </a:spcAft>
-            <a:buNone/>
-          </a:pPr>
-          <a:r>
-            <a:rPr lang="pl-PL" sz="2400" kern="1200" noProof="0" dirty="0"/>
-            <a:t>Opis zadania</a:t>
-          </a:r>
-        </a:p>
-      </dsp:txBody>
-      <dsp:txXfrm>
-        <a:off x="7740029" y="1147694"/>
-        <a:ext cx="1206713" cy="1514611"/>
-      </dsp:txXfrm>
-    </dsp:sp>
-    <dsp:sp modelId="{78E9A4E4-18A9-4B73-8007-A63A71C71937}">
-      <dsp:nvSpPr>
-        <dsp:cNvPr id="0" name=""/>
-        <dsp:cNvSpPr/>
-      </dsp:nvSpPr>
-      <dsp:spPr>
-        <a:xfrm>
-          <a:off x="6502375" y="1286172"/>
-          <a:ext cx="1237654" cy="1237654"/>
-        </a:xfrm>
-        <a:prstGeom prst="ellipse">
-          <a:avLst/>
-        </a:prstGeom>
-        <a:solidFill>
-          <a:schemeClr val="lt1">
-            <a:hueOff val="0"/>
-            <a:satOff val="0"/>
-            <a:lumOff val="0"/>
-            <a:alphaOff val="0"/>
-          </a:schemeClr>
-        </a:solidFill>
-        <a:ln w="12700" cap="flat" cmpd="sng" algn="ctr">
-          <a:solidFill>
-            <a:schemeClr val="accent1">
-              <a:shade val="80000"/>
-              <a:hueOff val="0"/>
-              <a:satOff val="0"/>
-              <a:lumOff val="0"/>
-              <a:alphaOff val="0"/>
-            </a:schemeClr>
-          </a:solidFill>
-          <a:prstDash val="solid"/>
-          <a:miter lim="800000"/>
-        </a:ln>
-        <a:effectLst/>
-      </dsp:spPr>
-      <dsp:style>
-        <a:lnRef idx="2">
-          <a:scrgbClr r="0" g="0" b="0"/>
-        </a:lnRef>
-        <a:fillRef idx="1">
-          <a:scrgbClr r="0" g="0" b="0"/>
-        </a:fillRef>
-        <a:effectRef idx="0">
-          <a:scrgbClr r="0" g="0" b="0"/>
-        </a:effectRef>
-        <a:fontRef idx="minor">
-          <a:schemeClr val="lt1"/>
-        </a:fontRef>
-      </dsp:style>
-      <dsp:txBody>
-        <a:bodyPr spcFirstLastPara="0" vert="horz" wrap="square" lIns="13335" tIns="13335" rIns="13335" bIns="13335" numCol="1" spcCol="1270" rtlCol="0" anchor="ctr" anchorCtr="0">
-          <a:noAutofit/>
-        </a:bodyPr>
-        <a:lstStyle/>
-        <a:p>
-          <a:pPr marL="0" lvl="0" indent="0" algn="ctr" defTabSz="933450" rtl="0">
-            <a:lnSpc>
-              <a:spcPct val="90000"/>
-            </a:lnSpc>
-            <a:spcBef>
-              <a:spcPct val="0"/>
-            </a:spcBef>
-            <a:spcAft>
-              <a:spcPct val="35000"/>
-            </a:spcAft>
-            <a:buNone/>
-          </a:pPr>
-          <a:r>
-            <a:rPr lang="pl-PL" sz="2100" kern="1200" noProof="0" dirty="0"/>
-            <a:t>Krok 3 — tytuł</a:t>
-          </a:r>
-        </a:p>
-      </dsp:txBody>
-      <dsp:txXfrm>
-        <a:off x="6683625" y="1467422"/>
-        <a:ext cx="875154" cy="875154"/>
-      </dsp:txXfrm>
-    </dsp:sp>
-  </dsp:spTree>
-</dsp:drawing>
-</file>
-
-<file path=ppt/diagrams/layout1.xml><?xml version="1.0" encoding="utf-8"?>
-<dgm:layoutDef xmlns:dgm="http://schemas.openxmlformats.org/drawingml/2006/diagram" xmlns:a="http://schemas.openxmlformats.org/drawingml/2006/main" uniqueId="urn:microsoft.com/office/officeart/2005/8/layout/hProcess6">
-  <dgm:title val=""/>
-  <dgm:desc val=""/>
-  <dgm:catLst>
-    <dgm:cat type="process" pri="7000"/>
-  </dgm:catLst>
-  <dgm:sampData>
-    <dgm:dataModel>
-      <dgm:ptLst>
-        <dgm:pt modelId="0" type="doc"/>
-        <dgm:pt modelId="1">
-          <dgm:prSet phldr="1"/>
-        </dgm:pt>
-        <dgm:pt modelId="11">
-          <dgm:prSet phldr="1"/>
-        </dgm:pt>
-        <dgm:pt modelId="12">
-          <dgm:prSet phldr="1"/>
-        </dgm:pt>
-        <dgm:pt modelId="2">
-          <dgm:prSet phldr="1"/>
-        </dgm:pt>
-        <dgm:pt modelId="21">
-          <dgm:prSet phldr="1"/>
-        </dgm:pt>
-        <dgm:pt modelId="22">
-          <dgm:prSet phldr="1"/>
-        </dgm:pt>
-        <dgm:pt modelId="3">
-          <dgm:prSet phldr="1"/>
-        </dgm:pt>
-        <dgm:pt modelId="31">
-          <dgm:prSet phldr="1"/>
-        </dgm:pt>
-        <dgm:pt modelId="32">
-          <dgm:prSet phldr="1"/>
-        </dgm:pt>
-      </dgm:ptLst>
-      <dgm:cxnLst>
-        <dgm:cxn modelId="4" srcId="0" destId="1" srcOrd="0" destOrd="0"/>
-        <dgm:cxn modelId="5" srcId="0" destId="2" srcOrd="1" destOrd="0"/>
-        <dgm:cxn modelId="13" srcId="1" destId="11" srcOrd="0" destOrd="0"/>
-        <dgm:cxn modelId="14" srcId="1" destId="12" srcOrd="0" destOrd="0"/>
-        <dgm:cxn modelId="23" srcId="2" destId="21" srcOrd="0" destOrd="0"/>
-        <dgm:cxn modelId="24" srcId="2" destId="22" srcOrd="0" destOrd="0"/>
-        <dgm:cxn modelId="33" srcId="3" destId="31" srcOrd="0" destOrd="0"/>
-        <dgm:cxn modelId="34" srcId="3" destId="32" srcOrd="0" destOrd="0"/>
-      </dgm:cxnLst>
-      <dgm:bg/>
-      <dgm:whole/>
-    </dgm:dataModel>
-  </dgm:sampData>
-  <dgm:styleData>
-    <dgm:dataModel>
-      <dgm:ptLst>
-        <dgm:pt modelId="0" type="doc"/>
-        <dgm:pt modelId="1"/>
-        <dgm:pt modelId="11"/>
-        <dgm:pt modelId="2"/>
-        <dgm:pt modelId="21"/>
-      </dgm:ptLst>
-      <dgm:cxnLst>
-        <dgm:cxn modelId="4" srcId="0" destId="1" srcOrd="0" destOrd="0"/>
-        <dgm:cxn modelId="5" srcId="0" destId="2" srcOrd="1" destOrd="0"/>
-        <dgm:cxn modelId="13" srcId="1" destId="11" srcOrd="0" destOrd="0"/>
-        <dgm:cxn modelId="23" srcId="2" destId="21" srcOrd="0" destOrd="0"/>
-      </dgm:cxnLst>
-      <dgm:bg/>
-      <dgm:whole/>
-    </dgm:dataModel>
-  </dgm:styleData>
-  <dgm:clrData>
-    <dgm:dataModel>
-      <dgm:ptLst>
-        <dgm:pt modelId="0" type="doc"/>
-        <dgm:pt modelId="1"/>
-        <dgm:pt modelId="11"/>
-        <dgm:pt modelId="2"/>
-        <dgm:pt modelId="21"/>
-        <dgm:pt modelId="3"/>
-        <dgm:pt modelId="31"/>
-        <dgm:pt modelId="4"/>
-        <dgm:pt modelId="41"/>
-      </dgm:ptLst>
-      <dgm:cxnLst>
-        <dgm:cxn modelId="5" srcId="0" destId="1" srcOrd="0" destOrd="0"/>
-        <dgm:cxn modelId="6" srcId="0" destId="2" srcOrd="1" destOrd="0"/>
-        <dgm:cxn modelId="7" srcId="0" destId="3" srcOrd="2" destOrd="0"/>
-        <dgm:cxn modelId="8" srcId="0" destId="4" srcOrd="3" destOrd="0"/>
-        <dgm:cxn modelId="13" srcId="1" destId="11" srcOrd="0" destOrd="0"/>
-        <dgm:cxn modelId="23" srcId="2" destId="21" srcOrd="0" destOrd="0"/>
-        <dgm:cxn modelId="33" srcId="3" destId="31" srcOrd="0" destOrd="0"/>
-        <dgm:cxn modelId="43" srcId="4" destId="41" srcOrd="0" destOrd="0"/>
-      </dgm:cxnLst>
-      <dgm:bg/>
-      <dgm:whole/>
-    </dgm:dataModel>
-  </dgm:clrData>
-  <dgm:layoutNode name="theList">
-    <dgm:varLst>
-      <dgm:dir/>
-      <dgm:animLvl val="lvl"/>
-      <dgm:resizeHandles val="exact"/>
-    </dgm:varLst>
-    <dgm:choose name="Name0">
-      <dgm:if name="Name1" func="var" arg="dir" op="equ" val="norm">
-        <dgm:alg type="lin">
-          <dgm:param type="linDir" val="fromL"/>
-          <dgm:param type="nodeHorzAlign" val="l"/>
-        </dgm:alg>
-      </dgm:if>
-      <dgm:else name="Name2">
-        <dgm:alg type="lin">
-          <dgm:param type="linDir" val="fromR"/>
-          <dgm:param type="nodeHorzAlign" val="r"/>
-        </dgm:alg>
-      </dgm:else>
-    </dgm:choose>
-    <dgm:shape xmlns:r="http://schemas.openxmlformats.org/officeDocument/2006/relationships" r:blip="">
-      <dgm:adjLst/>
-    </dgm:shape>
-    <dgm:presOf/>
-    <dgm:constrLst>
-      <dgm:constr type="w" for="ch" forName="compNode" refType="w"/>
-      <dgm:constr type="h" for="ch" forName="compNode" refType="w" refFor="ch" refForName="compNode" fact="0.7"/>
-      <dgm:constr type="ctrY" for="ch" forName="compNode" refType="h" fact="0.5"/>
-      <dgm:constr type="w" for="ch" forName="aSpace" refType="w" fact="0.05"/>
-      <dgm:constr type="primFontSz" for="des" forName="childTextHidden" op="equ" val="65"/>
-      <dgm:constr type="primFontSz" for="des" forName="parentText" op="equ"/>
-    </dgm:constrLst>
-    <dgm:ruleLst/>
-    <dgm:forEach name="aNodeForEach" axis="ch" ptType="node">
-      <dgm:layoutNode name="compNode">
-        <dgm:alg type="composite">
-          <dgm:param type="ar" val="1.43"/>
-        </dgm:alg>
-        <dgm:shape xmlns:r="http://schemas.openxmlformats.org/officeDocument/2006/relationships" r:blip="">
-          <dgm:adjLst/>
-        </dgm:shape>
-        <dgm:presOf/>
-        <dgm:choose name="Name3">
-          <dgm:if name="Name4" func="var" arg="dir" op="equ" val="norm">
-            <dgm:constrLst>
-              <dgm:constr type="w" for="ch" forName="childTextVisible" refType="w" fact="0.8"/>
-              <dgm:constr type="h" for="ch" forName="childTextVisible" refType="h"/>
-              <dgm:constr type="r" for="ch" forName="childTextVisible" refType="w"/>
-              <dgm:constr type="w" for="ch" forName="childTextHidden" refType="w" fact="0.6"/>
-              <dgm:constr type="h" for="ch" forName="childTextHidden" refType="h"/>
-              <dgm:constr type="r" for="ch" forName="childTextHidden" refType="w"/>
-              <dgm:constr type="l" for="ch" forName="parentText"/>
-              <dgm:constr type="w" for="ch" forName="parentText" refType="w" fact="0.4"/>
-              <dgm:constr type="h" for="ch" forName="parentText" refType="w" refFor="ch" refForName="parentText" op="equ"/>
-              <dgm:constr type="ctrY" for="ch" forName="parentText" refType="h" fact="0.5"/>
-            </dgm:constrLst>
-          </dgm:if>
-          <dgm:else name="Name5">
-            <dgm:constrLst>
-              <dgm:constr type="w" for="ch" forName="childTextVisible" refType="w" fact="0.8"/>
-              <dgm:constr type="h" for="ch" forName="childTextVisible" refType="h"/>
-              <dgm:constr type="l" for="ch" forName="childTextVisible"/>
-              <dgm:constr type="w" for="ch" forName="childTextHidden" refType="w" fact="0.6"/>
-              <dgm:constr type="h" for="ch" forName="childTextHidden" refType="h"/>
-              <dgm:constr type="l" for="ch" forName="childTextHidden"/>
-              <dgm:constr type="r" for="ch" forName="parentText" refType="w"/>
-              <dgm:constr type="w" for="ch" forName="parentText" refType="w" fact="0.4"/>
-              <dgm:constr type="h" for="ch" forName="parentText" refType="w" refFor="ch" refForName="parentText" op="equ"/>
-              <dgm:constr type="ctrY" for="ch" forName="parentText" refType="h" fact="0.5"/>
-            </dgm:constrLst>
-          </dgm:else>
-        </dgm:choose>
-        <dgm:ruleLst/>
-        <dgm:layoutNode name="noGeometry">
-          <dgm:alg type="sp"/>
-          <dgm:shape xmlns:r="http://schemas.openxmlformats.org/officeDocument/2006/relationships" r:blip="">
-            <dgm:adjLst/>
-          </dgm:shape>
-          <dgm:presOf/>
-          <dgm:constrLst/>
-          <dgm:ruleLst/>
-        </dgm:layoutNode>
-        <dgm:layoutNode name="childTextVisible" styleLbl="bgAccFollowNode1">
-          <dgm:varLst>
-            <dgm:bulletEnabled val="1"/>
-          </dgm:varLst>
-          <dgm:alg type="sp"/>
-          <dgm:choose name="Name6">
-            <dgm:if name="Name7" func="var" arg="dir" op="equ" val="norm">
-              <dgm:shape xmlns:r="http://schemas.openxmlformats.org/officeDocument/2006/relationships" type="rightArrow" r:blip="">
-                <dgm:adjLst>
-                  <dgm:adj idx="1" val="0.7"/>
-                  <dgm:adj idx="2" val="0.5"/>
-                </dgm:adjLst>
-              </dgm:shape>
-            </dgm:if>
-            <dgm:else name="Name8">
-              <dgm:shape xmlns:r="http://schemas.openxmlformats.org/officeDocument/2006/relationships" type="leftArrow" r:blip="">
-                <dgm:adjLst>
-                  <dgm:adj idx="1" val="0.7"/>
-                  <dgm:adj idx="2" val="0.5"/>
-                </dgm:adjLst>
-              </dgm:shape>
-            </dgm:else>
-          </dgm:choose>
-          <dgm:presOf axis="des" ptType="node"/>
-          <dgm:constrLst/>
-          <dgm:ruleLst/>
-        </dgm:layoutNode>
-        <dgm:layoutNode name="childTextHidden" styleLbl="bgAccFollowNode1">
-          <dgm:choose name="Name9">
-            <dgm:if name="Name10" axis="des followSib" ptType="node node" st="1 1" cnt="1 0" func="cnt" op="gte" val="1">
-              <dgm:alg type="tx">
-                <dgm:param type="stBulletLvl" val="1"/>
-                <dgm:param type="txAnchorVertCh" val="mid"/>
-              </dgm:alg>
-            </dgm:if>
-            <dgm:else name="Name11">
-              <dgm:alg type="tx">
-                <dgm:param type="stBulletLvl" val="2"/>
-                <dgm:param type="txAnchorVertCh" val="mid"/>
-              </dgm:alg>
-            </dgm:else>
-          </dgm:choose>
-          <dgm:choose name="Name12">
-            <dgm:if name="Name13" func="var" arg="dir" op="equ" val="norm">
-              <dgm:shape xmlns:r="http://schemas.openxmlformats.org/officeDocument/2006/relationships" type="rightArrow" r:blip="" hideGeom="1">
-                <dgm:adjLst>
-                  <dgm:adj idx="1" val="0.7"/>
-                  <dgm:adj idx="2" val="0.5"/>
-                </dgm:adjLst>
-              </dgm:shape>
-            </dgm:if>
-            <dgm:else name="Name14">
-              <dgm:shape xmlns:r="http://schemas.openxmlformats.org/officeDocument/2006/relationships" type="leftArrow" r:blip="" hideGeom="1">
-                <dgm:adjLst>
-                  <dgm:adj idx="1" val="0.7"/>
-                  <dgm:adj idx="2" val="0.5"/>
-                </dgm:adjLst>
-              </dgm:shape>
-            </dgm:else>
-          </dgm:choose>
-          <dgm:presOf axis="des" ptType="node"/>
-          <dgm:constrLst>
-            <dgm:constr type="secFontSz" refType="primFontSz"/>
-            <dgm:constr type="tMarg" refType="primFontSz" fact="0.05"/>
-            <dgm:constr type="bMarg" refType="primFontSz" fact="0.05"/>
-            <dgm:constr type="rMarg" refType="primFontSz" fact="0.1"/>
-            <dgm:constr type="lMarg" refType="primFontSz" fact="0.2"/>
-          </dgm:constrLst>
-          <dgm:ruleLst>
-            <dgm:rule type="primFontSz" val="5" fact="NaN" max="NaN"/>
-          </dgm:ruleLst>
-        </dgm:layoutNode>
-        <dgm:layoutNode name="parentText" styleLbl="node1">
-          <dgm:varLst>
-            <dgm:chMax val="1"/>
-            <dgm:bulletEnabled val="1"/>
-          </dgm:varLst>
-          <dgm:alg type="tx"/>
-          <dgm:shape xmlns:r="http://schemas.openxmlformats.org/officeDocument/2006/relationships" type="ellipse" r:blip="">
-            <dgm:adjLst/>
-          </dgm:shape>
-          <dgm:presOf axis="self"/>
-          <dgm:constrLst>
-            <dgm:constr type="primFontSz" val="65"/>
-            <dgm:constr type="tMarg" refType="primFontSz" fact="0.05"/>
-            <dgm:constr type="bMarg" refType="primFontSz" fact="0.05"/>
-            <dgm:constr type="lMarg" refType="primFontSz" fact="0.05"/>
-            <dgm:constr type="rMarg" refType="primFontSz" fact="0.05"/>
-          </dgm:constrLst>
-          <dgm:ruleLst>
-            <dgm:rule type="primFontSz" val="5" fact="NaN" max="NaN"/>
-          </dgm:ruleLst>
-        </dgm:layoutNode>
-      </dgm:layoutNode>
-      <dgm:choose name="Name15">
-        <dgm:if name="Name16" axis="self" ptType="node" func="revPos" op="gte" val="2">
-          <dgm:layoutNode name="aSpace">
-            <dgm:alg type="sp"/>
-            <dgm:shape xmlns:r="http://schemas.openxmlformats.org/officeDocument/2006/relationships" r:blip="">
-              <dgm:adjLst/>
-            </dgm:shape>
-            <dgm:presOf/>
-            <dgm:constrLst/>
-            <dgm:ruleLst/>
-          </dgm:layoutNode>
-        </dgm:if>
-        <dgm:else name="Name17"/>
-      </dgm:choose>
-    </dgm:forEach>
-  </dgm:layoutNode>
-</dgm:layoutDef>
-</file>
-
-<file path=ppt/diagrams/quickStyle1.xml><?xml version="1.0" encoding="utf-8"?>
-<dgm:styleDef xmlns:dgm="http://schemas.openxmlformats.org/drawingml/2006/diagram" xmlns:a="http://schemas.openxmlformats.org/drawingml/2006/main" uniqueId="urn:microsoft.com/office/officeart/2005/8/quickstyle/simple1">
-  <dgm:title val=""/>
-  <dgm:desc val=""/>
-  <dgm:catLst>
-    <dgm:cat type="simple" pri="10100"/>
-  </dgm:catLst>
-  <dgm:scene3d>
-    <a:camera prst="orthographicFront"/>
-    <a:lightRig rig="threePt" dir="t"/>
-  </dgm:scene3d>
-  <dgm:styleLbl name="node0">
-    <dgm:scene3d>
-      <a:camera prst="orthographicFront"/>
-      <a:lightRig rig="threePt" dir="t"/>
-    </dgm:scene3d>
-    <dgm:sp3d/>
-    <dgm:txPr/>
-    <dgm:style>
-      <a:lnRef idx="2">
-        <a:scrgbClr r="0" g="0" b="0"/>
-      </a:lnRef>
-      <a:fillRef idx="1">
-        <a:scrgbClr r="0" g="0" b="0"/>
-      </a:fillRef>
-      <a:effectRef idx="0">
-        <a:scrgbClr r="0" g="0" b="0"/>
-      </a:effectRef>
-      <a:fontRef idx="minor">
-        <a:schemeClr val="lt1"/>
-      </a:fontRef>
-    </dgm:style>
-  </dgm:styleLbl>
-  <dgm:styleLbl name="lnNode1">
-    <dgm:scene3d>
-      <a:camera prst="orthographicFront"/>
-      <a:lightRig rig="threePt" dir="t"/>
-    </dgm:scene3d>
-    <dgm:sp3d/>
-    <dgm:txPr/>
-    <dgm:style>
-      <a:lnRef idx="2">
-        <a:scrgbClr r="0" g="0" b="0"/>
-      </a:lnRef>
-      <a:fillRef idx="1">
-        <a:scrgbClr r="0" g="0" b="0"/>
-      </a:fillRef>
-      <a:effectRef idx="0">
-        <a:scrgbClr r="0" g="0" b="0"/>
-      </a:effectRef>
-      <a:fontRef idx="minor">
-        <a:schemeClr val="lt1"/>
-      </a:fontRef>
-    </dgm:style>
-  </dgm:styleLbl>
-  <dgm:styleLbl name="vennNode1">
-    <dgm:scene3d>
-      <a:camera prst="orthographicFront"/>
-      <a:lightRig rig="threePt" dir="t"/>
-    </dgm:scene3d>
-    <dgm:sp3d/>
-    <dgm:txPr/>
-    <dgm:style>
-      <a:lnRef idx="2">
-        <a:scrgbClr r="0" g="0" b="0"/>
-      </a:lnRef>
-      <a:fillRef idx="1">
-        <a:scrgbClr r="0" g="0" b="0"/>
-      </a:fillRef>
-      <a:effectRef idx="0">
-        <a:scrgbClr r="0" g="0" b="0"/>
-      </a:effectRef>
-      <a:fontRef idx="minor">
-        <a:schemeClr val="tx1"/>
-      </a:fontRef>
-    </dgm:style>
-  </dgm:styleLbl>
-  <dgm:styleLbl name="alignNode1">
-    <dgm:scene3d>
-      <a:camera prst="orthographicFront"/>
-      <a:lightRig rig="threePt" dir="t"/>
-    </dgm:scene3d>
-    <dgm:sp3d/>
-    <dgm:txPr/>
-    <dgm:style>
-      <a:lnRef idx="2">
-        <a:scrgbClr r="0" g="0" b="0"/>
-      </a:lnRef>
-      <a:fillRef idx="1">
-        <a:scrgbClr r="0" g="0" b="0"/>
-      </a:fillRef>
-      <a:effectRef idx="0">
-        <a:scrgbClr r="0" g="0" b="0"/>
-      </a:effectRef>
-      <a:fontRef idx="minor">
-        <a:schemeClr val="lt1"/>
-      </a:fontRef>
-    </dgm:style>
-  </dgm:styleLbl>
-  <dgm:styleLbl name="node1">
-    <dgm:scene3d>
-      <a:camera prst="orthographicFront"/>
-      <a:lightRig rig="threePt" dir="t"/>
-    </dgm:scene3d>
-    <dgm:sp3d/>
-    <dgm:txPr/>
-    <dgm:style>
-      <a:lnRef idx="2">
-        <a:scrgbClr r="0" g="0" b="0"/>
-      </a:lnRef>
-      <a:fillRef idx="1">
-        <a:scrgbClr r="0" g="0" b="0"/>
-      </a:fillRef>
-      <a:effectRef idx="0">
-        <a:scrgbClr r="0" g="0" b="0"/>
-      </a:effectRef>
-      <a:fontRef idx="minor">
-        <a:schemeClr val="lt1"/>
-      </a:fontRef>
-    </dgm:style>
-  </dgm:styleLbl>
-  <dgm:styleLbl name="node2">
-    <dgm:scene3d>
-      <a:camera prst="orthographicFront"/>
-      <a:lightRig rig="threePt" dir="t"/>
-    </dgm:scene3d>
-    <dgm:sp3d/>
-    <dgm:txPr/>
-    <dgm:style>
-      <a:lnRef idx="2">
-        <a:scrgbClr r="0" g="0" b="0"/>
-      </a:lnRef>
-      <a:fillRef idx="1">
-        <a:scrgbClr r="0" g="0" b="0"/>
-      </a:fillRef>
-      <a:effectRef idx="0">
-        <a:scrgbClr r="0" g="0" b="0"/>
-      </a:effectRef>
-      <a:fontRef idx="minor">
-        <a:schemeClr val="lt1"/>
-      </a:fontRef>
-    </dgm:style>
-  </dgm:styleLbl>
-  <dgm:styleLbl name="node3">
-    <dgm:scene3d>
-      <a:camera prst="orthographicFront"/>
-      <a:lightRig rig="threePt" dir="t"/>
-    </dgm:scene3d>
-    <dgm:sp3d/>
-    <dgm:txPr/>
-    <dgm:style>
-      <a:lnRef idx="2">
-        <a:scrgbClr r="0" g="0" b="0"/>
-      </a:lnRef>
-      <a:fillRef idx="1">
-        <a:scrgbClr r="0" g="0" b="0"/>
-      </a:fillRef>
-      <a:effectRef idx="0">
-        <a:scrgbClr r="0" g="0" b="0"/>
-      </a:effectRef>
-      <a:fontRef idx="minor">
-        <a:schemeClr val="lt1"/>
-      </a:fontRef>
-    </dgm:style>
-  </dgm:styleLbl>
-  <dgm:styleLbl name="node4">
-    <dgm:scene3d>
-      <a:camera prst="orthographicFront"/>
-      <a:lightRig rig="threePt" dir="t"/>
-    </dgm:scene3d>
-    <dgm:sp3d/>
-    <dgm:txPr/>
-    <dgm:style>
-      <a:lnRef idx="2">
-        <a:scrgbClr r="0" g="0" b="0"/>
-      </a:lnRef>
-      <a:fillRef idx="1">
-        <a:scrgbClr r="0" g="0" b="0"/>
-      </a:fillRef>
-      <a:effectRef idx="0">
-        <a:scrgbClr r="0" g="0" b="0"/>
-      </a:effectRef>
-      <a:fontRef idx="minor">
-        <a:schemeClr val="lt1"/>
-      </a:fontRef>
-    </dgm:style>
-  </dgm:styleLbl>
-  <dgm:styleLbl name="fgImgPlace1">
-    <dgm:scene3d>
-      <a:camera prst="orthographicFront"/>
-      <a:lightRig rig="threePt" dir="t"/>
-    </dgm:scene3d>
-    <dgm:sp3d/>
-    <dgm:txPr/>
-    <dgm:style>
-      <a:lnRef idx="2">
-        <a:scrgbClr r="0" g="0" b="0"/>
-      </a:lnRef>
-      <a:fillRef idx="1">
-        <a:scrgbClr r="0" g="0" b="0"/>
-      </a:fillRef>
-      <a:effectRef idx="0">
-        <a:scrgbClr r="0" g="0" b="0"/>
-      </a:effectRef>
-      <a:fontRef idx="minor"/>
-    </dgm:style>
-  </dgm:styleLbl>
-  <dgm:styleLbl name="alignImgPlace1">
-    <dgm:scene3d>
-      <a:camera prst="orthographicFront"/>
-      <a:lightRig rig="threePt" dir="t"/>
-    </dgm:scene3d>
-    <dgm:sp3d/>
-    <dgm:txPr/>
-    <dgm:style>
-      <a:lnRef idx="2">
-        <a:scrgbClr r="0" g="0" b="0"/>
-      </a:lnRef>
-      <a:fillRef idx="1">
-        <a:scrgbClr r="0" g="0" b="0"/>
-      </a:fillRef>
-      <a:effectRef idx="0">
-        <a:scrgbClr r="0" g="0" b="0"/>
-      </a:effectRef>
-      <a:fontRef idx="minor"/>
-    </dgm:style>
-  </dgm:styleLbl>
-  <dgm:styleLbl name="bgImgPlace1">
-    <dgm:scene3d>
-      <a:camera prst="orthographicFront"/>
-      <a:lightRig rig="threePt" dir="t"/>
-    </dgm:scene3d>
-    <dgm:sp3d/>
-    <dgm:txPr/>
-    <dgm:style>
-      <a:lnRef idx="2">
-        <a:scrgbClr r="0" g="0" b="0"/>
-      </a:lnRef>
-      <a:fillRef idx="1">
-        <a:scrgbClr r="0" g="0" b="0"/>
-      </a:fillRef>
-      <a:effectRef idx="0">
-        <a:scrgbClr r="0" g="0" b="0"/>
-      </a:effectRef>
-      <a:fontRef idx="minor"/>
-    </dgm:style>
-  </dgm:styleLbl>
-  <dgm:styleLbl name="sibTrans2D1">
-    <dgm:scene3d>
-      <a:camera prst="orthographicFront"/>
-      <a:lightRig rig="threePt" dir="t"/>
-    </dgm:scene3d>
-    <dgm:sp3d/>
-    <dgm:txPr/>
-    <dgm:style>
-      <a:lnRef idx="0">
-        <a:scrgbClr r="0" g="0" b="0"/>
-      </a:lnRef>
-      <a:fillRef idx="1">
-        <a:scrgbClr r="0" g="0" b="0"/>
-      </a:fillRef>
-      <a:effectRef idx="0">
-        <a:scrgbClr r="0" g="0" b="0"/>
-      </a:effectRef>
-      <a:fontRef idx="minor">
-        <a:schemeClr val="lt1"/>
-      </a:fontRef>
-    </dgm:style>
-  </dgm:styleLbl>
-  <dgm:styleLbl name="fgSibTrans2D1">
-    <dgm:scene3d>
-      <a:camera prst="orthographicFront"/>
-      <a:lightRig rig="threePt" dir="t"/>
-    </dgm:scene3d>
-    <dgm:sp3d/>
-    <dgm:txPr/>
-    <dgm:style>
-      <a:lnRef idx="0">
-        <a:scrgbClr r="0" g="0" b="0"/>
-      </a:lnRef>
-      <a:fillRef idx="1">
-        <a:scrgbClr r="0" g="0" b="0"/>
-      </a:fillRef>
-      <a:effectRef idx="0">
-        <a:scrgbClr r="0" g="0" b="0"/>
-      </a:effectRef>
-      <a:fontRef idx="minor">
-        <a:schemeClr val="lt1"/>
-      </a:fontRef>
-    </dgm:style>
-  </dgm:styleLbl>
-  <dgm:styleLbl name="bgSibTrans2D1">
-    <dgm:scene3d>
-      <a:camera prst="orthographicFront"/>
-      <a:lightRig rig="threePt" dir="t"/>
-    </dgm:scene3d>
-    <dgm:sp3d/>
-    <dgm:txPr/>
-    <dgm:style>
-      <a:lnRef idx="0">
-        <a:scrgbClr r="0" g="0" b="0"/>
-      </a:lnRef>
-      <a:fillRef idx="1">
-        <a:scrgbClr r="0" g="0" b="0"/>
-      </a:fillRef>
-      <a:effectRef idx="0">
-        <a:scrgbClr r="0" g="0" b="0"/>
-      </a:effectRef>
-      <a:fontRef idx="minor">
-        <a:schemeClr val="lt1"/>
-      </a:fontRef>
-    </dgm:style>
-  </dgm:styleLbl>
-  <dgm:styleLbl name="sibTrans1D1">
-    <dgm:scene3d>
-      <a:camera prst="orthographicFront"/>
-      <a:lightRig rig="threePt" dir="t"/>
-    </dgm:scene3d>
-    <dgm:sp3d/>
-    <dgm:txPr/>
-    <dgm:style>
-      <a:lnRef idx="1">
-        <a:scrgbClr r="0" g="0" b="0"/>
-      </a:lnRef>
-      <a:fillRef idx="0">
-        <a:scrgbClr r="0" g="0" b="0"/>
-      </a:fillRef>
-      <a:effectRef idx="0">
-        <a:scrgbClr r="0" g="0" b="0"/>
-      </a:effectRef>
-      <a:fontRef idx="minor"/>
-    </dgm:style>
-  </dgm:styleLbl>
-  <dgm:styleLbl name="callout">
-    <dgm:scene3d>
-      <a:camera prst="orthographicFront"/>
-      <a:lightRig rig="threePt" dir="t"/>
-    </dgm:scene3d>
-    <dgm:sp3d/>
-    <dgm:txPr/>
-    <dgm:style>
-      <a:lnRef idx="2">
-        <a:scrgbClr r="0" g="0" b="0"/>
-      </a:lnRef>
-      <a:fillRef idx="1">
-        <a:scrgbClr r="0" g="0" b="0"/>
-      </a:fillRef>
-      <a:effectRef idx="0">
-        <a:scrgbClr r="0" g="0" b="0"/>
-      </a:effectRef>
-      <a:fontRef idx="minor"/>
-    </dgm:style>
-  </dgm:styleLbl>
-  <dgm:styleLbl name="asst0">
-    <dgm:scene3d>
-      <a:camera prst="orthographicFront"/>
-      <a:lightRig rig="threePt" dir="t"/>
-    </dgm:scene3d>
-    <dgm:sp3d/>
-    <dgm:txPr/>
-    <dgm:style>
-      <a:lnRef idx="2">
-        <a:scrgbClr r="0" g="0" b="0"/>
-      </a:lnRef>
-      <a:fillRef idx="1">
-        <a:scrgbClr r="0" g="0" b="0"/>
-      </a:fillRef>
-      <a:effectRef idx="0">
-        <a:scrgbClr r="0" g="0" b="0"/>
-      </a:effectRef>
-      <a:fontRef idx="minor">
-        <a:schemeClr val="lt1"/>
-      </a:fontRef>
-    </dgm:style>
-  </dgm:styleLbl>
-  <dgm:styleLbl name="asst1">
-    <dgm:scene3d>
-      <a:camera prst="orthographicFront"/>
-      <a:lightRig rig="threePt" dir="t"/>
-    </dgm:scene3d>
-    <dgm:sp3d/>
-    <dgm:txPr/>
-    <dgm:style>
-      <a:lnRef idx="2">
-        <a:scrgbClr r="0" g="0" b="0"/>
-      </a:lnRef>
-      <a:fillRef idx="1">
-        <a:scrgbClr r="0" g="0" b="0"/>
-      </a:fillRef>
-      <a:effectRef idx="0">
-        <a:scrgbClr r="0" g="0" b="0"/>
-      </a:effectRef>
-      <a:fontRef idx="minor">
-        <a:schemeClr val="lt1"/>
-      </a:fontRef>
-    </dgm:style>
-  </dgm:styleLbl>
-  <dgm:styleLbl name="asst2">
-    <dgm:scene3d>
-      <a:camera prst="orthographicFront"/>
-      <a:lightRig rig="threePt" dir="t"/>
-    </dgm:scene3d>
-    <dgm:sp3d/>
-    <dgm:txPr/>
-    <dgm:style>
-      <a:lnRef idx="2">
-        <a:scrgbClr r="0" g="0" b="0"/>
-      </a:lnRef>
-      <a:fillRef idx="1">
-        <a:scrgbClr r="0" g="0" b="0"/>
-      </a:fillRef>
-      <a:effectRef idx="0">
-        <a:scrgbClr r="0" g="0" b="0"/>
-      </a:effectRef>
-      <a:fontRef idx="minor">
-        <a:schemeClr val="lt1"/>
-      </a:fontRef>
-    </dgm:style>
-  </dgm:styleLbl>
-  <dgm:styleLbl name="asst3">
-    <dgm:scene3d>
-      <a:camera prst="orthographicFront"/>
-      <a:lightRig rig="threePt" dir="t"/>
-    </dgm:scene3d>
-    <dgm:sp3d/>
-    <dgm:txPr/>
-    <dgm:style>
-      <a:lnRef idx="2">
-        <a:scrgbClr r="0" g="0" b="0"/>
-      </a:lnRef>
-      <a:fillRef idx="1">
-        <a:scrgbClr r="0" g="0" b="0"/>
-      </a:fillRef>
-      <a:effectRef idx="0">
-        <a:scrgbClr r="0" g="0" b="0"/>
-      </a:effectRef>
-      <a:fontRef idx="minor">
-        <a:schemeClr val="lt1"/>
-      </a:fontRef>
-    </dgm:style>
-  </dgm:styleLbl>
-  <dgm:styleLbl name="asst4">
-    <dgm:scene3d>
-      <a:camera prst="orthographicFront"/>
-      <a:lightRig rig="threePt" dir="t"/>
-    </dgm:scene3d>
-    <dgm:sp3d/>
-    <dgm:txPr/>
-    <dgm:style>
-      <a:lnRef idx="2">
-        <a:scrgbClr r="0" g="0" b="0"/>
-      </a:lnRef>
-      <a:fillRef idx="1">
-        <a:scrgbClr r="0" g="0" b="0"/>
-      </a:fillRef>
-      <a:effectRef idx="0">
-        <a:scrgbClr r="0" g="0" b="0"/>
-      </a:effectRef>
-      <a:fontRef idx="minor">
-        <a:schemeClr val="lt1"/>
-      </a:fontRef>
-    </dgm:style>
-  </dgm:styleLbl>
-  <dgm:styleLbl name="parChTrans2D1">
-    <dgm:scene3d>
-      <a:camera prst="orthographicFront"/>
-      <a:lightRig rig="threePt" dir="t"/>
-    </dgm:scene3d>
-    <dgm:sp3d/>
-    <dgm:txPr/>
-    <dgm:style>
-      <a:lnRef idx="2">
-        <a:scrgbClr r="0" g="0" b="0"/>
-      </a:lnRef>
-      <a:fillRef idx="1">
-        <a:scrgbClr r="0" g="0" b="0"/>
-      </a:fillRef>
-      <a:effectRef idx="0">
-        <a:scrgbClr r="0" g="0" b="0"/>
-      </a:effectRef>
-      <a:fontRef idx="minor">
-        <a:schemeClr val="lt1"/>
-      </a:fontRef>
-    </dgm:style>
-  </dgm:styleLbl>
-  <dgm:styleLbl name="parChTrans2D2">
-    <dgm:scene3d>
-      <a:camera prst="orthographicFront"/>
-      <a:lightRig rig="threePt" dir="t"/>
-    </dgm:scene3d>
-    <dgm:sp3d/>
-    <dgm:txPr/>
-    <dgm:style>
-      <a:lnRef idx="2">
-        <a:scrgbClr r="0" g="0" b="0"/>
-      </a:lnRef>
-      <a:fillRef idx="1">
-        <a:scrgbClr r="0" g="0" b="0"/>
-      </a:fillRef>
-      <a:effectRef idx="0">
-        <a:scrgbClr r="0" g="0" b="0"/>
-      </a:effectRef>
-      <a:fontRef idx="minor">
-        <a:schemeClr val="lt1"/>
-      </a:fontRef>
-    </dgm:style>
-  </dgm:styleLbl>
-  <dgm:styleLbl name="parChTrans2D3">
-    <dgm:scene3d>
-      <a:camera prst="orthographicFront"/>
-      <a:lightRig rig="threePt" dir="t"/>
-    </dgm:scene3d>
-    <dgm:sp3d/>
-    <dgm:txPr/>
-    <dgm:style>
-      <a:lnRef idx="2">
-        <a:scrgbClr r="0" g="0" b="0"/>
-      </a:lnRef>
-      <a:fillRef idx="1">
-        <a:scrgbClr r="0" g="0" b="0"/>
-      </a:fillRef>
-      <a:effectRef idx="0">
-        <a:scrgbClr r="0" g="0" b="0"/>
-      </a:effectRef>
-      <a:fontRef idx="minor">
-        <a:schemeClr val="lt1"/>
-      </a:fontRef>
-    </dgm:style>
-  </dgm:styleLbl>
-  <dgm:styleLbl name="parChTrans2D4">
-    <dgm:scene3d>
-      <a:camera prst="orthographicFront"/>
-      <a:lightRig rig="threePt" dir="t"/>
-    </dgm:scene3d>
-    <dgm:sp3d/>
-    <dgm:txPr/>
-    <dgm:style>
-      <a:lnRef idx="2">
-        <a:scrgbClr r="0" g="0" b="0"/>
-      </a:lnRef>
-      <a:fillRef idx="1">
-        <a:scrgbClr r="0" g="0" b="0"/>
-      </a:fillRef>
-      <a:effectRef idx="0">
-        <a:scrgbClr r="0" g="0" b="0"/>
-      </a:effectRef>
-      <a:fontRef idx="minor">
-        <a:schemeClr val="lt1"/>
-      </a:fontRef>
-    </dgm:style>
-  </dgm:styleLbl>
-  <dgm:styleLbl name="parChTrans1D1">
-    <dgm:scene3d>
-      <a:camera prst="orthographicFront"/>
-      <a:lightRig rig="threePt" dir="t"/>
-    </dgm:scene3d>
-    <dgm:sp3d/>
-    <dgm:txPr/>
-    <dgm:style>
-      <a:lnRef idx="2">
-        <a:scrgbClr r="0" g="0" b="0"/>
-      </a:lnRef>
-      <a:fillRef idx="0">
-        <a:scrgbClr r="0" g="0" b="0"/>
-      </a:fillRef>
-      <a:effectRef idx="0">
-        <a:scrgbClr r="0" g="0" b="0"/>
-      </a:effectRef>
-      <a:fontRef idx="minor"/>
-    </dgm:style>
-  </dgm:styleLbl>
-  <dgm:styleLbl name="parChTrans1D2">
-    <dgm:scene3d>
-      <a:camera prst="orthographicFront"/>
-      <a:lightRig rig="threePt" dir="t"/>
-    </dgm:scene3d>
-    <dgm:sp3d/>
-    <dgm:txPr/>
-    <dgm:style>
-      <a:lnRef idx="2">
-        <a:scrgbClr r="0" g="0" b="0"/>
-      </a:lnRef>
-      <a:fillRef idx="0">
-        <a:scrgbClr r="0" g="0" b="0"/>
-      </a:fillRef>
-      <a:effectRef idx="0">
-        <a:scrgbClr r="0" g="0" b="0"/>
-      </a:effectRef>
-      <a:fontRef idx="minor"/>
-    </dgm:style>
-  </dgm:styleLbl>
-  <dgm:styleLbl name="parChTrans1D3">
-    <dgm:scene3d>
-      <a:camera prst="orthographicFront"/>
-      <a:lightRig rig="threePt" dir="t"/>
-    </dgm:scene3d>
-    <dgm:sp3d/>
-    <dgm:txPr/>
-    <dgm:style>
-      <a:lnRef idx="2">
-        <a:scrgbClr r="0" g="0" b="0"/>
-      </a:lnRef>
-      <a:fillRef idx="0">
-        <a:scrgbClr r="0" g="0" b="0"/>
-      </a:fillRef>
-      <a:effectRef idx="0">
-        <a:scrgbClr r="0" g="0" b="0"/>
-      </a:effectRef>
-      <a:fontRef idx="minor"/>
-    </dgm:style>
-  </dgm:styleLbl>
-  <dgm:styleLbl name="parChTrans1D4">
-    <dgm:scene3d>
-      <a:camera prst="orthographicFront"/>
-      <a:lightRig rig="threePt" dir="t"/>
-    </dgm:scene3d>
-    <dgm:sp3d/>
-    <dgm:txPr/>
-    <dgm:style>
-      <a:lnRef idx="2">
-        <a:scrgbClr r="0" g="0" b="0"/>
-      </a:lnRef>
-      <a:fillRef idx="0">
-        <a:scrgbClr r="0" g="0" b="0"/>
-      </a:fillRef>
-      <a:effectRef idx="0">
-        <a:scrgbClr r="0" g="0" b="0"/>
-      </a:effectRef>
-      <a:fontRef idx="minor"/>
-    </dgm:style>
-  </dgm:styleLbl>
-  <dgm:styleLbl name="fgAcc1">
-    <dgm:scene3d>
-      <a:camera prst="orthographicFront"/>
-      <a:lightRig rig="threePt" dir="t"/>
-    </dgm:scene3d>
-    <dgm:sp3d/>
-    <dgm:txPr/>
-    <dgm:style>
-      <a:lnRef idx="2">
-        <a:scrgbClr r="0" g="0" b="0"/>
-      </a:lnRef>
-      <a:fillRef idx="1">
-        <a:scrgbClr r="0" g="0" b="0"/>
-      </a:fillRef>
-      <a:effectRef idx="0">
-        <a:scrgbClr r="0" g="0" b="0"/>
-      </a:effectRef>
-      <a:fontRef idx="minor"/>
-    </dgm:style>
-  </dgm:styleLbl>
-  <dgm:styleLbl name="conFgAcc1">
-    <dgm:scene3d>
-      <a:camera prst="orthographicFront"/>
-      <a:lightRig rig="threePt" dir="t"/>
-    </dgm:scene3d>
-    <dgm:sp3d/>
-    <dgm:txPr/>
-    <dgm:style>
-      <a:lnRef idx="2">
-        <a:scrgbClr r="0" g="0" b="0"/>
-      </a:lnRef>
-      <a:fillRef idx="1">
-        <a:scrgbClr r="0" g="0" b="0"/>
-      </a:fillRef>
-      <a:effectRef idx="0">
-        <a:scrgbClr r="0" g="0" b="0"/>
-      </a:effectRef>
-      <a:fontRef idx="minor"/>
-    </dgm:style>
-  </dgm:styleLbl>
-  <dgm:styleLbl name="alignAcc1">
-    <dgm:scene3d>
-      <a:camera prst="orthographicFront"/>
-      <a:lightRig rig="threePt" dir="t"/>
-    </dgm:scene3d>
-    <dgm:sp3d/>
-    <dgm:txPr/>
-    <dgm:style>
-      <a:lnRef idx="2">
-        <a:scrgbClr r="0" g="0" b="0"/>
-      </a:lnRef>
-      <a:fillRef idx="1">
-        <a:scrgbClr r="0" g="0" b="0"/>
-      </a:fillRef>
-      <a:effectRef idx="0">
-        <a:scrgbClr r="0" g="0" b="0"/>
-      </a:effectRef>
-      <a:fontRef idx="minor"/>
-    </dgm:style>
-  </dgm:styleLbl>
-  <dgm:styleLbl name="trAlignAcc1">
-    <dgm:scene3d>
-      <a:camera prst="orthographicFront"/>
-      <a:lightRig rig="threePt" dir="t"/>
-    </dgm:scene3d>
-    <dgm:sp3d/>
-    <dgm:txPr/>
-    <dgm:style>
-      <a:lnRef idx="1">
-        <a:scrgbClr r="0" g="0" b="0"/>
-      </a:lnRef>
-      <a:fillRef idx="1">
-        <a:scrgbClr r="0" g="0" b="0"/>
-      </a:fillRef>
-      <a:effectRef idx="0">
-        <a:scrgbClr r="0" g="0" b="0"/>
-      </a:effectRef>
-      <a:fontRef idx="minor"/>
-    </dgm:style>
-  </dgm:styleLbl>
-  <dgm:styleLbl name="bgAcc1">
-    <dgm:scene3d>
-      <a:camera prst="orthographicFront"/>
-      <a:lightRig rig="threePt" dir="t"/>
-    </dgm:scene3d>
-    <dgm:sp3d/>
-    <dgm:txPr/>
-    <dgm:style>
-      <a:lnRef idx="2">
-        <a:scrgbClr r="0" g="0" b="0"/>
-      </a:lnRef>
-      <a:fillRef idx="1">
-        <a:scrgbClr r="0" g="0" b="0"/>
-      </a:fillRef>
-      <a:effectRef idx="0">
-        <a:scrgbClr r="0" g="0" b="0"/>
-      </a:effectRef>
-      <a:fontRef idx="minor"/>
-    </dgm:style>
-  </dgm:styleLbl>
-  <dgm:styleLbl name="solidFgAcc1">
-    <dgm:scene3d>
-      <a:camera prst="orthographicFront"/>
-      <a:lightRig rig="threePt" dir="t"/>
-    </dgm:scene3d>
-    <dgm:sp3d/>
-    <dgm:txPr/>
-    <dgm:style>
-      <a:lnRef idx="2">
-        <a:scrgbClr r="0" g="0" b="0"/>
-      </a:lnRef>
-      <a:fillRef idx="1">
-        <a:scrgbClr r="0" g="0" b="0"/>
-      </a:fillRef>
-      <a:effectRef idx="0">
-        <a:scrgbClr r="0" g="0" b="0"/>
-      </a:effectRef>
-      <a:fontRef idx="minor"/>
-    </dgm:style>
-  </dgm:styleLbl>
-  <dgm:styleLbl name="solidAlignAcc1">
-    <dgm:scene3d>
-      <a:camera prst="orthographicFront"/>
-      <a:lightRig rig="threePt" dir="t"/>
-    </dgm:scene3d>
-    <dgm:sp3d/>
-    <dgm:txPr/>
-    <dgm:style>
-      <a:lnRef idx="2">
-        <a:scrgbClr r="0" g="0" b="0"/>
-      </a:lnRef>
-      <a:fillRef idx="1">
-        <a:scrgbClr r="0" g="0" b="0"/>
-      </a:fillRef>
-      <a:effectRef idx="0">
-        <a:scrgbClr r="0" g="0" b="0"/>
-      </a:effectRef>
-      <a:fontRef idx="minor"/>
-    </dgm:style>
-  </dgm:styleLbl>
-  <dgm:styleLbl name="solidBgAcc1">
-    <dgm:scene3d>
-      <a:camera prst="orthographicFront"/>
-      <a:lightRig rig="threePt" dir="t"/>
-    </dgm:scene3d>
-    <dgm:sp3d/>
-    <dgm:txPr/>
-    <dgm:style>
-      <a:lnRef idx="2">
-        <a:scrgbClr r="0" g="0" b="0"/>
-      </a:lnRef>
-      <a:fillRef idx="1">
-        <a:scrgbClr r="0" g="0" b="0"/>
-      </a:fillRef>
-      <a:effectRef idx="0">
-        <a:scrgbClr r="0" g="0" b="0"/>
-      </a:effectRef>
-      <a:fontRef idx="minor"/>
-    </dgm:style>
-  </dgm:styleLbl>
-  <dgm:styleLbl name="fgAccFollowNode1">
-    <dgm:scene3d>
-      <a:camera prst="orthographicFront"/>
-      <a:lightRig rig="threePt" dir="t"/>
-    </dgm:scene3d>
-    <dgm:sp3d/>
-    <dgm:txPr/>
-    <dgm:style>
-      <a:lnRef idx="2">
-        <a:scrgbClr r="0" g="0" b="0"/>
-      </a:lnRef>
-      <a:fillRef idx="1">
-        <a:scrgbClr r="0" g="0" b="0"/>
-      </a:fillRef>
-      <a:effectRef idx="0">
-        <a:scrgbClr r="0" g="0" b="0"/>
-      </a:effectRef>
-      <a:fontRef idx="minor"/>
-    </dgm:style>
-  </dgm:styleLbl>
-  <dgm:styleLbl name="alignAccFollowNode1">
-    <dgm:scene3d>
-      <a:camera prst="orthographicFront"/>
-      <a:lightRig rig="threePt" dir="t"/>
-    </dgm:scene3d>
-    <dgm:sp3d/>
-    <dgm:txPr/>
-    <dgm:style>
-      <a:lnRef idx="2">
-        <a:scrgbClr r="0" g="0" b="0"/>
-      </a:lnRef>
-      <a:fillRef idx="1">
-        <a:scrgbClr r="0" g="0" b="0"/>
-      </a:fillRef>
-      <a:effectRef idx="0">
-        <a:scrgbClr r="0" g="0" b="0"/>
-      </a:effectRef>
-      <a:fontRef idx="minor"/>
-    </dgm:style>
-  </dgm:styleLbl>
-  <dgm:styleLbl name="bgAccFollowNode1">
-    <dgm:scene3d>
-      <a:camera prst="orthographicFront"/>
-      <a:lightRig rig="threePt" dir="t"/>
-    </dgm:scene3d>
-    <dgm:sp3d/>
-    <dgm:txPr/>
-    <dgm:style>
-      <a:lnRef idx="2">
-        <a:scrgbClr r="0" g="0" b="0"/>
-      </a:lnRef>
-      <a:fillRef idx="1">
-        <a:scrgbClr r="0" g="0" b="0"/>
-      </a:fillRef>
-      <a:effectRef idx="0">
-        <a:scrgbClr r="0" g="0" b="0"/>
-      </a:effectRef>
-      <a:fontRef idx="minor"/>
-    </dgm:style>
-  </dgm:styleLbl>
-  <dgm:styleLbl name="fgAcc0">
-    <dgm:scene3d>
-      <a:camera prst="orthographicFront"/>
-      <a:lightRig rig="threePt" dir="t"/>
-    </dgm:scene3d>
-    <dgm:sp3d/>
-    <dgm:txPr/>
-    <dgm:style>
-      <a:lnRef idx="2">
-        <a:scrgbClr r="0" g="0" b="0"/>
-      </a:lnRef>
-      <a:fillRef idx="1">
-        <a:scrgbClr r="0" g="0" b="0"/>
-      </a:fillRef>
-      <a:effectRef idx="0">
-        <a:scrgbClr r="0" g="0" b="0"/>
-      </a:effectRef>
-      <a:fontRef idx="minor"/>
-    </dgm:style>
-  </dgm:styleLbl>
-  <dgm:styleLbl name="fgAcc2">
-    <dgm:scene3d>
-      <a:camera prst="orthographicFront"/>
-      <a:lightRig rig="threePt" dir="t"/>
-    </dgm:scene3d>
-    <dgm:sp3d/>
-    <dgm:txPr/>
-    <dgm:style>
-      <a:lnRef idx="2">
-        <a:scrgbClr r="0" g="0" b="0"/>
-      </a:lnRef>
-      <a:fillRef idx="1">
-        <a:scrgbClr r="0" g="0" b="0"/>
-      </a:fillRef>
-      <a:effectRef idx="0">
-        <a:scrgbClr r="0" g="0" b="0"/>
-      </a:effectRef>
-      <a:fontRef idx="minor"/>
-    </dgm:style>
-  </dgm:styleLbl>
-  <dgm:styleLbl name="fgAcc3">
-    <dgm:scene3d>
-      <a:camera prst="orthographicFront"/>
-      <a:lightRig rig="threePt" dir="t"/>
-    </dgm:scene3d>
-    <dgm:sp3d/>
-    <dgm:txPr/>
-    <dgm:style>
-      <a:lnRef idx="2">
-        <a:scrgbClr r="0" g="0" b="0"/>
-      </a:lnRef>
-      <a:fillRef idx="1">
-        <a:scrgbClr r="0" g="0" b="0"/>
-      </a:fillRef>
-      <a:effectRef idx="0">
-        <a:scrgbClr r="0" g="0" b="0"/>
-      </a:effectRef>
-      <a:fontRef idx="minor"/>
-    </dgm:style>
-  </dgm:styleLbl>
-  <dgm:styleLbl name="fgAcc4">
-    <dgm:scene3d>
-      <a:camera prst="orthographicFront"/>
-      <a:lightRig rig="threePt" dir="t"/>
-    </dgm:scene3d>
-    <dgm:sp3d/>
-    <dgm:txPr/>
-    <dgm:style>
-      <a:lnRef idx="2">
-        <a:scrgbClr r="0" g="0" b="0"/>
-      </a:lnRef>
-      <a:fillRef idx="1">
-        <a:scrgbClr r="0" g="0" b="0"/>
-      </a:fillRef>
-      <a:effectRef idx="0">
-        <a:scrgbClr r="0" g="0" b="0"/>
-      </a:effectRef>
-      <a:fontRef idx="minor"/>
-    </dgm:style>
-  </dgm:styleLbl>
-  <dgm:styleLbl name="bgShp">
-    <dgm:scene3d>
-      <a:camera prst="orthographicFront"/>
-      <a:lightRig rig="threePt" dir="t"/>
-    </dgm:scene3d>
-    <dgm:sp3d/>
-    <dgm:txPr/>
-    <dgm:style>
-      <a:lnRef idx="0">
-        <a:scrgbClr r="0" g="0" b="0"/>
-      </a:lnRef>
-      <a:fillRef idx="1">
-        <a:scrgbClr r="0" g="0" b="0"/>
-      </a:fillRef>
-      <a:effectRef idx="0">
-        <a:scrgbClr r="0" g="0" b="0"/>
-      </a:effectRef>
-      <a:fontRef idx="minor"/>
-    </dgm:style>
-  </dgm:styleLbl>
-  <dgm:styleLbl name="dkBgShp">
-    <dgm:scene3d>
-      <a:camera prst="orthographicFront"/>
-      <a:lightRig rig="threePt" dir="t"/>
-    </dgm:scene3d>
-    <dgm:sp3d/>
-    <dgm:txPr/>
-    <dgm:style>
-      <a:lnRef idx="0">
-        <a:scrgbClr r="0" g="0" b="0"/>
-      </a:lnRef>
-      <a:fillRef idx="1">
-        <a:scrgbClr r="0" g="0" b="0"/>
-      </a:fillRef>
-      <a:effectRef idx="0">
-        <a:scrgbClr r="0" g="0" b="0"/>
-      </a:effectRef>
-      <a:fontRef idx="minor"/>
-    </dgm:style>
-  </dgm:styleLbl>
-  <dgm:styleLbl name="trBgShp">
-    <dgm:scene3d>
-      <a:camera prst="orthographicFront"/>
-      <a:lightRig rig="threePt" dir="t"/>
-    </dgm:scene3d>
-    <dgm:sp3d/>
-    <dgm:txPr/>
-    <dgm:style>
-      <a:lnRef idx="0">
-        <a:scrgbClr r="0" g="0" b="0"/>
-      </a:lnRef>
-      <a:fillRef idx="1">
-        <a:scrgbClr r="0" g="0" b="0"/>
-      </a:fillRef>
-      <a:effectRef idx="0">
-        <a:scrgbClr r="0" g="0" b="0"/>
-      </a:effectRef>
-      <a:fontRef idx="minor"/>
-    </dgm:style>
-  </dgm:styleLbl>
-  <dgm:styleLbl name="fgShp">
-    <dgm:scene3d>
-      <a:camera prst="orthographicFront"/>
-      <a:lightRig rig="threePt" dir="t"/>
-    </dgm:scene3d>
-    <dgm:sp3d/>
-    <dgm:txPr/>
-    <dgm:style>
-      <a:lnRef idx="2">
-        <a:scrgbClr r="0" g="0" b="0"/>
-      </a:lnRef>
-      <a:fillRef idx="1">
-        <a:scrgbClr r="0" g="0" b="0"/>
-      </a:fillRef>
-      <a:effectRef idx="0">
-        <a:scrgbClr r="0" g="0" b="0"/>
-      </a:effectRef>
-      <a:fontRef idx="minor"/>
-    </dgm:style>
-  </dgm:styleLbl>
-  <dgm:styleLbl name="revTx">
-    <dgm:scene3d>
-      <a:camera prst="orthographicFront"/>
-      <a:lightRig rig="threePt" dir="t"/>
-    </dgm:scene3d>
-    <dgm:sp3d/>
-    <dgm:txPr/>
-    <dgm:style>
-      <a:lnRef idx="0">
-        <a:scrgbClr r="0" g="0" b="0"/>
-      </a:lnRef>
-      <a:fillRef idx="0">
-        <a:scrgbClr r="0" g="0" b="0"/>
-      </a:fillRef>
-      <a:effectRef idx="0">
-        <a:scrgbClr r="0" g="0" b="0"/>
-      </a:effectRef>
-      <a:fontRef idx="minor"/>
-    </dgm:style>
-  </dgm:styleLbl>
-</dgm:styleDef>
 </file>
 
 <file path=ppt/handoutMasters/handoutMaster1.xml><?xml version="1.0" encoding="utf-8"?>
@@ -3890,517 +824,7 @@
     </p:spTree>
     <p:extLst>
       <p:ext uri="{BB962C8B-B14F-4D97-AF65-F5344CB8AC3E}">
-        <p14:creationId xmlns:p14="http://schemas.microsoft.com/office/powerpoint/2010/main" val="2314178517"/>
-      </p:ext>
-    </p:extLst>
-  </p:cSld>
-  <p:clrMapOvr>
-    <a:masterClrMapping/>
-  </p:clrMapOvr>
-</p:notes>
-</file>
-
-<file path=ppt/notesSlides/notesSlide11.xml><?xml version="1.0" encoding="utf-8"?>
-<p:notes xmlns:a="http://schemas.openxmlformats.org/drawingml/2006/main" xmlns:r="http://schemas.openxmlformats.org/officeDocument/2006/relationships" xmlns:p="http://schemas.openxmlformats.org/presentationml/2006/main">
-  <p:cSld>
-    <p:spTree>
-      <p:nvGrpSpPr>
-        <p:cNvPr id="1" name=""/>
-        <p:cNvGrpSpPr/>
-        <p:nvPr/>
-      </p:nvGrpSpPr>
-      <p:grpSpPr>
-        <a:xfrm>
-          <a:off x="0" y="0"/>
-          <a:ext cx="0" cy="0"/>
-          <a:chOff x="0" y="0"/>
-          <a:chExt cx="0" cy="0"/>
-        </a:xfrm>
-      </p:grpSpPr>
-      <p:sp>
-        <p:nvSpPr>
-          <p:cNvPr id="2" name="Symbol zastępczy obrazu slajdu 1"/>
-          <p:cNvSpPr>
-            <a:spLocks noGrp="1" noRot="1" noChangeAspect="1"/>
-          </p:cNvSpPr>
-          <p:nvPr>
-            <p:ph type="sldImg"/>
-          </p:nvPr>
-        </p:nvSpPr>
-        <p:spPr/>
-      </p:sp>
-      <p:sp>
-        <p:nvSpPr>
-          <p:cNvPr id="3" name="Symbol zastępczy notatek 2"/>
-          <p:cNvSpPr>
-            <a:spLocks noGrp="1"/>
-          </p:cNvSpPr>
-          <p:nvPr>
-            <p:ph type="body" idx="1"/>
-          </p:nvPr>
-        </p:nvSpPr>
-        <p:spPr/>
-        <p:txBody>
-          <a:bodyPr/>
-          <a:lstStyle/>
-          <a:p>
-            <a:endParaRPr lang="pl-PL"/>
-          </a:p>
-        </p:txBody>
-      </p:sp>
-      <p:sp>
-        <p:nvSpPr>
-          <p:cNvPr id="4" name="Symbol zastępczy numeru slajdu 3"/>
-          <p:cNvSpPr>
-            <a:spLocks noGrp="1"/>
-          </p:cNvSpPr>
-          <p:nvPr>
-            <p:ph type="sldNum" sz="quarter" idx="10"/>
-          </p:nvPr>
-        </p:nvSpPr>
-        <p:spPr/>
-        <p:txBody>
-          <a:bodyPr/>
-          <a:lstStyle/>
-          <a:p>
-            <a:pPr rtl="0"/>
-            <a:fld id="{82869989-EB00-4EE7-BCB5-25BDC5BB29F8}" type="slidenum">
-              <a:rPr lang="pl-PL" smtClean="0"/>
-              <a:t>11</a:t>
-            </a:fld>
-            <a:endParaRPr lang="pl-PL"/>
-          </a:p>
-        </p:txBody>
-      </p:sp>
-    </p:spTree>
-    <p:extLst>
-      <p:ext uri="{BB962C8B-B14F-4D97-AF65-F5344CB8AC3E}">
-        <p14:creationId xmlns:p14="http://schemas.microsoft.com/office/powerpoint/2010/main" val="3022718139"/>
-      </p:ext>
-    </p:extLst>
-  </p:cSld>
-  <p:clrMapOvr>
-    <a:masterClrMapping/>
-  </p:clrMapOvr>
-</p:notes>
-</file>
-
-<file path=ppt/notesSlides/notesSlide12.xml><?xml version="1.0" encoding="utf-8"?>
-<p:notes xmlns:a="http://schemas.openxmlformats.org/drawingml/2006/main" xmlns:r="http://schemas.openxmlformats.org/officeDocument/2006/relationships" xmlns:p="http://schemas.openxmlformats.org/presentationml/2006/main">
-  <p:cSld>
-    <p:spTree>
-      <p:nvGrpSpPr>
-        <p:cNvPr id="1" name=""/>
-        <p:cNvGrpSpPr/>
-        <p:nvPr/>
-      </p:nvGrpSpPr>
-      <p:grpSpPr>
-        <a:xfrm>
-          <a:off x="0" y="0"/>
-          <a:ext cx="0" cy="0"/>
-          <a:chOff x="0" y="0"/>
-          <a:chExt cx="0" cy="0"/>
-        </a:xfrm>
-      </p:grpSpPr>
-      <p:sp>
-        <p:nvSpPr>
-          <p:cNvPr id="2" name="Symbol zastępczy obrazu slajdu 1"/>
-          <p:cNvSpPr>
-            <a:spLocks noGrp="1" noRot="1" noChangeAspect="1"/>
-          </p:cNvSpPr>
-          <p:nvPr>
-            <p:ph type="sldImg"/>
-          </p:nvPr>
-        </p:nvSpPr>
-        <p:spPr/>
-      </p:sp>
-      <p:sp>
-        <p:nvSpPr>
-          <p:cNvPr id="3" name="Symbol zastępczy notatek 2"/>
-          <p:cNvSpPr>
-            <a:spLocks noGrp="1"/>
-          </p:cNvSpPr>
-          <p:nvPr>
-            <p:ph type="body" idx="1"/>
-          </p:nvPr>
-        </p:nvSpPr>
-        <p:spPr/>
-        <p:txBody>
-          <a:bodyPr/>
-          <a:lstStyle/>
-          <a:p>
-            <a:endParaRPr lang="pl-PL"/>
-          </a:p>
-        </p:txBody>
-      </p:sp>
-      <p:sp>
-        <p:nvSpPr>
-          <p:cNvPr id="4" name="Symbol zastępczy numeru slajdu 3"/>
-          <p:cNvSpPr>
-            <a:spLocks noGrp="1"/>
-          </p:cNvSpPr>
-          <p:nvPr>
-            <p:ph type="sldNum" sz="quarter" idx="10"/>
-          </p:nvPr>
-        </p:nvSpPr>
-        <p:spPr/>
-        <p:txBody>
-          <a:bodyPr/>
-          <a:lstStyle/>
-          <a:p>
-            <a:pPr rtl="0"/>
-            <a:fld id="{82869989-EB00-4EE7-BCB5-25BDC5BB29F8}" type="slidenum">
-              <a:rPr lang="pl-PL" smtClean="0"/>
-              <a:t>12</a:t>
-            </a:fld>
-            <a:endParaRPr lang="pl-PL"/>
-          </a:p>
-        </p:txBody>
-      </p:sp>
-    </p:spTree>
-    <p:extLst>
-      <p:ext uri="{BB962C8B-B14F-4D97-AF65-F5344CB8AC3E}">
-        <p14:creationId xmlns:p14="http://schemas.microsoft.com/office/powerpoint/2010/main" val="2704562944"/>
-      </p:ext>
-    </p:extLst>
-  </p:cSld>
-  <p:clrMapOvr>
-    <a:masterClrMapping/>
-  </p:clrMapOvr>
-</p:notes>
-</file>
-
-<file path=ppt/notesSlides/notesSlide13.xml><?xml version="1.0" encoding="utf-8"?>
-<p:notes xmlns:a="http://schemas.openxmlformats.org/drawingml/2006/main" xmlns:r="http://schemas.openxmlformats.org/officeDocument/2006/relationships" xmlns:p="http://schemas.openxmlformats.org/presentationml/2006/main">
-  <p:cSld>
-    <p:spTree>
-      <p:nvGrpSpPr>
-        <p:cNvPr id="1" name=""/>
-        <p:cNvGrpSpPr/>
-        <p:nvPr/>
-      </p:nvGrpSpPr>
-      <p:grpSpPr>
-        <a:xfrm>
-          <a:off x="0" y="0"/>
-          <a:ext cx="0" cy="0"/>
-          <a:chOff x="0" y="0"/>
-          <a:chExt cx="0" cy="0"/>
-        </a:xfrm>
-      </p:grpSpPr>
-      <p:sp>
-        <p:nvSpPr>
-          <p:cNvPr id="2" name="Symbol zastępczy obrazu slajdu 1"/>
-          <p:cNvSpPr>
-            <a:spLocks noGrp="1" noRot="1" noChangeAspect="1"/>
-          </p:cNvSpPr>
-          <p:nvPr>
-            <p:ph type="sldImg"/>
-          </p:nvPr>
-        </p:nvSpPr>
-        <p:spPr/>
-      </p:sp>
-      <p:sp>
-        <p:nvSpPr>
-          <p:cNvPr id="3" name="Symbol zastępczy notatek 2"/>
-          <p:cNvSpPr>
-            <a:spLocks noGrp="1"/>
-          </p:cNvSpPr>
-          <p:nvPr>
-            <p:ph type="body" idx="1"/>
-          </p:nvPr>
-        </p:nvSpPr>
-        <p:spPr/>
-        <p:txBody>
-          <a:bodyPr/>
-          <a:lstStyle/>
-          <a:p>
-            <a:endParaRPr lang="pl-PL"/>
-          </a:p>
-        </p:txBody>
-      </p:sp>
-      <p:sp>
-        <p:nvSpPr>
-          <p:cNvPr id="4" name="Symbol zastępczy numeru slajdu 3"/>
-          <p:cNvSpPr>
-            <a:spLocks noGrp="1"/>
-          </p:cNvSpPr>
-          <p:nvPr>
-            <p:ph type="sldNum" sz="quarter" idx="10"/>
-          </p:nvPr>
-        </p:nvSpPr>
-        <p:spPr/>
-        <p:txBody>
-          <a:bodyPr/>
-          <a:lstStyle/>
-          <a:p>
-            <a:pPr rtl="0"/>
-            <a:fld id="{82869989-EB00-4EE7-BCB5-25BDC5BB29F8}" type="slidenum">
-              <a:rPr lang="pl-PL" smtClean="0"/>
-              <a:t>13</a:t>
-            </a:fld>
-            <a:endParaRPr lang="pl-PL"/>
-          </a:p>
-        </p:txBody>
-      </p:sp>
-    </p:spTree>
-    <p:extLst>
-      <p:ext uri="{BB962C8B-B14F-4D97-AF65-F5344CB8AC3E}">
-        <p14:creationId xmlns:p14="http://schemas.microsoft.com/office/powerpoint/2010/main" val="2333077848"/>
-      </p:ext>
-    </p:extLst>
-  </p:cSld>
-  <p:clrMapOvr>
-    <a:masterClrMapping/>
-  </p:clrMapOvr>
-</p:notes>
-</file>
-
-<file path=ppt/notesSlides/notesSlide14.xml><?xml version="1.0" encoding="utf-8"?>
-<p:notes xmlns:a="http://schemas.openxmlformats.org/drawingml/2006/main" xmlns:r="http://schemas.openxmlformats.org/officeDocument/2006/relationships" xmlns:p="http://schemas.openxmlformats.org/presentationml/2006/main">
-  <p:cSld>
-    <p:spTree>
-      <p:nvGrpSpPr>
-        <p:cNvPr id="1" name=""/>
-        <p:cNvGrpSpPr/>
-        <p:nvPr/>
-      </p:nvGrpSpPr>
-      <p:grpSpPr>
-        <a:xfrm>
-          <a:off x="0" y="0"/>
-          <a:ext cx="0" cy="0"/>
-          <a:chOff x="0" y="0"/>
-          <a:chExt cx="0" cy="0"/>
-        </a:xfrm>
-      </p:grpSpPr>
-      <p:sp>
-        <p:nvSpPr>
-          <p:cNvPr id="2" name="Symbol zastępczy obrazu slajdu 1"/>
-          <p:cNvSpPr>
-            <a:spLocks noGrp="1" noRot="1" noChangeAspect="1"/>
-          </p:cNvSpPr>
-          <p:nvPr>
-            <p:ph type="sldImg"/>
-          </p:nvPr>
-        </p:nvSpPr>
-        <p:spPr/>
-      </p:sp>
-      <p:sp>
-        <p:nvSpPr>
-          <p:cNvPr id="3" name="Symbol zastępczy notatek 2"/>
-          <p:cNvSpPr>
-            <a:spLocks noGrp="1"/>
-          </p:cNvSpPr>
-          <p:nvPr>
-            <p:ph type="body" idx="1"/>
-          </p:nvPr>
-        </p:nvSpPr>
-        <p:spPr/>
-        <p:txBody>
-          <a:bodyPr/>
-          <a:lstStyle/>
-          <a:p>
-            <a:endParaRPr lang="pl-PL"/>
-          </a:p>
-        </p:txBody>
-      </p:sp>
-      <p:sp>
-        <p:nvSpPr>
-          <p:cNvPr id="4" name="Symbol zastępczy numeru slajdu 3"/>
-          <p:cNvSpPr>
-            <a:spLocks noGrp="1"/>
-          </p:cNvSpPr>
-          <p:nvPr>
-            <p:ph type="sldNum" sz="quarter" idx="10"/>
-          </p:nvPr>
-        </p:nvSpPr>
-        <p:spPr/>
-        <p:txBody>
-          <a:bodyPr/>
-          <a:lstStyle/>
-          <a:p>
-            <a:pPr rtl="0"/>
-            <a:fld id="{82869989-EB00-4EE7-BCB5-25BDC5BB29F8}" type="slidenum">
-              <a:rPr lang="pl-PL" smtClean="0"/>
-              <a:t>14</a:t>
-            </a:fld>
-            <a:endParaRPr lang="pl-PL"/>
-          </a:p>
-        </p:txBody>
-      </p:sp>
-    </p:spTree>
-    <p:extLst>
-      <p:ext uri="{BB962C8B-B14F-4D97-AF65-F5344CB8AC3E}">
-        <p14:creationId xmlns:p14="http://schemas.microsoft.com/office/powerpoint/2010/main" val="970486069"/>
-      </p:ext>
-    </p:extLst>
-  </p:cSld>
-  <p:clrMapOvr>
-    <a:masterClrMapping/>
-  </p:clrMapOvr>
-</p:notes>
-</file>
-
-<file path=ppt/notesSlides/notesSlide15.xml><?xml version="1.0" encoding="utf-8"?>
-<p:notes xmlns:a="http://schemas.openxmlformats.org/drawingml/2006/main" xmlns:r="http://schemas.openxmlformats.org/officeDocument/2006/relationships" xmlns:p="http://schemas.openxmlformats.org/presentationml/2006/main">
-  <p:cSld>
-    <p:spTree>
-      <p:nvGrpSpPr>
-        <p:cNvPr id="1" name=""/>
-        <p:cNvGrpSpPr/>
-        <p:nvPr/>
-      </p:nvGrpSpPr>
-      <p:grpSpPr>
-        <a:xfrm>
-          <a:off x="0" y="0"/>
-          <a:ext cx="0" cy="0"/>
-          <a:chOff x="0" y="0"/>
-          <a:chExt cx="0" cy="0"/>
-        </a:xfrm>
-      </p:grpSpPr>
-      <p:sp>
-        <p:nvSpPr>
-          <p:cNvPr id="2" name="Symbol zastępczy obrazu slajdu 1"/>
-          <p:cNvSpPr>
-            <a:spLocks noGrp="1" noRot="1" noChangeAspect="1"/>
-          </p:cNvSpPr>
-          <p:nvPr>
-            <p:ph type="sldImg"/>
-          </p:nvPr>
-        </p:nvSpPr>
-        <p:spPr/>
-      </p:sp>
-      <p:sp>
-        <p:nvSpPr>
-          <p:cNvPr id="3" name="Symbol zastępczy notatek 2"/>
-          <p:cNvSpPr>
-            <a:spLocks noGrp="1"/>
-          </p:cNvSpPr>
-          <p:nvPr>
-            <p:ph type="body" idx="1"/>
-          </p:nvPr>
-        </p:nvSpPr>
-        <p:spPr/>
-        <p:txBody>
-          <a:bodyPr/>
-          <a:lstStyle/>
-          <a:p>
-            <a:endParaRPr lang="pl-PL"/>
-          </a:p>
-        </p:txBody>
-      </p:sp>
-      <p:sp>
-        <p:nvSpPr>
-          <p:cNvPr id="4" name="Symbol zastępczy numeru slajdu 3"/>
-          <p:cNvSpPr>
-            <a:spLocks noGrp="1"/>
-          </p:cNvSpPr>
-          <p:nvPr>
-            <p:ph type="sldNum" sz="quarter" idx="10"/>
-          </p:nvPr>
-        </p:nvSpPr>
-        <p:spPr/>
-        <p:txBody>
-          <a:bodyPr/>
-          <a:lstStyle/>
-          <a:p>
-            <a:pPr rtl="0"/>
-            <a:fld id="{82869989-EB00-4EE7-BCB5-25BDC5BB29F8}" type="slidenum">
-              <a:rPr lang="pl-PL" smtClean="0"/>
-              <a:t>15</a:t>
-            </a:fld>
-            <a:endParaRPr lang="pl-PL"/>
-          </a:p>
-        </p:txBody>
-      </p:sp>
-    </p:spTree>
-    <p:extLst>
-      <p:ext uri="{BB962C8B-B14F-4D97-AF65-F5344CB8AC3E}">
-        <p14:creationId xmlns:p14="http://schemas.microsoft.com/office/powerpoint/2010/main" val="3042752440"/>
-      </p:ext>
-    </p:extLst>
-  </p:cSld>
-  <p:clrMapOvr>
-    <a:masterClrMapping/>
-  </p:clrMapOvr>
-</p:notes>
-</file>
-
-<file path=ppt/notesSlides/notesSlide16.xml><?xml version="1.0" encoding="utf-8"?>
-<p:notes xmlns:a="http://schemas.openxmlformats.org/drawingml/2006/main" xmlns:r="http://schemas.openxmlformats.org/officeDocument/2006/relationships" xmlns:p="http://schemas.openxmlformats.org/presentationml/2006/main">
-  <p:cSld>
-    <p:spTree>
-      <p:nvGrpSpPr>
-        <p:cNvPr id="1" name=""/>
-        <p:cNvGrpSpPr/>
-        <p:nvPr/>
-      </p:nvGrpSpPr>
-      <p:grpSpPr>
-        <a:xfrm>
-          <a:off x="0" y="0"/>
-          <a:ext cx="0" cy="0"/>
-          <a:chOff x="0" y="0"/>
-          <a:chExt cx="0" cy="0"/>
-        </a:xfrm>
-      </p:grpSpPr>
-      <p:sp>
-        <p:nvSpPr>
-          <p:cNvPr id="2" name="Symbol zastępczy obrazu slajdu 1"/>
-          <p:cNvSpPr>
-            <a:spLocks noGrp="1" noRot="1" noChangeAspect="1"/>
-          </p:cNvSpPr>
-          <p:nvPr>
-            <p:ph type="sldImg"/>
-          </p:nvPr>
-        </p:nvSpPr>
-        <p:spPr/>
-      </p:sp>
-      <p:sp>
-        <p:nvSpPr>
-          <p:cNvPr id="3" name="Symbol zastępczy notatek 2"/>
-          <p:cNvSpPr>
-            <a:spLocks noGrp="1"/>
-          </p:cNvSpPr>
-          <p:nvPr>
-            <p:ph type="body" idx="1"/>
-          </p:nvPr>
-        </p:nvSpPr>
-        <p:spPr/>
-        <p:txBody>
-          <a:bodyPr/>
-          <a:lstStyle/>
-          <a:p>
-            <a:endParaRPr lang="pl-PL"/>
-          </a:p>
-        </p:txBody>
-      </p:sp>
-      <p:sp>
-        <p:nvSpPr>
-          <p:cNvPr id="4" name="Symbol zastępczy numeru slajdu 3"/>
-          <p:cNvSpPr>
-            <a:spLocks noGrp="1"/>
-          </p:cNvSpPr>
-          <p:nvPr>
-            <p:ph type="sldNum" sz="quarter" idx="10"/>
-          </p:nvPr>
-        </p:nvSpPr>
-        <p:spPr/>
-        <p:txBody>
-          <a:bodyPr/>
-          <a:lstStyle/>
-          <a:p>
-            <a:pPr rtl="0"/>
-            <a:fld id="{82869989-EB00-4EE7-BCB5-25BDC5BB29F8}" type="slidenum">
-              <a:rPr lang="pl-PL" smtClean="0"/>
-              <a:t>16</a:t>
-            </a:fld>
-            <a:endParaRPr lang="pl-PL"/>
-          </a:p>
-        </p:txBody>
-      </p:sp>
-    </p:spTree>
-    <p:extLst>
-      <p:ext uri="{BB962C8B-B14F-4D97-AF65-F5344CB8AC3E}">
-        <p14:creationId xmlns:p14="http://schemas.microsoft.com/office/powerpoint/2010/main" val="4207735820"/>
+        <p14:creationId xmlns:p14="http://schemas.microsoft.com/office/powerpoint/2010/main" val="1398996013"/>
       </p:ext>
     </p:extLst>
   </p:cSld>
@@ -5029,7 +1453,7 @@
       </p:grpSpPr>
       <p:sp>
         <p:nvSpPr>
-          <p:cNvPr id="2" name="Symbol zastępczy obrazu slajdu 1"/>
+          <p:cNvPr id="2" name="Obraz slajdu — symbol zastępczy 1"/>
           <p:cNvSpPr>
             <a:spLocks noGrp="1" noRot="1" noChangeAspect="1"/>
           </p:cNvSpPr>
@@ -5041,7 +1465,7 @@
       </p:sp>
       <p:sp>
         <p:nvSpPr>
-          <p:cNvPr id="3" name="Symbol zastępczy notatek 2"/>
+          <p:cNvPr id="3" name="Notatki — symbol zastępczy 2"/>
           <p:cNvSpPr>
             <a:spLocks noGrp="1"/>
           </p:cNvSpPr>
@@ -5051,16 +1475,17 @@
         </p:nvSpPr>
         <p:spPr/>
         <p:txBody>
-          <a:bodyPr/>
+          <a:bodyPr rtlCol="0"/>
           <a:lstStyle/>
           <a:p>
+            <a:pPr rtl="0"/>
             <a:endParaRPr lang="pl-PL"/>
           </a:p>
         </p:txBody>
       </p:sp>
       <p:sp>
         <p:nvSpPr>
-          <p:cNvPr id="4" name="Symbol zastępczy numeru slajdu 3"/>
+          <p:cNvPr id="4" name="Numer slajdu — symbol zastępczy 3"/>
           <p:cNvSpPr>
             <a:spLocks noGrp="1"/>
           </p:cNvSpPr>
@@ -5070,7 +1495,7 @@
         </p:nvSpPr>
         <p:spPr/>
         <p:txBody>
-          <a:bodyPr/>
+          <a:bodyPr rtlCol="0"/>
           <a:lstStyle/>
           <a:p>
             <a:pPr rtl="0"/>
@@ -5085,7 +1510,7 @@
     </p:spTree>
     <p:extLst>
       <p:ext uri="{BB962C8B-B14F-4D97-AF65-F5344CB8AC3E}">
-        <p14:creationId xmlns:p14="http://schemas.microsoft.com/office/powerpoint/2010/main" val="1398996013"/>
+        <p14:creationId xmlns:p14="http://schemas.microsoft.com/office/powerpoint/2010/main" val="2254968247"/>
       </p:ext>
     </p:extLst>
   </p:cSld>
@@ -19660,7 +16085,7 @@
             <a:spLocks noGrp="1"/>
           </p:cNvSpPr>
           <p:nvPr>
-            <p:ph type="title"/>
+            <p:ph type="ctrTitle"/>
           </p:nvPr>
         </p:nvSpPr>
         <p:spPr/>
@@ -19671,91 +16096,19 @@
             <a:pPr rtl="0"/>
             <a:r>
               <a:rPr lang="pl-PL" dirty="0"/>
-              <a:t>Układ Tytuł i zawartość z grafiką </a:t>
+              <a:t>Koniec</a:t>
             </a:r>
-            <a:r>
-              <a:rPr lang="pl-PL" dirty="0" err="1"/>
-              <a:t>SmartArt</a:t>
-            </a:r>
-            <a:endParaRPr lang="pl-PL" dirty="0"/>
           </a:p>
         </p:txBody>
       </p:sp>
-      <p:graphicFrame>
-        <p:nvGraphicFramePr>
-          <p:cNvPr id="4" name="Zawartość — symbol zastępczy 3" descr="Diagram Strzałki procesu przedstawiający 3 kroki rozmieszczone od lewej do prawej z opisami zadań dla każdej grupy"/>
-          <p:cNvGraphicFramePr>
-            <a:graphicFrameLocks noGrp="1"/>
-          </p:cNvGraphicFramePr>
-          <p:nvPr>
-            <p:ph idx="1"/>
-            <p:extLst>
-              <p:ext uri="{D42A27DB-BD31-4B8C-83A1-F6EECF244321}">
-                <p14:modId xmlns:p14="http://schemas.microsoft.com/office/powerpoint/2010/main" val="595792156"/>
-              </p:ext>
-            </p:extLst>
-          </p:nvPr>
-        </p:nvGraphicFramePr>
-        <p:xfrm>
-          <a:off x="1295400" y="1981200"/>
-          <a:ext cx="9601200" cy="3810000"/>
-        </p:xfrm>
-        <a:graphic>
-          <a:graphicData uri="http://schemas.openxmlformats.org/drawingml/2006/diagram">
-            <dgm:relIds xmlns:dgm="http://schemas.openxmlformats.org/drawingml/2006/diagram" xmlns:r="http://schemas.openxmlformats.org/officeDocument/2006/relationships" r:dm="rId3" r:lo="rId4" r:qs="rId5" r:cs="rId6"/>
-          </a:graphicData>
-        </a:graphic>
-      </p:graphicFrame>
-    </p:spTree>
-    <p:extLst>
-      <p:ext uri="{BB962C8B-B14F-4D97-AF65-F5344CB8AC3E}">
-        <p14:creationId xmlns:p14="http://schemas.microsoft.com/office/powerpoint/2010/main" val="2761515851"/>
-      </p:ext>
-    </p:extLst>
-  </p:cSld>
-  <p:clrMapOvr>
-    <a:masterClrMapping/>
-  </p:clrMapOvr>
-  <mc:AlternateContent xmlns:mc="http://schemas.openxmlformats.org/markup-compatibility/2006" xmlns:p14="http://schemas.microsoft.com/office/powerpoint/2010/main">
-    <mc:Choice Requires="p14">
-      <p:transition spd="med" p14:dur="700">
-        <p:fade/>
-      </p:transition>
-    </mc:Choice>
-    <mc:Fallback xmlns="">
-      <p:transition spd="med">
-        <p:fade/>
-      </p:transition>
-    </mc:Fallback>
-  </mc:AlternateContent>
-</p:sld>
-</file>
-
-<file path=ppt/slides/slide11.xml><?xml version="1.0" encoding="utf-8"?>
-<p:sld xmlns:a="http://schemas.openxmlformats.org/drawingml/2006/main" xmlns:r="http://schemas.openxmlformats.org/officeDocument/2006/relationships" xmlns:p="http://schemas.openxmlformats.org/presentationml/2006/main">
-  <p:cSld>
-    <p:spTree>
-      <p:nvGrpSpPr>
-        <p:cNvPr id="1" name=""/>
-        <p:cNvGrpSpPr/>
-        <p:nvPr/>
-      </p:nvGrpSpPr>
-      <p:grpSpPr>
-        <a:xfrm>
-          <a:off x="0" y="0"/>
-          <a:ext cx="0" cy="0"/>
-          <a:chOff x="0" y="0"/>
-          <a:chExt cx="0" cy="0"/>
-        </a:xfrm>
-      </p:grpSpPr>
       <p:sp>
         <p:nvSpPr>
-          <p:cNvPr id="2" name="Tytuł 1"/>
+          <p:cNvPr id="3" name="Podtytuł 2"/>
           <p:cNvSpPr>
             <a:spLocks noGrp="1"/>
           </p:cNvSpPr>
           <p:nvPr>
-            <p:ph type="title"/>
+            <p:ph type="subTitle" idx="1"/>
           </p:nvPr>
         </p:nvSpPr>
         <p:spPr/>
@@ -19765,238 +16118,8 @@
           <a:p>
             <a:pPr rtl="0"/>
             <a:r>
-              <a:rPr lang="pl-PL"/>
-              <a:t>Dodaj tytuł slajdu — 1</a:t>
-            </a:r>
-          </a:p>
-        </p:txBody>
-      </p:sp>
-      <p:sp>
-        <p:nvSpPr>
-          <p:cNvPr id="3" name="Tekst — symbol zastępczy 2"/>
-          <p:cNvSpPr>
-            <a:spLocks noGrp="1"/>
-          </p:cNvSpPr>
-          <p:nvPr>
-            <p:ph type="body" idx="1"/>
-          </p:nvPr>
-        </p:nvSpPr>
-        <p:spPr/>
-        <p:txBody>
-          <a:bodyPr rtlCol="0"/>
-          <a:lstStyle/>
-          <a:p>
-            <a:pPr rtl="0"/>
-            <a:endParaRPr lang="pl-PL"/>
-          </a:p>
-        </p:txBody>
-      </p:sp>
-    </p:spTree>
-    <p:extLst>
-      <p:ext uri="{BB962C8B-B14F-4D97-AF65-F5344CB8AC3E}">
-        <p14:creationId xmlns:p14="http://schemas.microsoft.com/office/powerpoint/2010/main" val="2362296366"/>
-      </p:ext>
-    </p:extLst>
-  </p:cSld>
-  <p:clrMapOvr>
-    <a:masterClrMapping/>
-  </p:clrMapOvr>
-  <mc:AlternateContent xmlns:mc="http://schemas.openxmlformats.org/markup-compatibility/2006" xmlns:p14="http://schemas.microsoft.com/office/powerpoint/2010/main">
-    <mc:Choice Requires="p14">
-      <p:transition spd="med" p14:dur="700">
-        <p:fade/>
-      </p:transition>
-    </mc:Choice>
-    <mc:Fallback xmlns="">
-      <p:transition spd="med">
-        <p:fade/>
-      </p:transition>
-    </mc:Fallback>
-  </mc:AlternateContent>
-</p:sld>
-</file>
-
-<file path=ppt/slides/slide12.xml><?xml version="1.0" encoding="utf-8"?>
-<p:sld xmlns:a="http://schemas.openxmlformats.org/drawingml/2006/main" xmlns:r="http://schemas.openxmlformats.org/officeDocument/2006/relationships" xmlns:p="http://schemas.openxmlformats.org/presentationml/2006/main">
-  <p:cSld>
-    <p:spTree>
-      <p:nvGrpSpPr>
-        <p:cNvPr id="1" name=""/>
-        <p:cNvGrpSpPr/>
-        <p:nvPr/>
-      </p:nvGrpSpPr>
-      <p:grpSpPr>
-        <a:xfrm>
-          <a:off x="0" y="0"/>
-          <a:ext cx="0" cy="0"/>
-          <a:chOff x="0" y="0"/>
-          <a:chExt cx="0" cy="0"/>
-        </a:xfrm>
-      </p:grpSpPr>
-      <p:sp>
-        <p:nvSpPr>
-          <p:cNvPr id="2" name="Tytuł 1"/>
-          <p:cNvSpPr>
-            <a:spLocks noGrp="1"/>
-          </p:cNvSpPr>
-          <p:nvPr>
-            <p:ph type="title"/>
-          </p:nvPr>
-        </p:nvSpPr>
-        <p:spPr/>
-        <p:txBody>
-          <a:bodyPr rtlCol="0"/>
-          <a:lstStyle/>
-          <a:p>
-            <a:pPr rtl="0"/>
-            <a:r>
-              <a:rPr lang="pl-PL"/>
-              <a:t>Dodaj tytuł slajdu — 2</a:t>
-            </a:r>
-          </a:p>
-        </p:txBody>
-      </p:sp>
-      <p:sp>
-        <p:nvSpPr>
-          <p:cNvPr id="3" name="Tekst — symbol zastępczy 2"/>
-          <p:cNvSpPr>
-            <a:spLocks noGrp="1"/>
-          </p:cNvSpPr>
-          <p:nvPr>
-            <p:ph type="body" idx="1"/>
-          </p:nvPr>
-        </p:nvSpPr>
-        <p:spPr/>
-        <p:txBody>
-          <a:bodyPr rtlCol="0"/>
-          <a:lstStyle/>
-          <a:p>
-            <a:pPr rtl="0"/>
-            <a:endParaRPr lang="pl-PL"/>
-          </a:p>
-        </p:txBody>
-      </p:sp>
-      <p:sp>
-        <p:nvSpPr>
-          <p:cNvPr id="4" name="Zawartość — symbol zastępczy 3"/>
-          <p:cNvSpPr>
-            <a:spLocks noGrp="1"/>
-          </p:cNvSpPr>
-          <p:nvPr>
-            <p:ph sz="half" idx="2"/>
-          </p:nvPr>
-        </p:nvSpPr>
-        <p:spPr/>
-        <p:txBody>
-          <a:bodyPr rtlCol="0"/>
-          <a:lstStyle/>
-          <a:p>
-            <a:pPr rtl="0"/>
-            <a:endParaRPr lang="pl-PL"/>
-          </a:p>
-        </p:txBody>
-      </p:sp>
-      <p:sp>
-        <p:nvSpPr>
-          <p:cNvPr id="5" name="Tekst — symbol zastępczy 4"/>
-          <p:cNvSpPr>
-            <a:spLocks noGrp="1"/>
-          </p:cNvSpPr>
-          <p:nvPr>
-            <p:ph type="body" sz="quarter" idx="3"/>
-          </p:nvPr>
-        </p:nvSpPr>
-        <p:spPr/>
-        <p:txBody>
-          <a:bodyPr rtlCol="0"/>
-          <a:lstStyle/>
-          <a:p>
-            <a:pPr rtl="0"/>
-            <a:endParaRPr lang="pl-PL"/>
-          </a:p>
-        </p:txBody>
-      </p:sp>
-      <p:sp>
-        <p:nvSpPr>
-          <p:cNvPr id="6" name="Zawartość — symbol zastępczy 5"/>
-          <p:cNvSpPr>
-            <a:spLocks noGrp="1"/>
-          </p:cNvSpPr>
-          <p:nvPr>
-            <p:ph sz="quarter" idx="4"/>
-          </p:nvPr>
-        </p:nvSpPr>
-        <p:spPr/>
-        <p:txBody>
-          <a:bodyPr rtlCol="0"/>
-          <a:lstStyle/>
-          <a:p>
-            <a:pPr rtl="0"/>
-            <a:endParaRPr lang="pl-PL"/>
-          </a:p>
-        </p:txBody>
-      </p:sp>
-    </p:spTree>
-    <p:extLst>
-      <p:ext uri="{BB962C8B-B14F-4D97-AF65-F5344CB8AC3E}">
-        <p14:creationId xmlns:p14="http://schemas.microsoft.com/office/powerpoint/2010/main" val="3229171051"/>
-      </p:ext>
-    </p:extLst>
-  </p:cSld>
-  <p:clrMapOvr>
-    <a:masterClrMapping/>
-  </p:clrMapOvr>
-  <mc:AlternateContent xmlns:mc="http://schemas.openxmlformats.org/markup-compatibility/2006" xmlns:p14="http://schemas.microsoft.com/office/powerpoint/2010/main">
-    <mc:Choice Requires="p14">
-      <p:transition spd="med" p14:dur="700">
-        <p:fade/>
-      </p:transition>
-    </mc:Choice>
-    <mc:Fallback xmlns="">
-      <p:transition spd="med">
-        <p:fade/>
-      </p:transition>
-    </mc:Fallback>
-  </mc:AlternateContent>
-</p:sld>
-</file>
-
-<file path=ppt/slides/slide13.xml><?xml version="1.0" encoding="utf-8"?>
-<p:sld xmlns:a="http://schemas.openxmlformats.org/drawingml/2006/main" xmlns:r="http://schemas.openxmlformats.org/officeDocument/2006/relationships" xmlns:p="http://schemas.openxmlformats.org/presentationml/2006/main">
-  <p:cSld>
-    <p:spTree>
-      <p:nvGrpSpPr>
-        <p:cNvPr id="1" name=""/>
-        <p:cNvGrpSpPr/>
-        <p:nvPr/>
-      </p:nvGrpSpPr>
-      <p:grpSpPr>
-        <a:xfrm>
-          <a:off x="0" y="0"/>
-          <a:ext cx="0" cy="0"/>
-          <a:chOff x="0" y="0"/>
-          <a:chExt cx="0" cy="0"/>
-        </a:xfrm>
-      </p:grpSpPr>
-      <p:sp>
-        <p:nvSpPr>
-          <p:cNvPr id="2" name="Tytuł 1"/>
-          <p:cNvSpPr>
-            <a:spLocks noGrp="1"/>
-          </p:cNvSpPr>
-          <p:nvPr>
-            <p:ph type="title"/>
-          </p:nvPr>
-        </p:nvSpPr>
-        <p:spPr/>
-        <p:txBody>
-          <a:bodyPr rtlCol="0"/>
-          <a:lstStyle/>
-          <a:p>
-            <a:pPr rtl="0"/>
-            <a:r>
-              <a:rPr lang="pl-PL"/>
-              <a:t>Dodaj tytuł slajdu — 3</a:t>
+              <a:rPr lang="pl-PL" dirty="0"/>
+              <a:t>Dziękuję za uwagę</a:t>
             </a:r>
           </a:p>
         </p:txBody>
@@ -20004,258 +16127,7 @@
     </p:spTree>
     <p:extLst>
       <p:ext uri="{BB962C8B-B14F-4D97-AF65-F5344CB8AC3E}">
-        <p14:creationId xmlns:p14="http://schemas.microsoft.com/office/powerpoint/2010/main" val="452733939"/>
-      </p:ext>
-    </p:extLst>
-  </p:cSld>
-  <p:clrMapOvr>
-    <a:masterClrMapping/>
-  </p:clrMapOvr>
-  <mc:AlternateContent xmlns:mc="http://schemas.openxmlformats.org/markup-compatibility/2006" xmlns:p14="http://schemas.microsoft.com/office/powerpoint/2010/main">
-    <mc:Choice Requires="p14">
-      <p:transition spd="med" p14:dur="700">
-        <p:fade/>
-      </p:transition>
-    </mc:Choice>
-    <mc:Fallback xmlns="">
-      <p:transition spd="med">
-        <p:fade/>
-      </p:transition>
-    </mc:Fallback>
-  </mc:AlternateContent>
-</p:sld>
-</file>
-
-<file path=ppt/slides/slide14.xml><?xml version="1.0" encoding="utf-8"?>
-<p:sld xmlns:a="http://schemas.openxmlformats.org/drawingml/2006/main" xmlns:r="http://schemas.openxmlformats.org/officeDocument/2006/relationships" xmlns:p="http://schemas.openxmlformats.org/presentationml/2006/main">
-  <p:cSld>
-    <p:spTree>
-      <p:nvGrpSpPr>
-        <p:cNvPr id="1" name=""/>
-        <p:cNvGrpSpPr/>
-        <p:nvPr/>
-      </p:nvGrpSpPr>
-      <p:grpSpPr>
-        <a:xfrm>
-          <a:off x="0" y="0"/>
-          <a:ext cx="0" cy="0"/>
-          <a:chOff x="0" y="0"/>
-          <a:chExt cx="0" cy="0"/>
-        </a:xfrm>
-      </p:grpSpPr>
-    </p:spTree>
-    <p:extLst>
-      <p:ext uri="{BB962C8B-B14F-4D97-AF65-F5344CB8AC3E}">
-        <p14:creationId xmlns:p14="http://schemas.microsoft.com/office/powerpoint/2010/main" val="1544302913"/>
-      </p:ext>
-    </p:extLst>
-  </p:cSld>
-  <p:clrMapOvr>
-    <a:masterClrMapping/>
-  </p:clrMapOvr>
-  <mc:AlternateContent xmlns:mc="http://schemas.openxmlformats.org/markup-compatibility/2006" xmlns:p14="http://schemas.microsoft.com/office/powerpoint/2010/main">
-    <mc:Choice Requires="p14">
-      <p:transition spd="med" p14:dur="700">
-        <p:fade/>
-      </p:transition>
-    </mc:Choice>
-    <mc:Fallback xmlns="">
-      <p:transition spd="med">
-        <p:fade/>
-      </p:transition>
-    </mc:Fallback>
-  </mc:AlternateContent>
-</p:sld>
-</file>
-
-<file path=ppt/slides/slide15.xml><?xml version="1.0" encoding="utf-8"?>
-<p:sld xmlns:a="http://schemas.openxmlformats.org/drawingml/2006/main" xmlns:r="http://schemas.openxmlformats.org/officeDocument/2006/relationships" xmlns:p="http://schemas.openxmlformats.org/presentationml/2006/main">
-  <p:cSld>
-    <p:spTree>
-      <p:nvGrpSpPr>
-        <p:cNvPr id="1" name=""/>
-        <p:cNvGrpSpPr/>
-        <p:nvPr/>
-      </p:nvGrpSpPr>
-      <p:grpSpPr>
-        <a:xfrm>
-          <a:off x="0" y="0"/>
-          <a:ext cx="0" cy="0"/>
-          <a:chOff x="0" y="0"/>
-          <a:chExt cx="0" cy="0"/>
-        </a:xfrm>
-      </p:grpSpPr>
-      <p:sp>
-        <p:nvSpPr>
-          <p:cNvPr id="2" name="Tytuł 1"/>
-          <p:cNvSpPr>
-            <a:spLocks noGrp="1"/>
-          </p:cNvSpPr>
-          <p:nvPr>
-            <p:ph type="title"/>
-          </p:nvPr>
-        </p:nvSpPr>
-        <p:spPr/>
-        <p:txBody>
-          <a:bodyPr rtlCol="0"/>
-          <a:lstStyle/>
-          <a:p>
-            <a:pPr rtl="0"/>
-            <a:r>
-              <a:rPr lang="pl-PL"/>
-              <a:t>Dodaj tytuł slajdu — 4</a:t>
-            </a:r>
-          </a:p>
-        </p:txBody>
-      </p:sp>
-      <p:sp>
-        <p:nvSpPr>
-          <p:cNvPr id="5" name="Zawartość — symbol zastępczy 4"/>
-          <p:cNvSpPr>
-            <a:spLocks noGrp="1"/>
-          </p:cNvSpPr>
-          <p:nvPr>
-            <p:ph idx="1"/>
-          </p:nvPr>
-        </p:nvSpPr>
-        <p:spPr/>
-        <p:txBody>
-          <a:bodyPr rtlCol="0"/>
-          <a:lstStyle/>
-          <a:p>
-            <a:pPr rtl="0"/>
-            <a:endParaRPr lang="pl-PL"/>
-          </a:p>
-        </p:txBody>
-      </p:sp>
-      <p:sp>
-        <p:nvSpPr>
-          <p:cNvPr id="6" name="Tekst — symbol zastępczy 5"/>
-          <p:cNvSpPr>
-            <a:spLocks noGrp="1"/>
-          </p:cNvSpPr>
-          <p:nvPr>
-            <p:ph type="body" sz="half" idx="2"/>
-          </p:nvPr>
-        </p:nvSpPr>
-        <p:spPr/>
-        <p:txBody>
-          <a:bodyPr rtlCol="0"/>
-          <a:lstStyle/>
-          <a:p>
-            <a:pPr rtl="0"/>
-            <a:endParaRPr lang="pl-PL"/>
-          </a:p>
-        </p:txBody>
-      </p:sp>
-    </p:spTree>
-    <p:extLst>
-      <p:ext uri="{BB962C8B-B14F-4D97-AF65-F5344CB8AC3E}">
-        <p14:creationId xmlns:p14="http://schemas.microsoft.com/office/powerpoint/2010/main" val="4101607575"/>
-      </p:ext>
-    </p:extLst>
-  </p:cSld>
-  <p:clrMapOvr>
-    <a:masterClrMapping/>
-  </p:clrMapOvr>
-  <mc:AlternateContent xmlns:mc="http://schemas.openxmlformats.org/markup-compatibility/2006" xmlns:p14="http://schemas.microsoft.com/office/powerpoint/2010/main">
-    <mc:Choice Requires="p14">
-      <p:transition spd="med" p14:dur="700">
-        <p:fade/>
-      </p:transition>
-    </mc:Choice>
-    <mc:Fallback xmlns="">
-      <p:transition spd="med">
-        <p:fade/>
-      </p:transition>
-    </mc:Fallback>
-  </mc:AlternateContent>
-</p:sld>
-</file>
-
-<file path=ppt/slides/slide16.xml><?xml version="1.0" encoding="utf-8"?>
-<p:sld xmlns:a="http://schemas.openxmlformats.org/drawingml/2006/main" xmlns:r="http://schemas.openxmlformats.org/officeDocument/2006/relationships" xmlns:p="http://schemas.openxmlformats.org/presentationml/2006/main">
-  <p:cSld>
-    <p:spTree>
-      <p:nvGrpSpPr>
-        <p:cNvPr id="1" name=""/>
-        <p:cNvGrpSpPr/>
-        <p:nvPr/>
-      </p:nvGrpSpPr>
-      <p:grpSpPr>
-        <a:xfrm>
-          <a:off x="0" y="0"/>
-          <a:ext cx="0" cy="0"/>
-          <a:chOff x="0" y="0"/>
-          <a:chExt cx="0" cy="0"/>
-        </a:xfrm>
-      </p:grpSpPr>
-      <p:sp>
-        <p:nvSpPr>
-          <p:cNvPr id="3" name="Tytuł 2"/>
-          <p:cNvSpPr>
-            <a:spLocks noGrp="1"/>
-          </p:cNvSpPr>
-          <p:nvPr>
-            <p:ph type="title"/>
-          </p:nvPr>
-        </p:nvSpPr>
-        <p:spPr/>
-        <p:txBody>
-          <a:bodyPr rtlCol="0"/>
-          <a:lstStyle/>
-          <a:p>
-            <a:pPr rtl="0"/>
-            <a:r>
-              <a:rPr lang="pl-PL"/>
-              <a:t>Dodaj tytuł slajdu — 5</a:t>
-            </a:r>
-          </a:p>
-        </p:txBody>
-      </p:sp>
-      <p:sp>
-        <p:nvSpPr>
-          <p:cNvPr id="5" name="Obraz — symbol zastępczy 4"/>
-          <p:cNvSpPr>
-            <a:spLocks noGrp="1"/>
-          </p:cNvSpPr>
-          <p:nvPr>
-            <p:ph type="pic" idx="1"/>
-          </p:nvPr>
-        </p:nvSpPr>
-        <p:spPr/>
-        <p:txBody>
-          <a:bodyPr/>
-          <a:lstStyle/>
-          <a:p>
-            <a:endParaRPr lang="pl-PL"/>
-          </a:p>
-        </p:txBody>
-      </p:sp>
-      <p:sp>
-        <p:nvSpPr>
-          <p:cNvPr id="6" name="Tekst — symbol zastępczy 5"/>
-          <p:cNvSpPr>
-            <a:spLocks noGrp="1"/>
-          </p:cNvSpPr>
-          <p:nvPr>
-            <p:ph type="body" sz="half" idx="2"/>
-          </p:nvPr>
-        </p:nvSpPr>
-        <p:spPr/>
-        <p:txBody>
-          <a:bodyPr rtlCol="0"/>
-          <a:lstStyle/>
-          <a:p>
-            <a:pPr rtl="0"/>
-            <a:endParaRPr lang="pl-PL"/>
-          </a:p>
-        </p:txBody>
-      </p:sp>
-    </p:spTree>
-    <p:extLst>
-      <p:ext uri="{BB962C8B-B14F-4D97-AF65-F5344CB8AC3E}">
-        <p14:creationId xmlns:p14="http://schemas.microsoft.com/office/powerpoint/2010/main" val="2794409471"/>
+        <p14:creationId xmlns:p14="http://schemas.microsoft.com/office/powerpoint/2010/main" val="1494422338"/>
       </p:ext>
     </p:extLst>
   </p:cSld>
@@ -20814,13 +16686,13 @@
   <p:clrMapOvr>
     <a:masterClrMapping/>
   </p:clrMapOvr>
-  <mc:AlternateContent xmlns:mc="http://schemas.openxmlformats.org/markup-compatibility/2006">
-    <mc:Choice xmlns:p14="http://schemas.microsoft.com/office/powerpoint/2010/main" Requires="p14">
+  <mc:AlternateContent xmlns:mc="http://schemas.openxmlformats.org/markup-compatibility/2006" xmlns:p14="http://schemas.microsoft.com/office/powerpoint/2010/main">
+    <mc:Choice Requires="p14">
       <p:transition spd="med" p14:dur="700">
         <p:fade/>
       </p:transition>
     </mc:Choice>
-    <mc:Fallback>
+    <mc:Fallback xmlns="">
       <p:transition spd="med">
         <p:fade/>
       </p:transition>
@@ -20864,7 +16736,7 @@
             <a:pPr rtl="0"/>
             <a:r>
               <a:rPr lang="pl-PL" dirty="0"/>
-              <a:t>Najważniejsze wzory</a:t>
+              <a:t>Metodyka obliczeń</a:t>
             </a:r>
           </a:p>
         </p:txBody>
@@ -20886,51 +16758,158 @@
           <a:p>
             <a:pPr rtl="0"/>
             <a:r>
-              <a:rPr lang="pl-PL"/>
-              <a:t>Tutaj dodaj pierwszy punktor</a:t>
+              <a:rPr lang="pl-PL" dirty="0"/>
+              <a:t>Drugie pochodne wartości trzech kątów w czasie, zmiana stanu </a:t>
+            </a:r>
+            <a:r>
+              <a:rPr lang="pl-PL" dirty="0" err="1"/>
+              <a:t>trebusza</a:t>
+            </a:r>
+            <a:r>
+              <a:rPr lang="pl-PL" dirty="0"/>
+              <a:t> obliczane za pomocą metody Eulera-</a:t>
+            </a:r>
+            <a:r>
+              <a:rPr lang="pl-PL" dirty="0" err="1"/>
+              <a:t>Lagrange’a</a:t>
+            </a:r>
+            <a:endParaRPr lang="pl-PL" dirty="0"/>
+          </a:p>
+          <a:p>
+            <a:pPr rtl="0"/>
+            <a:r>
+              <a:rPr lang="pl-PL" dirty="0"/>
+              <a:t>Pozycja każdego członu obliczana na podstawie trzech katów opisujących stan</a:t>
             </a:r>
           </a:p>
           <a:p>
             <a:pPr rtl="0"/>
             <a:r>
-              <a:rPr lang="pl-PL"/>
-              <a:t>Tutaj dodaj drugi punktor</a:t>
-            </a:r>
-          </a:p>
-          <a:p>
-            <a:pPr rtl="0"/>
-            <a:r>
-              <a:rPr lang="pl-PL"/>
-              <a:t>Tutaj dodaj trzeci punktor</a:t>
+              <a:rPr lang="pl-PL" dirty="0"/>
+              <a:t>W momencie wypuszczenia pocisku, liczona energia, prędkości i pozycja pocisku, pozwalające nam określić zasięg i siłę uderzenia</a:t>
             </a:r>
           </a:p>
         </p:txBody>
       </p:sp>
-      <p:sp>
-        <p:nvSpPr>
-          <p:cNvPr id="6" name="Content Placeholder 5">
+      <p:pic>
+        <p:nvPicPr>
+          <p:cNvPr id="10" name="Symbol zastępczy zawartości 9">
             <a:extLst>
               <a:ext uri="{FF2B5EF4-FFF2-40B4-BE49-F238E27FC236}">
-                <a16:creationId xmlns:a16="http://schemas.microsoft.com/office/drawing/2014/main" id="{AD6D72DF-984E-F0F3-229C-66EFED157805}"/>
+                <a16:creationId xmlns:a16="http://schemas.microsoft.com/office/drawing/2014/main" id="{B4BD439C-F649-9712-7A88-0B18DA8A362B}"/>
               </a:ext>
             </a:extLst>
           </p:cNvPr>
-          <p:cNvSpPr>
-            <a:spLocks noGrp="1"/>
-          </p:cNvSpPr>
+          <p:cNvPicPr>
+            <a:picLocks noGrp="1" noChangeAspect="1"/>
+          </p:cNvPicPr>
           <p:nvPr>
             <p:ph sz="half" idx="2"/>
           </p:nvPr>
-        </p:nvSpPr>
-        <p:spPr/>
-        <p:txBody>
-          <a:bodyPr/>
-          <a:lstStyle/>
-          <a:p>
-            <a:endParaRPr lang="pl-PL"/>
-          </a:p>
-        </p:txBody>
-      </p:sp>
+        </p:nvPicPr>
+        <p:blipFill>
+          <a:blip r:embed="rId3"/>
+          <a:stretch>
+            <a:fillRect/>
+          </a:stretch>
+        </p:blipFill>
+        <p:spPr>
+          <a:xfrm>
+            <a:off x="5650602" y="2539475"/>
+            <a:ext cx="4156238" cy="496267"/>
+          </a:xfrm>
+        </p:spPr>
+      </p:pic>
+      <p:pic>
+        <p:nvPicPr>
+          <p:cNvPr id="5" name="Obraz 4">
+            <a:extLst>
+              <a:ext uri="{FF2B5EF4-FFF2-40B4-BE49-F238E27FC236}">
+                <a16:creationId xmlns:a16="http://schemas.microsoft.com/office/drawing/2014/main" id="{13C5FFD9-2AD4-D3C2-588A-6EA4243650E9}"/>
+              </a:ext>
+            </a:extLst>
+          </p:cNvPr>
+          <p:cNvPicPr>
+            <a:picLocks noChangeAspect="1"/>
+          </p:cNvPicPr>
+          <p:nvPr/>
+        </p:nvPicPr>
+        <p:blipFill>
+          <a:blip r:embed="rId4"/>
+          <a:stretch>
+            <a:fillRect/>
+          </a:stretch>
+        </p:blipFill>
+        <p:spPr>
+          <a:xfrm>
+            <a:off x="5600129" y="3073064"/>
+            <a:ext cx="6591871" cy="1226926"/>
+          </a:xfrm>
+          <a:prstGeom prst="rect">
+            <a:avLst/>
+          </a:prstGeom>
+        </p:spPr>
+      </p:pic>
+      <p:pic>
+        <p:nvPicPr>
+          <p:cNvPr id="8" name="Obraz 7">
+            <a:extLst>
+              <a:ext uri="{FF2B5EF4-FFF2-40B4-BE49-F238E27FC236}">
+                <a16:creationId xmlns:a16="http://schemas.microsoft.com/office/drawing/2014/main" id="{7A1D7DD9-7292-2D66-321F-233A0B615390}"/>
+              </a:ext>
+            </a:extLst>
+          </p:cNvPr>
+          <p:cNvPicPr>
+            <a:picLocks noChangeAspect="1"/>
+          </p:cNvPicPr>
+          <p:nvPr/>
+        </p:nvPicPr>
+        <p:blipFill>
+          <a:blip r:embed="rId5"/>
+          <a:stretch>
+            <a:fillRect/>
+          </a:stretch>
+        </p:blipFill>
+        <p:spPr>
+          <a:xfrm>
+            <a:off x="5650602" y="905527"/>
+            <a:ext cx="3718088" cy="1652484"/>
+          </a:xfrm>
+          <a:prstGeom prst="rect">
+            <a:avLst/>
+          </a:prstGeom>
+        </p:spPr>
+      </p:pic>
+      <p:pic>
+        <p:nvPicPr>
+          <p:cNvPr id="12" name="Obraz 11">
+            <a:extLst>
+              <a:ext uri="{FF2B5EF4-FFF2-40B4-BE49-F238E27FC236}">
+                <a16:creationId xmlns:a16="http://schemas.microsoft.com/office/drawing/2014/main" id="{1453E025-D39B-A571-B80E-D4418B0B4BBF}"/>
+              </a:ext>
+            </a:extLst>
+          </p:cNvPr>
+          <p:cNvPicPr>
+            <a:picLocks noChangeAspect="1"/>
+          </p:cNvPicPr>
+          <p:nvPr/>
+        </p:nvPicPr>
+        <p:blipFill>
+          <a:blip r:embed="rId6"/>
+          <a:stretch>
+            <a:fillRect/>
+          </a:stretch>
+        </p:blipFill>
+        <p:spPr>
+          <a:xfrm>
+            <a:off x="5934283" y="4481232"/>
+            <a:ext cx="5758803" cy="1128726"/>
+          </a:xfrm>
+          <a:prstGeom prst="rect">
+            <a:avLst/>
+          </a:prstGeom>
+        </p:spPr>
+      </p:pic>
     </p:spTree>
     <p:extLst>
       <p:ext uri="{BB962C8B-B14F-4D97-AF65-F5344CB8AC3E}">
@@ -21093,13 +17072,13 @@
   <p:clrMapOvr>
     <a:masterClrMapping/>
   </p:clrMapOvr>
-  <mc:AlternateContent xmlns:mc="http://schemas.openxmlformats.org/markup-compatibility/2006">
-    <mc:Choice xmlns:p14="http://schemas.microsoft.com/office/powerpoint/2010/main" Requires="p14">
+  <mc:AlternateContent xmlns:mc="http://schemas.openxmlformats.org/markup-compatibility/2006" xmlns:p14="http://schemas.microsoft.com/office/powerpoint/2010/main">
+    <mc:Choice Requires="p14">
       <p:transition spd="med" p14:dur="700">
         <p:fade/>
       </p:transition>
     </mc:Choice>
-    <mc:Fallback>
+    <mc:Fallback xmlns="">
       <p:transition spd="med">
         <p:fade/>
       </p:transition>
@@ -21188,7 +17167,7 @@
           <a:p>
             <a:r>
               <a:rPr lang="pl-PL" dirty="0"/>
-              <a:t>Kąt wypuszczenia pocisku, dla większości kąt gwarantujący największy zasięg jest w okolicy 45 stopni</a:t>
+              <a:t>Kąt wypuszczenia pocisku, dla większości kąt gwarantujący największy zasięg jest w okolicy 45 stopni (!kąt między poziomem a procą, my kontrolujemy nachylenie ramienia)</a:t>
             </a:r>
           </a:p>
           <a:p>
@@ -21240,13 +17219,13 @@
   <p:clrMapOvr>
     <a:masterClrMapping/>
   </p:clrMapOvr>
-  <mc:AlternateContent xmlns:mc="http://schemas.openxmlformats.org/markup-compatibility/2006">
-    <mc:Choice xmlns:p14="http://schemas.microsoft.com/office/powerpoint/2010/main" Requires="p14">
+  <mc:AlternateContent xmlns:mc="http://schemas.openxmlformats.org/markup-compatibility/2006" xmlns:p14="http://schemas.microsoft.com/office/powerpoint/2010/main">
+    <mc:Choice Requires="p14">
       <p:transition spd="med" p14:dur="700">
         <p:fade/>
       </p:transition>
     </mc:Choice>
-    <mc:Fallback>
+    <mc:Fallback xmlns="">
       <p:transition spd="med">
         <p:fade/>
       </p:transition>
@@ -21373,49 +17352,68 @@
             <a:spLocks noGrp="1"/>
           </p:cNvSpPr>
           <p:nvPr>
-            <p:ph type="ctrTitle"/>
+            <p:ph type="title"/>
           </p:nvPr>
         </p:nvSpPr>
-        <p:spPr/>
+        <p:spPr>
+          <a:xfrm>
+            <a:off x="1295400" y="503853"/>
+            <a:ext cx="9601200" cy="1142385"/>
+          </a:xfrm>
+        </p:spPr>
         <p:txBody>
-          <a:bodyPr rtlCol="0"/>
+          <a:bodyPr rtlCol="0" anchor="b">
+            <a:normAutofit/>
+          </a:bodyPr>
           <a:lstStyle/>
           <a:p>
             <a:pPr rtl="0"/>
             <a:r>
               <a:rPr lang="pl-PL" dirty="0"/>
-              <a:t>Koniec</a:t>
+              <a:t>Przykłady dokładności symulacji z oporami, niestety jest to bardzo trudne zadanie</a:t>
             </a:r>
           </a:p>
         </p:txBody>
       </p:sp>
       <p:sp>
         <p:nvSpPr>
-          <p:cNvPr id="3" name="Podtytuł 2"/>
+          <p:cNvPr id="3" name="Zawartość — symbol zastępczy 2"/>
           <p:cNvSpPr>
             <a:spLocks noGrp="1"/>
           </p:cNvSpPr>
           <p:nvPr>
-            <p:ph type="subTitle" idx="1"/>
+            <p:ph sz="half" idx="1"/>
           </p:nvPr>
         </p:nvSpPr>
-        <p:spPr/>
+        <p:spPr>
+          <a:xfrm>
+            <a:off x="1295399" y="1981199"/>
+            <a:ext cx="9534277" cy="3810001"/>
+          </a:xfrm>
+        </p:spPr>
         <p:txBody>
-          <a:bodyPr rtlCol="0"/>
+          <a:bodyPr rtlCol="0">
+            <a:normAutofit/>
+          </a:bodyPr>
           <a:lstStyle/>
           <a:p>
-            <a:pPr rtl="0"/>
+            <a:pPr marL="0" indent="0" rtl="0">
+              <a:buNone/>
+            </a:pPr>
             <a:r>
-              <a:rPr lang="pl-PL" dirty="0"/>
-              <a:t>Dziękuję za uwagę</a:t>
+              <a:rPr lang="pl-PL" dirty="0">
+                <a:hlinkClick r:id="rId3"/>
+              </a:rPr>
+              <a:t>https://virtualtrebuchet.com/user-projects</a:t>
             </a:r>
+            <a:endParaRPr lang="pl-PL" dirty="0"/>
           </a:p>
         </p:txBody>
       </p:sp>
     </p:spTree>
     <p:extLst>
       <p:ext uri="{BB962C8B-B14F-4D97-AF65-F5344CB8AC3E}">
-        <p14:creationId xmlns:p14="http://schemas.microsoft.com/office/powerpoint/2010/main" val="1494422338"/>
+        <p14:creationId xmlns:p14="http://schemas.microsoft.com/office/powerpoint/2010/main" val="1830535971"/>
       </p:ext>
     </p:extLst>
   </p:cSld>
